--- a/Slide/BSTAT5 - IntroR - 1.pptx
+++ b/Slide/BSTAT5 - IntroR - 1.pptx
@@ -7,14 +7,23 @@
   <p:sldIdLst>
     <p:sldId id="256" r:id="rId2"/>
     <p:sldId id="257" r:id="rId3"/>
-    <p:sldId id="258" r:id="rId4"/>
-    <p:sldId id="259" r:id="rId5"/>
-    <p:sldId id="260" r:id="rId6"/>
-    <p:sldId id="261" r:id="rId7"/>
-    <p:sldId id="262" r:id="rId8"/>
-    <p:sldId id="263" r:id="rId9"/>
-    <p:sldId id="264" r:id="rId10"/>
-    <p:sldId id="265" r:id="rId11"/>
+    <p:sldId id="271" r:id="rId4"/>
+    <p:sldId id="258" r:id="rId5"/>
+    <p:sldId id="259" r:id="rId6"/>
+    <p:sldId id="260" r:id="rId7"/>
+    <p:sldId id="261" r:id="rId8"/>
+    <p:sldId id="262" r:id="rId9"/>
+    <p:sldId id="263" r:id="rId10"/>
+    <p:sldId id="264" r:id="rId11"/>
+    <p:sldId id="274" r:id="rId12"/>
+    <p:sldId id="266" r:id="rId13"/>
+    <p:sldId id="267" r:id="rId14"/>
+    <p:sldId id="268" r:id="rId15"/>
+    <p:sldId id="272" r:id="rId16"/>
+    <p:sldId id="273" r:id="rId17"/>
+    <p:sldId id="265" r:id="rId18"/>
+    <p:sldId id="269" r:id="rId19"/>
+    <p:sldId id="270" r:id="rId20"/>
   </p:sldIdLst>
   <p:sldSz cx="12192000" cy="6858000"/>
   <p:notesSz cx="6858000" cy="9144000"/>
@@ -113,6 +122,11 @@
       </a:defRPr>
     </a:lvl9pPr>
   </p:defaultTextStyle>
+  <p:extLst>
+    <p:ext uri="{EFAFB233-063F-42B5-8137-9DF3F51BA10A}">
+      <p15:sldGuideLst xmlns:p15="http://schemas.microsoft.com/office/powerpoint/2012/main"/>
+    </p:ext>
+  </p:extLst>
 </p:presentation>
 </file>
 
@@ -263,7 +277,7 @@
           <a:p>
             <a:fld id="{9BC484E4-5986-4641-8001-5AB15EC72EEF}" type="datetimeFigureOut">
               <a:rPr lang="it-IT" smtClean="0"/>
-              <a:t>31/01/2025</a:t>
+              <a:t>03/02/2025</a:t>
             </a:fld>
             <a:endParaRPr lang="it-IT"/>
           </a:p>
@@ -461,7 +475,7 @@
           <a:p>
             <a:fld id="{9BC484E4-5986-4641-8001-5AB15EC72EEF}" type="datetimeFigureOut">
               <a:rPr lang="it-IT" smtClean="0"/>
-              <a:t>31/01/2025</a:t>
+              <a:t>03/02/2025</a:t>
             </a:fld>
             <a:endParaRPr lang="it-IT"/>
           </a:p>
@@ -669,7 +683,7 @@
           <a:p>
             <a:fld id="{9BC484E4-5986-4641-8001-5AB15EC72EEF}" type="datetimeFigureOut">
               <a:rPr lang="it-IT" smtClean="0"/>
-              <a:t>31/01/2025</a:t>
+              <a:t>03/02/2025</a:t>
             </a:fld>
             <a:endParaRPr lang="it-IT"/>
           </a:p>
@@ -867,7 +881,7 @@
           <a:p>
             <a:fld id="{9BC484E4-5986-4641-8001-5AB15EC72EEF}" type="datetimeFigureOut">
               <a:rPr lang="it-IT" smtClean="0"/>
-              <a:t>31/01/2025</a:t>
+              <a:t>03/02/2025</a:t>
             </a:fld>
             <a:endParaRPr lang="it-IT"/>
           </a:p>
@@ -1142,7 +1156,7 @@
           <a:p>
             <a:fld id="{9BC484E4-5986-4641-8001-5AB15EC72EEF}" type="datetimeFigureOut">
               <a:rPr lang="it-IT" smtClean="0"/>
-              <a:t>31/01/2025</a:t>
+              <a:t>03/02/2025</a:t>
             </a:fld>
             <a:endParaRPr lang="it-IT"/>
           </a:p>
@@ -1407,7 +1421,7 @@
           <a:p>
             <a:fld id="{9BC484E4-5986-4641-8001-5AB15EC72EEF}" type="datetimeFigureOut">
               <a:rPr lang="it-IT" smtClean="0"/>
-              <a:t>31/01/2025</a:t>
+              <a:t>03/02/2025</a:t>
             </a:fld>
             <a:endParaRPr lang="it-IT"/>
           </a:p>
@@ -1819,7 +1833,7 @@
           <a:p>
             <a:fld id="{9BC484E4-5986-4641-8001-5AB15EC72EEF}" type="datetimeFigureOut">
               <a:rPr lang="it-IT" smtClean="0"/>
-              <a:t>31/01/2025</a:t>
+              <a:t>03/02/2025</a:t>
             </a:fld>
             <a:endParaRPr lang="it-IT"/>
           </a:p>
@@ -1960,7 +1974,7 @@
           <a:p>
             <a:fld id="{9BC484E4-5986-4641-8001-5AB15EC72EEF}" type="datetimeFigureOut">
               <a:rPr lang="it-IT" smtClean="0"/>
-              <a:t>31/01/2025</a:t>
+              <a:t>03/02/2025</a:t>
             </a:fld>
             <a:endParaRPr lang="it-IT"/>
           </a:p>
@@ -2073,7 +2087,7 @@
           <a:p>
             <a:fld id="{9BC484E4-5986-4641-8001-5AB15EC72EEF}" type="datetimeFigureOut">
               <a:rPr lang="it-IT" smtClean="0"/>
-              <a:t>31/01/2025</a:t>
+              <a:t>03/02/2025</a:t>
             </a:fld>
             <a:endParaRPr lang="it-IT"/>
           </a:p>
@@ -2384,7 +2398,7 @@
           <a:p>
             <a:fld id="{9BC484E4-5986-4641-8001-5AB15EC72EEF}" type="datetimeFigureOut">
               <a:rPr lang="it-IT" smtClean="0"/>
-              <a:t>31/01/2025</a:t>
+              <a:t>03/02/2025</a:t>
             </a:fld>
             <a:endParaRPr lang="it-IT"/>
           </a:p>
@@ -2672,7 +2686,7 @@
           <a:p>
             <a:fld id="{9BC484E4-5986-4641-8001-5AB15EC72EEF}" type="datetimeFigureOut">
               <a:rPr lang="it-IT" smtClean="0"/>
-              <a:t>31/01/2025</a:t>
+              <a:t>03/02/2025</a:t>
             </a:fld>
             <a:endParaRPr lang="it-IT"/>
           </a:p>
@@ -2913,7 +2927,7 @@
           <a:p>
             <a:fld id="{9BC484E4-5986-4641-8001-5AB15EC72EEF}" type="datetimeFigureOut">
               <a:rPr lang="it-IT" smtClean="0"/>
-              <a:t>31/01/2025</a:t>
+              <a:t>03/02/2025</a:t>
             </a:fld>
             <a:endParaRPr lang="it-IT"/>
           </a:p>
@@ -3415,6 +3429,4580 @@
           <p:cNvPr id="2" name="Titolo 1">
             <a:extLst>
               <a:ext uri="{FF2B5EF4-FFF2-40B4-BE49-F238E27FC236}">
+                <a16:creationId xmlns:a16="http://schemas.microsoft.com/office/drawing/2014/main" id="{D2B76FBB-BE38-8B8F-C8DE-39D3BA2EF06F}"/>
+              </a:ext>
+            </a:extLst>
+          </p:cNvPr>
+          <p:cNvSpPr>
+            <a:spLocks noGrp="1"/>
+          </p:cNvSpPr>
+          <p:nvPr>
+            <p:ph type="title"/>
+          </p:nvPr>
+        </p:nvSpPr>
+        <p:spPr>
+          <a:xfrm>
+            <a:off x="838200" y="18255"/>
+            <a:ext cx="10515600" cy="1325563"/>
+          </a:xfrm>
+        </p:spPr>
+        <p:txBody>
+          <a:bodyPr/>
+          <a:lstStyle/>
+          <a:p>
+            <a:r>
+              <a:rPr lang="it-IT" dirty="0"/>
+              <a:t>Indici di posizione (3)</a:t>
+            </a:r>
+          </a:p>
+        </p:txBody>
+      </p:sp>
+      <mc:AlternateContent xmlns:mc="http://schemas.openxmlformats.org/markup-compatibility/2006">
+        <mc:Choice xmlns:a14="http://schemas.microsoft.com/office/drawing/2010/main" Requires="a14">
+          <p:sp>
+            <p:nvSpPr>
+              <p:cNvPr id="7" name="Segnaposto contenuto 6">
+                <a:extLst>
+                  <a:ext uri="{FF2B5EF4-FFF2-40B4-BE49-F238E27FC236}">
+                    <a16:creationId xmlns:a16="http://schemas.microsoft.com/office/drawing/2014/main" id="{CA78DC45-A86C-97D1-45B9-607F02384A09}"/>
+                  </a:ext>
+                </a:extLst>
+              </p:cNvPr>
+              <p:cNvSpPr>
+                <a:spLocks noGrp="1"/>
+              </p:cNvSpPr>
+              <p:nvPr>
+                <p:ph idx="1"/>
+              </p:nvPr>
+            </p:nvSpPr>
+            <p:spPr>
+              <a:xfrm>
+                <a:off x="838200" y="1343817"/>
+                <a:ext cx="10515600" cy="5248051"/>
+              </a:xfrm>
+            </p:spPr>
+            <p:txBody>
+              <a:bodyPr>
+                <a:normAutofit fontScale="92500"/>
+              </a:bodyPr>
+              <a:lstStyle/>
+              <a:p>
+                <a:r>
+                  <a:rPr lang="it-IT" dirty="0"/>
+                  <a:t>Se</a:t>
+                </a:r>
+                <a14:m>
+                  <m:oMath xmlns:m="http://schemas.openxmlformats.org/officeDocument/2006/math">
+                    <m:r>
+                      <a:rPr lang="it-IT" b="0" i="0" smtClean="0">
+                        <a:latin typeface="Cambria Math" panose="02040503050406030204" pitchFamily="18" charset="0"/>
+                      </a:rPr>
+                      <m:t> </m:t>
+                    </m:r>
+                    <m:r>
+                      <a:rPr lang="it-IT" b="0" i="1" smtClean="0">
+                        <a:latin typeface="Cambria Math" panose="02040503050406030204" pitchFamily="18" charset="0"/>
+                      </a:rPr>
+                      <m:t>𝑝</m:t>
+                    </m:r>
+                    <m:r>
+                      <a:rPr lang="it-IT" b="0" i="1" smtClean="0">
+                        <a:latin typeface="Cambria Math" panose="02040503050406030204" pitchFamily="18" charset="0"/>
+                      </a:rPr>
+                      <m:t>∈</m:t>
+                    </m:r>
+                    <m:r>
+                      <m:rPr>
+                        <m:lit/>
+                      </m:rPr>
+                      <a:rPr lang="it-IT" b="0" i="1" smtClean="0">
+                        <a:latin typeface="Cambria Math" panose="02040503050406030204" pitchFamily="18" charset="0"/>
+                      </a:rPr>
+                      <m:t>{</m:t>
+                    </m:r>
+                    <m:r>
+                      <a:rPr lang="it-IT" b="0" i="1" smtClean="0">
+                        <a:latin typeface="Cambria Math" panose="02040503050406030204" pitchFamily="18" charset="0"/>
+                      </a:rPr>
+                      <m:t>0.1, 0.2, 0.3, …, 0.8, 0.9}</m:t>
+                    </m:r>
+                  </m:oMath>
+                </a14:m>
+                <a:r>
+                  <a:rPr lang="it-IT" dirty="0"/>
+                  <a:t>, i quantili prendono il nome di </a:t>
+                </a:r>
+                <a:r>
+                  <a:rPr lang="it-IT" b="1" dirty="0">
+                    <a:solidFill>
+                      <a:srgbClr val="C00000"/>
+                    </a:solidFill>
+                  </a:rPr>
+                  <a:t>decili</a:t>
+                </a:r>
+                <a:r>
+                  <a:rPr lang="it-IT" dirty="0"/>
+                  <a:t>.</a:t>
+                </a:r>
+              </a:p>
+              <a:p>
+                <a:endParaRPr lang="it-IT" sz="100" dirty="0"/>
+              </a:p>
+              <a:p>
+                <a:r>
+                  <a:rPr lang="it-IT" dirty="0"/>
+                  <a:t>Se</a:t>
+                </a:r>
+                <a14:m>
+                  <m:oMath xmlns:m="http://schemas.openxmlformats.org/officeDocument/2006/math">
+                    <m:r>
+                      <a:rPr lang="it-IT" b="0" i="0" smtClean="0">
+                        <a:latin typeface="Cambria Math" panose="02040503050406030204" pitchFamily="18" charset="0"/>
+                      </a:rPr>
+                      <m:t> </m:t>
+                    </m:r>
+                    <m:r>
+                      <a:rPr lang="it-IT" b="0" i="1" smtClean="0">
+                        <a:latin typeface="Cambria Math" panose="02040503050406030204" pitchFamily="18" charset="0"/>
+                      </a:rPr>
+                      <m:t>𝑝</m:t>
+                    </m:r>
+                    <m:r>
+                      <a:rPr lang="it-IT" b="0" i="1" smtClean="0">
+                        <a:latin typeface="Cambria Math" panose="02040503050406030204" pitchFamily="18" charset="0"/>
+                      </a:rPr>
+                      <m:t>∈</m:t>
+                    </m:r>
+                    <m:r>
+                      <m:rPr>
+                        <m:lit/>
+                      </m:rPr>
+                      <a:rPr lang="it-IT" b="0" i="1" smtClean="0">
+                        <a:latin typeface="Cambria Math" panose="02040503050406030204" pitchFamily="18" charset="0"/>
+                      </a:rPr>
+                      <m:t>{</m:t>
+                    </m:r>
+                    <m:r>
+                      <a:rPr lang="it-IT" b="0" i="1" smtClean="0">
+                        <a:latin typeface="Cambria Math" panose="02040503050406030204" pitchFamily="18" charset="0"/>
+                      </a:rPr>
+                      <m:t>0.01, 0.02, …, 0.98, 0.99}</m:t>
+                    </m:r>
+                  </m:oMath>
+                </a14:m>
+                <a:r>
+                  <a:rPr lang="it-IT" dirty="0"/>
+                  <a:t>, i quantili prendono il nome di </a:t>
+                </a:r>
+                <a:r>
+                  <a:rPr lang="it-IT" b="1" dirty="0">
+                    <a:solidFill>
+                      <a:srgbClr val="C00000"/>
+                    </a:solidFill>
+                  </a:rPr>
+                  <a:t>percentili</a:t>
+                </a:r>
+                <a:r>
+                  <a:rPr lang="it-IT" dirty="0"/>
+                  <a:t>.</a:t>
+                </a:r>
+              </a:p>
+              <a:p>
+                <a:endParaRPr lang="it-IT" sz="100" dirty="0"/>
+              </a:p>
+              <a:p>
+                <a:r>
+                  <a:rPr lang="it-IT" dirty="0"/>
+                  <a:t>Il quantile di ordine </a:t>
+                </a:r>
+                <a14:m>
+                  <m:oMath xmlns:m="http://schemas.openxmlformats.org/officeDocument/2006/math">
+                    <m:r>
+                      <a:rPr lang="it-IT" b="0" i="1" smtClean="0">
+                        <a:latin typeface="Cambria Math" panose="02040503050406030204" pitchFamily="18" charset="0"/>
+                      </a:rPr>
+                      <m:t>𝑝</m:t>
+                    </m:r>
+                    <m:r>
+                      <a:rPr lang="it-IT" b="0" i="1" smtClean="0">
+                        <a:latin typeface="Cambria Math" panose="02040503050406030204" pitchFamily="18" charset="0"/>
+                      </a:rPr>
+                      <m:t>=0.5</m:t>
+                    </m:r>
+                  </m:oMath>
+                </a14:m>
+                <a:r>
+                  <a:rPr lang="it-IT" dirty="0"/>
+                  <a:t> viene chiamato </a:t>
+                </a:r>
+                <a:r>
+                  <a:rPr lang="it-IT" b="1" dirty="0">
+                    <a:solidFill>
+                      <a:srgbClr val="C00000"/>
+                    </a:solidFill>
+                  </a:rPr>
+                  <a:t>mediana</a:t>
+                </a:r>
+                <a:r>
+                  <a:rPr lang="it-IT" dirty="0"/>
+                  <a:t>, la quale rappresenta il valore che, nella successione ordinata dei dati, occupa la posizione centrale.</a:t>
+                </a:r>
+                <a:br>
+                  <a:rPr lang="it-IT" dirty="0"/>
+                </a:br>
+                <a14:m>
+                  <m:oMath xmlns:m="http://schemas.openxmlformats.org/officeDocument/2006/math">
+                    <m:r>
+                      <a:rPr lang="it-IT" b="0" i="1" smtClean="0">
+                        <a:latin typeface="Cambria Math" panose="02040503050406030204" pitchFamily="18" charset="0"/>
+                      </a:rPr>
+                      <m:t>𝑀𝑒</m:t>
+                    </m:r>
+                    <m:d>
+                      <m:dPr>
+                        <m:ctrlPr>
+                          <a:rPr lang="it-IT" b="0" i="1" smtClean="0">
+                            <a:latin typeface="Cambria Math" panose="02040503050406030204" pitchFamily="18" charset="0"/>
+                          </a:rPr>
+                        </m:ctrlPr>
+                      </m:dPr>
+                      <m:e>
+                        <m:r>
+                          <a:rPr lang="it-IT" b="0" i="1" smtClean="0">
+                            <a:latin typeface="Cambria Math" panose="02040503050406030204" pitchFamily="18" charset="0"/>
+                          </a:rPr>
+                          <m:t>𝑋</m:t>
+                        </m:r>
+                      </m:e>
+                    </m:d>
+                    <m:r>
+                      <a:rPr lang="it-IT" b="0" i="1" smtClean="0">
+                        <a:latin typeface="Cambria Math" panose="02040503050406030204" pitchFamily="18" charset="0"/>
+                      </a:rPr>
+                      <m:t>= </m:t>
+                    </m:r>
+                    <m:d>
+                      <m:dPr>
+                        <m:begChr m:val="{"/>
+                        <m:endChr m:val=""/>
+                        <m:ctrlPr>
+                          <a:rPr lang="it-IT" b="0" i="1" smtClean="0">
+                            <a:latin typeface="Cambria Math" panose="02040503050406030204" pitchFamily="18" charset="0"/>
+                          </a:rPr>
+                        </m:ctrlPr>
+                      </m:dPr>
+                      <m:e>
+                        <m:eqArr>
+                          <m:eqArrPr>
+                            <m:ctrlPr>
+                              <a:rPr lang="it-IT" b="0" i="1" smtClean="0">
+                                <a:latin typeface="Cambria Math" panose="02040503050406030204" pitchFamily="18" charset="0"/>
+                              </a:rPr>
+                            </m:ctrlPr>
+                          </m:eqArrPr>
+                          <m:e>
+                            <m:sSub>
+                              <m:sSubPr>
+                                <m:ctrlPr>
+                                  <a:rPr lang="it-IT" b="0" i="1" smtClean="0">
+                                    <a:latin typeface="Cambria Math" panose="02040503050406030204" pitchFamily="18" charset="0"/>
+                                  </a:rPr>
+                                </m:ctrlPr>
+                              </m:sSubPr>
+                              <m:e>
+                                <m:r>
+                                  <a:rPr lang="it-IT" b="0" i="1" smtClean="0">
+                                    <a:latin typeface="Cambria Math" panose="02040503050406030204" pitchFamily="18" charset="0"/>
+                                  </a:rPr>
+                                  <m:t>𝑥</m:t>
+                                </m:r>
+                              </m:e>
+                              <m:sub>
+                                <m:d>
+                                  <m:dPr>
+                                    <m:ctrlPr>
+                                      <a:rPr lang="it-IT" b="0" i="1" smtClean="0">
+                                        <a:latin typeface="Cambria Math" panose="02040503050406030204" pitchFamily="18" charset="0"/>
+                                      </a:rPr>
+                                    </m:ctrlPr>
+                                  </m:dPr>
+                                  <m:e>
+                                    <m:f>
+                                      <m:fPr>
+                                        <m:ctrlPr>
+                                          <a:rPr lang="it-IT" b="0" i="1" smtClean="0">
+                                            <a:latin typeface="Cambria Math" panose="02040503050406030204" pitchFamily="18" charset="0"/>
+                                          </a:rPr>
+                                        </m:ctrlPr>
+                                      </m:fPr>
+                                      <m:num>
+                                        <m:r>
+                                          <a:rPr lang="it-IT" b="0" i="1" smtClean="0">
+                                            <a:latin typeface="Cambria Math" panose="02040503050406030204" pitchFamily="18" charset="0"/>
+                                          </a:rPr>
+                                          <m:t>𝑁</m:t>
+                                        </m:r>
+                                        <m:r>
+                                          <a:rPr lang="it-IT" b="0" i="1" smtClean="0">
+                                            <a:latin typeface="Cambria Math" panose="02040503050406030204" pitchFamily="18" charset="0"/>
+                                          </a:rPr>
+                                          <m:t>+1</m:t>
+                                        </m:r>
+                                      </m:num>
+                                      <m:den>
+                                        <m:r>
+                                          <a:rPr lang="it-IT" b="0" i="1" smtClean="0">
+                                            <a:latin typeface="Cambria Math" panose="02040503050406030204" pitchFamily="18" charset="0"/>
+                                          </a:rPr>
+                                          <m:t>2</m:t>
+                                        </m:r>
+                                      </m:den>
+                                    </m:f>
+                                  </m:e>
+                                </m:d>
+                              </m:sub>
+                            </m:sSub>
+                            <m:r>
+                              <a:rPr lang="it-IT" b="0" i="1" smtClean="0">
+                                <a:latin typeface="Cambria Math" panose="02040503050406030204" pitchFamily="18" charset="0"/>
+                              </a:rPr>
+                              <m:t>                             </m:t>
+                            </m:r>
+                            <m:r>
+                              <a:rPr lang="it-IT" b="0" i="1" smtClean="0">
+                                <a:latin typeface="Cambria Math" panose="02040503050406030204" pitchFamily="18" charset="0"/>
+                              </a:rPr>
+                              <m:t>𝑠𝑒</m:t>
+                            </m:r>
+                            <m:r>
+                              <a:rPr lang="it-IT" b="0" i="1" smtClean="0">
+                                <a:latin typeface="Cambria Math" panose="02040503050406030204" pitchFamily="18" charset="0"/>
+                              </a:rPr>
+                              <m:t> </m:t>
+                            </m:r>
+                            <m:r>
+                              <a:rPr lang="it-IT" b="0" i="1" smtClean="0">
+                                <a:latin typeface="Cambria Math" panose="02040503050406030204" pitchFamily="18" charset="0"/>
+                              </a:rPr>
+                              <m:t>𝑁</m:t>
+                            </m:r>
+                            <m:r>
+                              <a:rPr lang="it-IT" b="0" i="1" smtClean="0">
+                                <a:latin typeface="Cambria Math" panose="02040503050406030204" pitchFamily="18" charset="0"/>
+                              </a:rPr>
+                              <m:t> è </m:t>
+                            </m:r>
+                            <m:r>
+                              <a:rPr lang="it-IT" b="0" i="1" smtClean="0">
+                                <a:latin typeface="Cambria Math" panose="02040503050406030204" pitchFamily="18" charset="0"/>
+                              </a:rPr>
+                              <m:t>𝑑𝑖𝑠𝑝𝑎𝑟𝑖</m:t>
+                            </m:r>
+                          </m:e>
+                          <m:e>
+                            <m:f>
+                              <m:fPr>
+                                <m:ctrlPr>
+                                  <a:rPr lang="it-IT" b="0" i="1" smtClean="0">
+                                    <a:latin typeface="Cambria Math" panose="02040503050406030204" pitchFamily="18" charset="0"/>
+                                  </a:rPr>
+                                </m:ctrlPr>
+                              </m:fPr>
+                              <m:num>
+                                <m:r>
+                                  <a:rPr lang="it-IT" b="0" i="1" smtClean="0">
+                                    <a:latin typeface="Cambria Math" panose="02040503050406030204" pitchFamily="18" charset="0"/>
+                                  </a:rPr>
+                                  <m:t>1</m:t>
+                                </m:r>
+                              </m:num>
+                              <m:den>
+                                <m:r>
+                                  <a:rPr lang="it-IT" b="0" i="1" smtClean="0">
+                                    <a:latin typeface="Cambria Math" panose="02040503050406030204" pitchFamily="18" charset="0"/>
+                                  </a:rPr>
+                                  <m:t>2</m:t>
+                                </m:r>
+                              </m:den>
+                            </m:f>
+                            <m:d>
+                              <m:dPr>
+                                <m:ctrlPr>
+                                  <a:rPr lang="it-IT" b="0" i="1" smtClean="0">
+                                    <a:latin typeface="Cambria Math" panose="02040503050406030204" pitchFamily="18" charset="0"/>
+                                  </a:rPr>
+                                </m:ctrlPr>
+                              </m:dPr>
+                              <m:e>
+                                <m:sSub>
+                                  <m:sSubPr>
+                                    <m:ctrlPr>
+                                      <a:rPr lang="it-IT" i="1">
+                                        <a:latin typeface="Cambria Math" panose="02040503050406030204" pitchFamily="18" charset="0"/>
+                                      </a:rPr>
+                                    </m:ctrlPr>
+                                  </m:sSubPr>
+                                  <m:e>
+                                    <m:r>
+                                      <a:rPr lang="it-IT" i="1">
+                                        <a:latin typeface="Cambria Math" panose="02040503050406030204" pitchFamily="18" charset="0"/>
+                                      </a:rPr>
+                                      <m:t>𝑥</m:t>
+                                    </m:r>
+                                  </m:e>
+                                  <m:sub>
+                                    <m:d>
+                                      <m:dPr>
+                                        <m:ctrlPr>
+                                          <a:rPr lang="it-IT" i="1">
+                                            <a:latin typeface="Cambria Math" panose="02040503050406030204" pitchFamily="18" charset="0"/>
+                                          </a:rPr>
+                                        </m:ctrlPr>
+                                      </m:dPr>
+                                      <m:e>
+                                        <m:f>
+                                          <m:fPr>
+                                            <m:ctrlPr>
+                                              <a:rPr lang="it-IT" i="1">
+                                                <a:latin typeface="Cambria Math" panose="02040503050406030204" pitchFamily="18" charset="0"/>
+                                              </a:rPr>
+                                            </m:ctrlPr>
+                                          </m:fPr>
+                                          <m:num>
+                                            <m:r>
+                                              <a:rPr lang="it-IT" i="1">
+                                                <a:latin typeface="Cambria Math" panose="02040503050406030204" pitchFamily="18" charset="0"/>
+                                              </a:rPr>
+                                              <m:t>𝑁</m:t>
+                                            </m:r>
+                                          </m:num>
+                                          <m:den>
+                                            <m:r>
+                                              <a:rPr lang="it-IT" i="1">
+                                                <a:latin typeface="Cambria Math" panose="02040503050406030204" pitchFamily="18" charset="0"/>
+                                              </a:rPr>
+                                              <m:t>2</m:t>
+                                            </m:r>
+                                          </m:den>
+                                        </m:f>
+                                      </m:e>
+                                    </m:d>
+                                  </m:sub>
+                                </m:sSub>
+                                <m:r>
+                                  <a:rPr lang="it-IT" b="0" i="1" smtClean="0">
+                                    <a:latin typeface="Cambria Math" panose="02040503050406030204" pitchFamily="18" charset="0"/>
+                                  </a:rPr>
+                                  <m:t>+</m:t>
+                                </m:r>
+                                <m:sSub>
+                                  <m:sSubPr>
+                                    <m:ctrlPr>
+                                      <a:rPr lang="it-IT" i="1">
+                                        <a:latin typeface="Cambria Math" panose="02040503050406030204" pitchFamily="18" charset="0"/>
+                                      </a:rPr>
+                                    </m:ctrlPr>
+                                  </m:sSubPr>
+                                  <m:e>
+                                    <m:r>
+                                      <a:rPr lang="it-IT" i="1">
+                                        <a:latin typeface="Cambria Math" panose="02040503050406030204" pitchFamily="18" charset="0"/>
+                                      </a:rPr>
+                                      <m:t>𝑥</m:t>
+                                    </m:r>
+                                  </m:e>
+                                  <m:sub>
+                                    <m:d>
+                                      <m:dPr>
+                                        <m:ctrlPr>
+                                          <a:rPr lang="it-IT" i="1">
+                                            <a:latin typeface="Cambria Math" panose="02040503050406030204" pitchFamily="18" charset="0"/>
+                                          </a:rPr>
+                                        </m:ctrlPr>
+                                      </m:dPr>
+                                      <m:e>
+                                        <m:f>
+                                          <m:fPr>
+                                            <m:ctrlPr>
+                                              <a:rPr lang="it-IT" i="1">
+                                                <a:latin typeface="Cambria Math" panose="02040503050406030204" pitchFamily="18" charset="0"/>
+                                              </a:rPr>
+                                            </m:ctrlPr>
+                                          </m:fPr>
+                                          <m:num>
+                                            <m:r>
+                                              <a:rPr lang="it-IT" i="1">
+                                                <a:latin typeface="Cambria Math" panose="02040503050406030204" pitchFamily="18" charset="0"/>
+                                              </a:rPr>
+                                              <m:t>𝑁</m:t>
+                                            </m:r>
+                                          </m:num>
+                                          <m:den>
+                                            <m:r>
+                                              <a:rPr lang="it-IT" i="1">
+                                                <a:latin typeface="Cambria Math" panose="02040503050406030204" pitchFamily="18" charset="0"/>
+                                              </a:rPr>
+                                              <m:t>2</m:t>
+                                            </m:r>
+                                          </m:den>
+                                        </m:f>
+                                        <m:r>
+                                          <a:rPr lang="it-IT" b="0" i="1" smtClean="0">
+                                            <a:latin typeface="Cambria Math" panose="02040503050406030204" pitchFamily="18" charset="0"/>
+                                          </a:rPr>
+                                          <m:t>+1</m:t>
+                                        </m:r>
+                                      </m:e>
+                                    </m:d>
+                                  </m:sub>
+                                </m:sSub>
+                              </m:e>
+                            </m:d>
+                            <m:r>
+                              <a:rPr lang="it-IT" b="0" i="1" smtClean="0">
+                                <a:latin typeface="Cambria Math" panose="02040503050406030204" pitchFamily="18" charset="0"/>
+                              </a:rPr>
+                              <m:t>              </m:t>
+                            </m:r>
+                            <m:r>
+                              <a:rPr lang="it-IT" i="1">
+                                <a:latin typeface="Cambria Math" panose="02040503050406030204" pitchFamily="18" charset="0"/>
+                              </a:rPr>
+                              <m:t>𝑠𝑒</m:t>
+                            </m:r>
+                            <m:r>
+                              <a:rPr lang="it-IT" i="1">
+                                <a:latin typeface="Cambria Math" panose="02040503050406030204" pitchFamily="18" charset="0"/>
+                              </a:rPr>
+                              <m:t> </m:t>
+                            </m:r>
+                            <m:r>
+                              <a:rPr lang="it-IT" i="1">
+                                <a:latin typeface="Cambria Math" panose="02040503050406030204" pitchFamily="18" charset="0"/>
+                              </a:rPr>
+                              <m:t>𝑁</m:t>
+                            </m:r>
+                            <m:r>
+                              <a:rPr lang="it-IT" i="1">
+                                <a:latin typeface="Cambria Math" panose="02040503050406030204" pitchFamily="18" charset="0"/>
+                              </a:rPr>
+                              <m:t> è </m:t>
+                            </m:r>
+                            <m:r>
+                              <a:rPr lang="it-IT" i="1">
+                                <a:latin typeface="Cambria Math" panose="02040503050406030204" pitchFamily="18" charset="0"/>
+                              </a:rPr>
+                              <m:t>𝑝𝑎𝑟𝑖</m:t>
+                            </m:r>
+                          </m:e>
+                        </m:eqArr>
+                      </m:e>
+                    </m:d>
+                  </m:oMath>
+                </a14:m>
+                <a:endParaRPr lang="it-IT" b="0" dirty="0"/>
+              </a:p>
+              <a:p>
+                <a:endParaRPr lang="it-IT" sz="1600" b="0" dirty="0"/>
+              </a:p>
+              <a:p>
+                <a:pPr marL="0" indent="0">
+                  <a:buNone/>
+                </a:pPr>
+                <a:r>
+                  <a:rPr lang="it-IT" dirty="0"/>
+                  <a:t>dove </a:t>
+                </a:r>
+                <a14:m>
+                  <m:oMath xmlns:m="http://schemas.openxmlformats.org/officeDocument/2006/math">
+                    <m:sSub>
+                      <m:sSubPr>
+                        <m:ctrlPr>
+                          <a:rPr lang="it-IT" i="1" smtClean="0">
+                            <a:latin typeface="Cambria Math" panose="02040503050406030204" pitchFamily="18" charset="0"/>
+                          </a:rPr>
+                        </m:ctrlPr>
+                      </m:sSubPr>
+                      <m:e>
+                        <m:r>
+                          <a:rPr lang="it-IT" b="0" i="1" smtClean="0">
+                            <a:latin typeface="Cambria Math" panose="02040503050406030204" pitchFamily="18" charset="0"/>
+                          </a:rPr>
+                          <m:t>𝑥</m:t>
+                        </m:r>
+                      </m:e>
+                      <m:sub>
+                        <m:r>
+                          <a:rPr lang="it-IT" b="0" i="1" smtClean="0">
+                            <a:latin typeface="Cambria Math" panose="02040503050406030204" pitchFamily="18" charset="0"/>
+                          </a:rPr>
+                          <m:t>(</m:t>
+                        </m:r>
+                        <m:r>
+                          <a:rPr lang="it-IT" b="0" i="1" smtClean="0">
+                            <a:latin typeface="Cambria Math" panose="02040503050406030204" pitchFamily="18" charset="0"/>
+                          </a:rPr>
+                          <m:t>𝑘</m:t>
+                        </m:r>
+                        <m:r>
+                          <a:rPr lang="it-IT" b="0" i="1" smtClean="0">
+                            <a:latin typeface="Cambria Math" panose="02040503050406030204" pitchFamily="18" charset="0"/>
+                          </a:rPr>
+                          <m:t>)</m:t>
+                        </m:r>
+                      </m:sub>
+                    </m:sSub>
+                  </m:oMath>
+                </a14:m>
+                <a:r>
+                  <a:rPr lang="it-IT" dirty="0"/>
+                  <a:t> rappresenta l’elemento in posizione </a:t>
+                </a:r>
+                <a14:m>
+                  <m:oMath xmlns:m="http://schemas.openxmlformats.org/officeDocument/2006/math">
+                    <m:r>
+                      <a:rPr lang="it-IT" b="0" i="1" smtClean="0">
+                        <a:latin typeface="Cambria Math" panose="02040503050406030204" pitchFamily="18" charset="0"/>
+                      </a:rPr>
+                      <m:t>𝑘</m:t>
+                    </m:r>
+                  </m:oMath>
+                </a14:m>
+                <a:r>
+                  <a:rPr lang="it-IT" dirty="0"/>
+                  <a:t> nella successione ordinata dei dati. </a:t>
+                </a:r>
+              </a:p>
+            </p:txBody>
+          </p:sp>
+        </mc:Choice>
+        <mc:Fallback>
+          <p:sp>
+            <p:nvSpPr>
+              <p:cNvPr id="7" name="Segnaposto contenuto 6">
+                <a:extLst>
+                  <a:ext uri="{FF2B5EF4-FFF2-40B4-BE49-F238E27FC236}">
+                    <a16:creationId xmlns:a16="http://schemas.microsoft.com/office/drawing/2014/main" id="{CA78DC45-A86C-97D1-45B9-607F02384A09}"/>
+                  </a:ext>
+                </a:extLst>
+              </p:cNvPr>
+              <p:cNvSpPr>
+                <a:spLocks noGrp="1" noRot="1" noChangeAspect="1" noMove="1" noResize="1" noEditPoints="1" noAdjustHandles="1" noChangeArrowheads="1" noChangeShapeType="1" noTextEdit="1"/>
+              </p:cNvSpPr>
+              <p:nvPr>
+                <p:ph idx="1"/>
+              </p:nvPr>
+            </p:nvSpPr>
+            <p:spPr>
+              <a:xfrm>
+                <a:off x="838200" y="1343817"/>
+                <a:ext cx="10515600" cy="5248051"/>
+              </a:xfrm>
+              <a:blipFill>
+                <a:blip r:embed="rId2"/>
+                <a:stretch>
+                  <a:fillRect l="-1043" t="-1742" r="-986" b="-2671"/>
+                </a:stretch>
+              </a:blipFill>
+            </p:spPr>
+            <p:txBody>
+              <a:bodyPr/>
+              <a:lstStyle/>
+              <a:p>
+                <a:r>
+                  <a:rPr lang="it-IT">
+                    <a:noFill/>
+                  </a:rPr>
+                  <a:t> </a:t>
+                </a:r>
+              </a:p>
+            </p:txBody>
+          </p:sp>
+        </mc:Fallback>
+      </mc:AlternateContent>
+    </p:spTree>
+    <p:extLst>
+      <p:ext uri="{BB962C8B-B14F-4D97-AF65-F5344CB8AC3E}">
+        <p14:creationId xmlns:p14="http://schemas.microsoft.com/office/powerpoint/2010/main" val="2072887985"/>
+      </p:ext>
+    </p:extLst>
+  </p:cSld>
+  <p:clrMapOvr>
+    <a:masterClrMapping/>
+  </p:clrMapOvr>
+</p:sld>
+</file>
+
+<file path=ppt/slides/slide11.xml><?xml version="1.0" encoding="utf-8"?>
+<p:sld xmlns:a="http://schemas.openxmlformats.org/drawingml/2006/main" xmlns:r="http://schemas.openxmlformats.org/officeDocument/2006/relationships" xmlns:p="http://schemas.openxmlformats.org/presentationml/2006/main">
+  <p:cSld>
+    <p:spTree>
+      <p:nvGrpSpPr>
+        <p:cNvPr id="1" name=""/>
+        <p:cNvGrpSpPr/>
+        <p:nvPr/>
+      </p:nvGrpSpPr>
+      <p:grpSpPr>
+        <a:xfrm>
+          <a:off x="0" y="0"/>
+          <a:ext cx="0" cy="0"/>
+          <a:chOff x="0" y="0"/>
+          <a:chExt cx="0" cy="0"/>
+        </a:xfrm>
+      </p:grpSpPr>
+      <p:sp>
+        <p:nvSpPr>
+          <p:cNvPr id="2" name="Titolo 1">
+            <a:extLst>
+              <a:ext uri="{FF2B5EF4-FFF2-40B4-BE49-F238E27FC236}">
+                <a16:creationId xmlns:a16="http://schemas.microsoft.com/office/drawing/2014/main" id="{68B8032E-DD71-4442-B1C3-6DD138A68D96}"/>
+              </a:ext>
+            </a:extLst>
+          </p:cNvPr>
+          <p:cNvSpPr>
+            <a:spLocks noGrp="1"/>
+          </p:cNvSpPr>
+          <p:nvPr>
+            <p:ph type="title"/>
+          </p:nvPr>
+        </p:nvSpPr>
+        <p:spPr>
+          <a:xfrm>
+            <a:off x="838200" y="0"/>
+            <a:ext cx="10515600" cy="1325563"/>
+          </a:xfrm>
+        </p:spPr>
+        <p:txBody>
+          <a:bodyPr/>
+          <a:lstStyle/>
+          <a:p>
+            <a:r>
+              <a:rPr lang="it-IT" dirty="0"/>
+              <a:t>Indici di posizione (3)</a:t>
+            </a:r>
+          </a:p>
+        </p:txBody>
+      </p:sp>
+      <mc:AlternateContent xmlns:mc="http://schemas.openxmlformats.org/markup-compatibility/2006">
+        <mc:Choice xmlns:a14="http://schemas.microsoft.com/office/drawing/2010/main" Requires="a14">
+          <p:sp>
+            <p:nvSpPr>
+              <p:cNvPr id="3" name="Segnaposto contenuto 2">
+                <a:extLst>
+                  <a:ext uri="{FF2B5EF4-FFF2-40B4-BE49-F238E27FC236}">
+                    <a16:creationId xmlns:a16="http://schemas.microsoft.com/office/drawing/2014/main" id="{2A65F02F-08BF-4806-8658-2F9C8A89E813}"/>
+                  </a:ext>
+                </a:extLst>
+              </p:cNvPr>
+              <p:cNvSpPr>
+                <a:spLocks noGrp="1"/>
+              </p:cNvSpPr>
+              <p:nvPr>
+                <p:ph idx="1"/>
+              </p:nvPr>
+            </p:nvSpPr>
+            <p:spPr>
+              <a:xfrm>
+                <a:off x="660778" y="4681450"/>
+                <a:ext cx="10515600" cy="2005953"/>
+              </a:xfrm>
+            </p:spPr>
+            <p:txBody>
+              <a:bodyPr/>
+              <a:lstStyle/>
+              <a:p>
+                <a14:m>
+                  <m:oMath xmlns:m="http://schemas.openxmlformats.org/officeDocument/2006/math">
+                    <m:r>
+                      <a:rPr lang="it-IT" b="0" i="1" smtClean="0">
+                        <a:latin typeface="Cambria Math" panose="02040503050406030204" pitchFamily="18" charset="0"/>
+                      </a:rPr>
+                      <m:t>𝜇</m:t>
+                    </m:r>
+                    <m:r>
+                      <a:rPr lang="it-IT" b="0" i="1" smtClean="0">
+                        <a:latin typeface="Cambria Math" panose="02040503050406030204" pitchFamily="18" charset="0"/>
+                      </a:rPr>
+                      <m:t>=6.5</m:t>
+                    </m:r>
+                  </m:oMath>
+                </a14:m>
+                <a:endParaRPr lang="it-IT" b="0" dirty="0"/>
+              </a:p>
+              <a:p>
+                <a14:m>
+                  <m:oMath xmlns:m="http://schemas.openxmlformats.org/officeDocument/2006/math">
+                    <m:sSup>
+                      <m:sSupPr>
+                        <m:ctrlPr>
+                          <a:rPr lang="it-IT" b="0" i="1" smtClean="0">
+                            <a:latin typeface="Cambria Math" panose="02040503050406030204" pitchFamily="18" charset="0"/>
+                          </a:rPr>
+                        </m:ctrlPr>
+                      </m:sSupPr>
+                      <m:e>
+                        <m:r>
+                          <a:rPr lang="it-IT" b="0" i="1" smtClean="0">
+                            <a:latin typeface="Cambria Math" panose="02040503050406030204" pitchFamily="18" charset="0"/>
+                          </a:rPr>
+                          <m:t>𝜇</m:t>
+                        </m:r>
+                      </m:e>
+                      <m:sup>
+                        <m:r>
+                          <a:rPr lang="it-IT" b="0" i="1" smtClean="0">
+                            <a:latin typeface="Cambria Math" panose="02040503050406030204" pitchFamily="18" charset="0"/>
+                          </a:rPr>
+                          <m:t>𝑊</m:t>
+                        </m:r>
+                      </m:sup>
+                    </m:sSup>
+                    <m:r>
+                      <a:rPr lang="it-IT" b="0" i="1" smtClean="0">
+                        <a:latin typeface="Cambria Math" panose="02040503050406030204" pitchFamily="18" charset="0"/>
+                      </a:rPr>
+                      <m:t>=6</m:t>
+                    </m:r>
+                  </m:oMath>
+                </a14:m>
+                <a:r>
+                  <a:rPr lang="it-IT" b="0" dirty="0"/>
+                  <a:t>.529</a:t>
+                </a:r>
+              </a:p>
+              <a:p>
+                <a14:m>
+                  <m:oMath xmlns:m="http://schemas.openxmlformats.org/officeDocument/2006/math">
+                    <m:r>
+                      <a:rPr lang="it-IT" b="0" i="1" smtClean="0">
+                        <a:latin typeface="Cambria Math" panose="02040503050406030204" pitchFamily="18" charset="0"/>
+                      </a:rPr>
+                      <m:t>𝑀𝑒</m:t>
+                    </m:r>
+                    <m:d>
+                      <m:dPr>
+                        <m:ctrlPr>
+                          <a:rPr lang="it-IT" b="0" i="1" smtClean="0">
+                            <a:latin typeface="Cambria Math" panose="02040503050406030204" pitchFamily="18" charset="0"/>
+                          </a:rPr>
+                        </m:ctrlPr>
+                      </m:dPr>
+                      <m:e>
+                        <m:r>
+                          <a:rPr lang="it-IT" b="0" i="1" smtClean="0">
+                            <a:latin typeface="Cambria Math" panose="02040503050406030204" pitchFamily="18" charset="0"/>
+                          </a:rPr>
+                          <m:t>𝑋</m:t>
+                        </m:r>
+                      </m:e>
+                    </m:d>
+                    <m:r>
+                      <a:rPr lang="it-IT" b="0" i="1" smtClean="0">
+                        <a:latin typeface="Cambria Math" panose="02040503050406030204" pitchFamily="18" charset="0"/>
+                      </a:rPr>
+                      <m:t>= </m:t>
+                    </m:r>
+                    <m:sSub>
+                      <m:sSubPr>
+                        <m:ctrlPr>
+                          <a:rPr lang="it-IT" b="0" i="1" smtClean="0">
+                            <a:latin typeface="Cambria Math" panose="02040503050406030204" pitchFamily="18" charset="0"/>
+                          </a:rPr>
+                        </m:ctrlPr>
+                      </m:sSubPr>
+                      <m:e>
+                        <m:r>
+                          <a:rPr lang="it-IT" b="0" i="1" smtClean="0">
+                            <a:latin typeface="Cambria Math" panose="02040503050406030204" pitchFamily="18" charset="0"/>
+                          </a:rPr>
+                          <m:t>𝑥</m:t>
+                        </m:r>
+                      </m:e>
+                      <m:sub>
+                        <m:d>
+                          <m:dPr>
+                            <m:ctrlPr>
+                              <a:rPr lang="it-IT" b="0" i="1" smtClean="0">
+                                <a:latin typeface="Cambria Math" panose="02040503050406030204" pitchFamily="18" charset="0"/>
+                              </a:rPr>
+                            </m:ctrlPr>
+                          </m:dPr>
+                          <m:e>
+                            <m:f>
+                              <m:fPr>
+                                <m:ctrlPr>
+                                  <a:rPr lang="it-IT" b="0" i="1" smtClean="0">
+                                    <a:latin typeface="Cambria Math" panose="02040503050406030204" pitchFamily="18" charset="0"/>
+                                  </a:rPr>
+                                </m:ctrlPr>
+                              </m:fPr>
+                              <m:num>
+                                <m:r>
+                                  <a:rPr lang="it-IT" b="0" i="1" smtClean="0">
+                                    <a:latin typeface="Cambria Math" panose="02040503050406030204" pitchFamily="18" charset="0"/>
+                                  </a:rPr>
+                                  <m:t>6</m:t>
+                                </m:r>
+                              </m:num>
+                              <m:den>
+                                <m:r>
+                                  <a:rPr lang="it-IT" b="0" i="1" smtClean="0">
+                                    <a:latin typeface="Cambria Math" panose="02040503050406030204" pitchFamily="18" charset="0"/>
+                                  </a:rPr>
+                                  <m:t>2</m:t>
+                                </m:r>
+                              </m:den>
+                            </m:f>
+                          </m:e>
+                        </m:d>
+                      </m:sub>
+                    </m:sSub>
+                    <m:r>
+                      <a:rPr lang="it-IT" b="0" i="1" smtClean="0">
+                        <a:latin typeface="Cambria Math" panose="02040503050406030204" pitchFamily="18" charset="0"/>
+                      </a:rPr>
+                      <m:t>+</m:t>
+                    </m:r>
+                  </m:oMath>
+                </a14:m>
+                <a:r>
+                  <a:rPr lang="it-IT" dirty="0"/>
+                  <a:t> </a:t>
+                </a:r>
+                <a14:m>
+                  <m:oMath xmlns:m="http://schemas.openxmlformats.org/officeDocument/2006/math">
+                    <m:sSub>
+                      <m:sSubPr>
+                        <m:ctrlPr>
+                          <a:rPr lang="it-IT" i="1">
+                            <a:latin typeface="Cambria Math" panose="02040503050406030204" pitchFamily="18" charset="0"/>
+                          </a:rPr>
+                        </m:ctrlPr>
+                      </m:sSubPr>
+                      <m:e>
+                        <m:r>
+                          <a:rPr lang="it-IT" i="1">
+                            <a:latin typeface="Cambria Math" panose="02040503050406030204" pitchFamily="18" charset="0"/>
+                          </a:rPr>
+                          <m:t>𝑥</m:t>
+                        </m:r>
+                      </m:e>
+                      <m:sub>
+                        <m:d>
+                          <m:dPr>
+                            <m:ctrlPr>
+                              <a:rPr lang="it-IT" i="1">
+                                <a:latin typeface="Cambria Math" panose="02040503050406030204" pitchFamily="18" charset="0"/>
+                              </a:rPr>
+                            </m:ctrlPr>
+                          </m:dPr>
+                          <m:e>
+                            <m:f>
+                              <m:fPr>
+                                <m:ctrlPr>
+                                  <a:rPr lang="it-IT" i="1">
+                                    <a:latin typeface="Cambria Math" panose="02040503050406030204" pitchFamily="18" charset="0"/>
+                                  </a:rPr>
+                                </m:ctrlPr>
+                              </m:fPr>
+                              <m:num>
+                                <m:r>
+                                  <a:rPr lang="it-IT" i="1">
+                                    <a:latin typeface="Cambria Math" panose="02040503050406030204" pitchFamily="18" charset="0"/>
+                                  </a:rPr>
+                                  <m:t>6</m:t>
+                                </m:r>
+                              </m:num>
+                              <m:den>
+                                <m:r>
+                                  <a:rPr lang="it-IT" i="1">
+                                    <a:latin typeface="Cambria Math" panose="02040503050406030204" pitchFamily="18" charset="0"/>
+                                  </a:rPr>
+                                  <m:t>2</m:t>
+                                </m:r>
+                              </m:den>
+                            </m:f>
+                            <m:r>
+                              <a:rPr lang="it-IT" b="0" i="1" smtClean="0">
+                                <a:latin typeface="Cambria Math" panose="02040503050406030204" pitchFamily="18" charset="0"/>
+                              </a:rPr>
+                              <m:t>+1</m:t>
+                            </m:r>
+                          </m:e>
+                        </m:d>
+                      </m:sub>
+                    </m:sSub>
+                    <m:r>
+                      <a:rPr lang="it-IT" b="0" i="1" smtClean="0">
+                        <a:latin typeface="Cambria Math" panose="02040503050406030204" pitchFamily="18" charset="0"/>
+                      </a:rPr>
+                      <m:t>=</m:t>
+                    </m:r>
+                    <m:f>
+                      <m:fPr>
+                        <m:ctrlPr>
+                          <a:rPr lang="it-IT" b="0" i="1" smtClean="0">
+                            <a:latin typeface="Cambria Math" panose="02040503050406030204" pitchFamily="18" charset="0"/>
+                          </a:rPr>
+                        </m:ctrlPr>
+                      </m:fPr>
+                      <m:num>
+                        <m:sSub>
+                          <m:sSubPr>
+                            <m:ctrlPr>
+                              <a:rPr lang="it-IT" b="0" i="1" smtClean="0">
+                                <a:latin typeface="Cambria Math" panose="02040503050406030204" pitchFamily="18" charset="0"/>
+                              </a:rPr>
+                            </m:ctrlPr>
+                          </m:sSubPr>
+                          <m:e>
+                            <m:r>
+                              <a:rPr lang="it-IT" b="0" i="1" smtClean="0">
+                                <a:latin typeface="Cambria Math" panose="02040503050406030204" pitchFamily="18" charset="0"/>
+                              </a:rPr>
+                              <m:t>𝑥</m:t>
+                            </m:r>
+                          </m:e>
+                          <m:sub>
+                            <m:r>
+                              <a:rPr lang="it-IT" b="0" i="1" smtClean="0">
+                                <a:latin typeface="Cambria Math" panose="02040503050406030204" pitchFamily="18" charset="0"/>
+                              </a:rPr>
+                              <m:t>(3)</m:t>
+                            </m:r>
+                          </m:sub>
+                        </m:sSub>
+                        <m:r>
+                          <a:rPr lang="it-IT" b="0" i="1" smtClean="0">
+                            <a:latin typeface="Cambria Math" panose="02040503050406030204" pitchFamily="18" charset="0"/>
+                          </a:rPr>
+                          <m:t>+</m:t>
+                        </m:r>
+                        <m:sSub>
+                          <m:sSubPr>
+                            <m:ctrlPr>
+                              <a:rPr lang="it-IT" b="0" i="1" smtClean="0">
+                                <a:latin typeface="Cambria Math" panose="02040503050406030204" pitchFamily="18" charset="0"/>
+                              </a:rPr>
+                            </m:ctrlPr>
+                          </m:sSubPr>
+                          <m:e>
+                            <m:r>
+                              <a:rPr lang="it-IT" b="0" i="1" smtClean="0">
+                                <a:latin typeface="Cambria Math" panose="02040503050406030204" pitchFamily="18" charset="0"/>
+                              </a:rPr>
+                              <m:t>𝑥</m:t>
+                            </m:r>
+                          </m:e>
+                          <m:sub>
+                            <m:r>
+                              <a:rPr lang="it-IT" b="0" i="1" smtClean="0">
+                                <a:latin typeface="Cambria Math" panose="02040503050406030204" pitchFamily="18" charset="0"/>
+                              </a:rPr>
+                              <m:t>(4)</m:t>
+                            </m:r>
+                          </m:sub>
+                        </m:sSub>
+                      </m:num>
+                      <m:den>
+                        <m:r>
+                          <a:rPr lang="it-IT" b="0" i="1" smtClean="0">
+                            <a:latin typeface="Cambria Math" panose="02040503050406030204" pitchFamily="18" charset="0"/>
+                          </a:rPr>
+                          <m:t>2</m:t>
+                        </m:r>
+                      </m:den>
+                    </m:f>
+                    <m:r>
+                      <a:rPr lang="it-IT" b="0" i="1" smtClean="0">
+                        <a:latin typeface="Cambria Math" panose="02040503050406030204" pitchFamily="18" charset="0"/>
+                      </a:rPr>
+                      <m:t>=</m:t>
+                    </m:r>
+                    <m:f>
+                      <m:fPr>
+                        <m:ctrlPr>
+                          <a:rPr lang="it-IT" b="0" i="1" smtClean="0">
+                            <a:latin typeface="Cambria Math" panose="02040503050406030204" pitchFamily="18" charset="0"/>
+                          </a:rPr>
+                        </m:ctrlPr>
+                      </m:fPr>
+                      <m:num>
+                        <m:r>
+                          <a:rPr lang="it-IT" b="0" i="1" smtClean="0">
+                            <a:latin typeface="Cambria Math" panose="02040503050406030204" pitchFamily="18" charset="0"/>
+                          </a:rPr>
+                          <m:t>7+7</m:t>
+                        </m:r>
+                      </m:num>
+                      <m:den>
+                        <m:r>
+                          <a:rPr lang="it-IT" b="0" i="1" smtClean="0">
+                            <a:latin typeface="Cambria Math" panose="02040503050406030204" pitchFamily="18" charset="0"/>
+                          </a:rPr>
+                          <m:t>2</m:t>
+                        </m:r>
+                      </m:den>
+                    </m:f>
+                    <m:r>
+                      <a:rPr lang="it-IT" b="0" i="1" smtClean="0">
+                        <a:latin typeface="Cambria Math" panose="02040503050406030204" pitchFamily="18" charset="0"/>
+                      </a:rPr>
+                      <m:t>=7</m:t>
+                    </m:r>
+                  </m:oMath>
+                </a14:m>
+                <a:r>
+                  <a:rPr lang="it-IT" b="0" dirty="0"/>
+                  <a:t> </a:t>
+                </a:r>
+              </a:p>
+              <a:p>
+                <a:endParaRPr lang="it-IT" dirty="0"/>
+              </a:p>
+            </p:txBody>
+          </p:sp>
+        </mc:Choice>
+        <mc:Fallback>
+          <p:sp>
+            <p:nvSpPr>
+              <p:cNvPr id="3" name="Segnaposto contenuto 2">
+                <a:extLst>
+                  <a:ext uri="{FF2B5EF4-FFF2-40B4-BE49-F238E27FC236}">
+                    <a16:creationId xmlns:a16="http://schemas.microsoft.com/office/drawing/2014/main" id="{2A65F02F-08BF-4806-8658-2F9C8A89E813}"/>
+                  </a:ext>
+                </a:extLst>
+              </p:cNvPr>
+              <p:cNvSpPr>
+                <a:spLocks noGrp="1" noRot="1" noChangeAspect="1" noMove="1" noResize="1" noEditPoints="1" noAdjustHandles="1" noChangeArrowheads="1" noChangeShapeType="1" noTextEdit="1"/>
+              </p:cNvSpPr>
+              <p:nvPr>
+                <p:ph idx="1"/>
+              </p:nvPr>
+            </p:nvSpPr>
+            <p:spPr>
+              <a:xfrm>
+                <a:off x="660778" y="4681450"/>
+                <a:ext cx="10515600" cy="2005953"/>
+              </a:xfrm>
+              <a:blipFill>
+                <a:blip r:embed="rId2"/>
+                <a:stretch>
+                  <a:fillRect/>
+                </a:stretch>
+              </a:blipFill>
+            </p:spPr>
+            <p:txBody>
+              <a:bodyPr/>
+              <a:lstStyle/>
+              <a:p>
+                <a:r>
+                  <a:rPr lang="it-IT">
+                    <a:noFill/>
+                  </a:rPr>
+                  <a:t> </a:t>
+                </a:r>
+              </a:p>
+            </p:txBody>
+          </p:sp>
+        </mc:Fallback>
+      </mc:AlternateContent>
+      <p:graphicFrame>
+        <p:nvGraphicFramePr>
+          <p:cNvPr id="4" name="Tabella 3">
+            <a:extLst>
+              <a:ext uri="{FF2B5EF4-FFF2-40B4-BE49-F238E27FC236}">
+                <a16:creationId xmlns:a16="http://schemas.microsoft.com/office/drawing/2014/main" id="{9F295CB3-3410-4810-9150-57A1E54196C6}"/>
+              </a:ext>
+            </a:extLst>
+          </p:cNvPr>
+          <p:cNvGraphicFramePr>
+            <a:graphicFrameLocks noGrp="1"/>
+          </p:cNvGraphicFramePr>
+          <p:nvPr>
+            <p:extLst>
+              <p:ext uri="{D42A27DB-BD31-4B8C-83A1-F6EECF244321}">
+                <p14:modId xmlns:p14="http://schemas.microsoft.com/office/powerpoint/2010/main" val="1086794593"/>
+              </p:ext>
+            </p:extLst>
+          </p:nvPr>
+        </p:nvGraphicFramePr>
+        <p:xfrm>
+          <a:off x="384333" y="1434871"/>
+          <a:ext cx="11068491" cy="741680"/>
+        </p:xfrm>
+        <a:graphic>
+          <a:graphicData uri="http://schemas.openxmlformats.org/drawingml/2006/table">
+            <a:tbl>
+              <a:tblPr firstRow="1" bandRow="1">
+                <a:effectLst>
+                  <a:outerShdw blurRad="50800" dist="38100" dir="2700000" algn="tl" rotWithShape="0">
+                    <a:prstClr val="black">
+                      <a:alpha val="40000"/>
+                    </a:prstClr>
+                  </a:outerShdw>
+                </a:effectLst>
+                <a:tableStyleId>{5940675A-B579-460E-94D1-54222C63F5DA}</a:tableStyleId>
+              </a:tblPr>
+              <a:tblGrid>
+                <a:gridCol w="1398481">
+                  <a:extLst>
+                    <a:ext uri="{9D8B030D-6E8A-4147-A177-3AD203B41FA5}">
+                      <a16:colId xmlns:a16="http://schemas.microsoft.com/office/drawing/2014/main" val="1942655463"/>
+                    </a:ext>
+                  </a:extLst>
+                </a:gridCol>
+                <a:gridCol w="1564174">
+                  <a:extLst>
+                    <a:ext uri="{9D8B030D-6E8A-4147-A177-3AD203B41FA5}">
+                      <a16:colId xmlns:a16="http://schemas.microsoft.com/office/drawing/2014/main" val="806493636"/>
+                    </a:ext>
+                  </a:extLst>
+                </a:gridCol>
+                <a:gridCol w="1157343">
+                  <a:extLst>
+                    <a:ext uri="{9D8B030D-6E8A-4147-A177-3AD203B41FA5}">
+                      <a16:colId xmlns:a16="http://schemas.microsoft.com/office/drawing/2014/main" val="2579236287"/>
+                    </a:ext>
+                  </a:extLst>
+                </a:gridCol>
+                <a:gridCol w="1933213">
+                  <a:extLst>
+                    <a:ext uri="{9D8B030D-6E8A-4147-A177-3AD203B41FA5}">
+                      <a16:colId xmlns:a16="http://schemas.microsoft.com/office/drawing/2014/main" val="3605425459"/>
+                    </a:ext>
+                  </a:extLst>
+                </a:gridCol>
+                <a:gridCol w="1924724">
+                  <a:extLst>
+                    <a:ext uri="{9D8B030D-6E8A-4147-A177-3AD203B41FA5}">
+                      <a16:colId xmlns:a16="http://schemas.microsoft.com/office/drawing/2014/main" val="4105742860"/>
+                    </a:ext>
+                  </a:extLst>
+                </a:gridCol>
+                <a:gridCol w="1692075">
+                  <a:extLst>
+                    <a:ext uri="{9D8B030D-6E8A-4147-A177-3AD203B41FA5}">
+                      <a16:colId xmlns:a16="http://schemas.microsoft.com/office/drawing/2014/main" val="3620964341"/>
+                    </a:ext>
+                  </a:extLst>
+                </a:gridCol>
+                <a:gridCol w="1398481">
+                  <a:extLst>
+                    <a:ext uri="{9D8B030D-6E8A-4147-A177-3AD203B41FA5}">
+                      <a16:colId xmlns:a16="http://schemas.microsoft.com/office/drawing/2014/main" val="3693595725"/>
+                    </a:ext>
+                  </a:extLst>
+                </a:gridCol>
+              </a:tblGrid>
+              <a:tr h="370840">
+                <a:tc>
+                  <a:txBody>
+                    <a:bodyPr/>
+                    <a:lstStyle/>
+                    <a:p>
+                      <a:r>
+                        <a:rPr lang="it-IT" b="1" dirty="0"/>
+                        <a:t>Tipologia</a:t>
+                      </a:r>
+                    </a:p>
+                  </a:txBody>
+                  <a:tcPr/>
+                </a:tc>
+                <a:tc>
+                  <a:txBody>
+                    <a:bodyPr/>
+                    <a:lstStyle/>
+                    <a:p>
+                      <a:pPr algn="ctr"/>
+                      <a:r>
+                        <a:rPr lang="it-IT" dirty="0"/>
+                        <a:t>Interrogazione</a:t>
+                      </a:r>
+                    </a:p>
+                  </a:txBody>
+                  <a:tcPr/>
+                </a:tc>
+                <a:tc>
+                  <a:txBody>
+                    <a:bodyPr/>
+                    <a:lstStyle/>
+                    <a:p>
+                      <a:pPr algn="ctr"/>
+                      <a:r>
+                        <a:rPr lang="it-IT" dirty="0"/>
+                        <a:t>Verifica</a:t>
+                      </a:r>
+                    </a:p>
+                  </a:txBody>
+                  <a:tcPr/>
+                </a:tc>
+                <a:tc>
+                  <a:txBody>
+                    <a:bodyPr/>
+                    <a:lstStyle/>
+                    <a:p>
+                      <a:pPr algn="ctr"/>
+                      <a:r>
+                        <a:rPr lang="it-IT" dirty="0"/>
+                        <a:t>Interrogazione</a:t>
+                      </a:r>
+                    </a:p>
+                  </a:txBody>
+                  <a:tcPr/>
+                </a:tc>
+                <a:tc>
+                  <a:txBody>
+                    <a:bodyPr/>
+                    <a:lstStyle/>
+                    <a:p>
+                      <a:pPr algn="ctr"/>
+                      <a:r>
+                        <a:rPr lang="it-IT" dirty="0"/>
+                        <a:t>Lavoro di gruppo</a:t>
+                      </a:r>
+                    </a:p>
+                  </a:txBody>
+                  <a:tcPr/>
+                </a:tc>
+                <a:tc>
+                  <a:txBody>
+                    <a:bodyPr/>
+                    <a:lstStyle/>
+                    <a:p>
+                      <a:pPr marL="0" marR="0" lvl="0" indent="0" algn="ctr" defTabSz="914400" rtl="0" eaLnBrk="1" fontAlgn="auto" latinLnBrk="0" hangingPunct="1">
+                        <a:lnSpc>
+                          <a:spcPct val="100000"/>
+                        </a:lnSpc>
+                        <a:spcBef>
+                          <a:spcPts val="0"/>
+                        </a:spcBef>
+                        <a:spcAft>
+                          <a:spcPts val="0"/>
+                        </a:spcAft>
+                        <a:buClrTx/>
+                        <a:buSzTx/>
+                        <a:buFontTx/>
+                        <a:buNone/>
+                        <a:tabLst/>
+                        <a:defRPr/>
+                      </a:pPr>
+                      <a:r>
+                        <a:rPr lang="it-IT" dirty="0"/>
+                        <a:t>Interrogazione</a:t>
+                      </a:r>
+                    </a:p>
+                  </a:txBody>
+                  <a:tcPr/>
+                </a:tc>
+                <a:tc>
+                  <a:txBody>
+                    <a:bodyPr/>
+                    <a:lstStyle/>
+                    <a:p>
+                      <a:pPr algn="ctr"/>
+                      <a:r>
+                        <a:rPr lang="it-IT" dirty="0"/>
+                        <a:t>Verifica</a:t>
+                      </a:r>
+                    </a:p>
+                  </a:txBody>
+                  <a:tcPr/>
+                </a:tc>
+                <a:extLst>
+                  <a:ext uri="{0D108BD9-81ED-4DB2-BD59-A6C34878D82A}">
+                    <a16:rowId xmlns:a16="http://schemas.microsoft.com/office/drawing/2014/main" val="3001312577"/>
+                  </a:ext>
+                </a:extLst>
+              </a:tr>
+              <a:tr h="370840">
+                <a:tc>
+                  <a:txBody>
+                    <a:bodyPr/>
+                    <a:lstStyle/>
+                    <a:p>
+                      <a:r>
+                        <a:rPr lang="it-IT" b="1" dirty="0"/>
+                        <a:t>Voto</a:t>
+                      </a:r>
+                    </a:p>
+                  </a:txBody>
+                  <a:tcPr/>
+                </a:tc>
+                <a:tc>
+                  <a:txBody>
+                    <a:bodyPr/>
+                    <a:lstStyle/>
+                    <a:p>
+                      <a:pPr algn="ctr"/>
+                      <a:r>
+                        <a:rPr lang="it-IT" dirty="0"/>
+                        <a:t>2</a:t>
+                      </a:r>
+                    </a:p>
+                  </a:txBody>
+                  <a:tcPr/>
+                </a:tc>
+                <a:tc>
+                  <a:txBody>
+                    <a:bodyPr/>
+                    <a:lstStyle/>
+                    <a:p>
+                      <a:pPr algn="ctr"/>
+                      <a:r>
+                        <a:rPr lang="it-IT" dirty="0"/>
+                        <a:t>8</a:t>
+                      </a:r>
+                    </a:p>
+                  </a:txBody>
+                  <a:tcPr/>
+                </a:tc>
+                <a:tc>
+                  <a:txBody>
+                    <a:bodyPr/>
+                    <a:lstStyle/>
+                    <a:p>
+                      <a:pPr algn="ctr"/>
+                      <a:r>
+                        <a:rPr lang="it-IT" dirty="0"/>
+                        <a:t>7</a:t>
+                      </a:r>
+                    </a:p>
+                  </a:txBody>
+                  <a:tcPr/>
+                </a:tc>
+                <a:tc>
+                  <a:txBody>
+                    <a:bodyPr/>
+                    <a:lstStyle/>
+                    <a:p>
+                      <a:pPr algn="ctr"/>
+                      <a:r>
+                        <a:rPr lang="it-IT" dirty="0"/>
+                        <a:t>8.5</a:t>
+                      </a:r>
+                    </a:p>
+                  </a:txBody>
+                  <a:tcPr/>
+                </a:tc>
+                <a:tc>
+                  <a:txBody>
+                    <a:bodyPr/>
+                    <a:lstStyle/>
+                    <a:p>
+                      <a:pPr algn="ctr"/>
+                      <a:r>
+                        <a:rPr lang="it-IT" dirty="0"/>
+                        <a:t>7</a:t>
+                      </a:r>
+                    </a:p>
+                  </a:txBody>
+                  <a:tcPr/>
+                </a:tc>
+                <a:tc>
+                  <a:txBody>
+                    <a:bodyPr/>
+                    <a:lstStyle/>
+                    <a:p>
+                      <a:pPr algn="ctr"/>
+                      <a:r>
+                        <a:rPr lang="it-IT" dirty="0"/>
+                        <a:t>6.5</a:t>
+                      </a:r>
+                    </a:p>
+                  </a:txBody>
+                  <a:tcPr/>
+                </a:tc>
+                <a:extLst>
+                  <a:ext uri="{0D108BD9-81ED-4DB2-BD59-A6C34878D82A}">
+                    <a16:rowId xmlns:a16="http://schemas.microsoft.com/office/drawing/2014/main" val="620613140"/>
+                  </a:ext>
+                </a:extLst>
+              </a:tr>
+            </a:tbl>
+          </a:graphicData>
+        </a:graphic>
+      </p:graphicFrame>
+      <mc:AlternateContent xmlns:mc="http://schemas.openxmlformats.org/markup-compatibility/2006">
+        <mc:Choice xmlns:a14="http://schemas.microsoft.com/office/drawing/2010/main" Requires="a14">
+          <p:graphicFrame>
+            <p:nvGraphicFramePr>
+              <p:cNvPr id="5" name="Tabella 4">
+                <a:extLst>
+                  <a:ext uri="{FF2B5EF4-FFF2-40B4-BE49-F238E27FC236}">
+                    <a16:creationId xmlns:a16="http://schemas.microsoft.com/office/drawing/2014/main" id="{688C5D7E-A845-4F47-861E-16E95DAEA77A}"/>
+                  </a:ext>
+                </a:extLst>
+              </p:cNvPr>
+              <p:cNvGraphicFramePr>
+                <a:graphicFrameLocks noGrp="1"/>
+              </p:cNvGraphicFramePr>
+              <p:nvPr>
+                <p:extLst>
+                  <p:ext uri="{D42A27DB-BD31-4B8C-83A1-F6EECF244321}">
+                    <p14:modId xmlns:p14="http://schemas.microsoft.com/office/powerpoint/2010/main" val="1389126382"/>
+                  </p:ext>
+                </p:extLst>
+              </p:nvPr>
+            </p:nvGraphicFramePr>
+            <p:xfrm>
+              <a:off x="384332" y="2699735"/>
+              <a:ext cx="11068491" cy="1133856"/>
+            </p:xfrm>
+            <a:graphic>
+              <a:graphicData uri="http://schemas.openxmlformats.org/drawingml/2006/table">
+                <a:tbl>
+                  <a:tblPr firstRow="1" bandRow="1">
+                    <a:effectLst>
+                      <a:outerShdw blurRad="50800" dist="38100" dir="2700000" algn="tl" rotWithShape="0">
+                        <a:prstClr val="black">
+                          <a:alpha val="40000"/>
+                        </a:prstClr>
+                      </a:outerShdw>
+                    </a:effectLst>
+                    <a:tableStyleId>{5940675A-B579-460E-94D1-54222C63F5DA}</a:tableStyleId>
+                  </a:tblPr>
+                  <a:tblGrid>
+                    <a:gridCol w="1398481">
+                      <a:extLst>
+                        <a:ext uri="{9D8B030D-6E8A-4147-A177-3AD203B41FA5}">
+                          <a16:colId xmlns:a16="http://schemas.microsoft.com/office/drawing/2014/main" val="1942655463"/>
+                        </a:ext>
+                      </a:extLst>
+                    </a:gridCol>
+                    <a:gridCol w="1564174">
+                      <a:extLst>
+                        <a:ext uri="{9D8B030D-6E8A-4147-A177-3AD203B41FA5}">
+                          <a16:colId xmlns:a16="http://schemas.microsoft.com/office/drawing/2014/main" val="806493636"/>
+                        </a:ext>
+                      </a:extLst>
+                    </a:gridCol>
+                    <a:gridCol w="1157343">
+                      <a:extLst>
+                        <a:ext uri="{9D8B030D-6E8A-4147-A177-3AD203B41FA5}">
+                          <a16:colId xmlns:a16="http://schemas.microsoft.com/office/drawing/2014/main" val="2579236287"/>
+                        </a:ext>
+                      </a:extLst>
+                    </a:gridCol>
+                    <a:gridCol w="1933213">
+                      <a:extLst>
+                        <a:ext uri="{9D8B030D-6E8A-4147-A177-3AD203B41FA5}">
+                          <a16:colId xmlns:a16="http://schemas.microsoft.com/office/drawing/2014/main" val="3605425459"/>
+                        </a:ext>
+                      </a:extLst>
+                    </a:gridCol>
+                    <a:gridCol w="1737465">
+                      <a:extLst>
+                        <a:ext uri="{9D8B030D-6E8A-4147-A177-3AD203B41FA5}">
+                          <a16:colId xmlns:a16="http://schemas.microsoft.com/office/drawing/2014/main" val="4105742860"/>
+                        </a:ext>
+                      </a:extLst>
+                    </a:gridCol>
+                    <a:gridCol w="1187355">
+                      <a:extLst>
+                        <a:ext uri="{9D8B030D-6E8A-4147-A177-3AD203B41FA5}">
+                          <a16:colId xmlns:a16="http://schemas.microsoft.com/office/drawing/2014/main" val="3620964341"/>
+                        </a:ext>
+                      </a:extLst>
+                    </a:gridCol>
+                    <a:gridCol w="2090460">
+                      <a:extLst>
+                        <a:ext uri="{9D8B030D-6E8A-4147-A177-3AD203B41FA5}">
+                          <a16:colId xmlns:a16="http://schemas.microsoft.com/office/drawing/2014/main" val="3693595725"/>
+                        </a:ext>
+                      </a:extLst>
+                    </a:gridCol>
+                  </a:tblGrid>
+                  <a:tr h="370840">
+                    <a:tc>
+                      <a:txBody>
+                        <a:bodyPr/>
+                        <a:lstStyle/>
+                        <a:p>
+                          <a:r>
+                            <a:rPr lang="it-IT" b="1" dirty="0"/>
+                            <a:t>Tipologia</a:t>
+                          </a:r>
+                        </a:p>
+                      </a:txBody>
+                      <a:tcPr/>
+                    </a:tc>
+                    <a:tc>
+                      <a:txBody>
+                        <a:bodyPr/>
+                        <a:lstStyle/>
+                        <a:p>
+                          <a:pPr algn="ctr"/>
+                          <a:r>
+                            <a:rPr lang="it-IT" dirty="0"/>
+                            <a:t>Interrogazione</a:t>
+                          </a:r>
+                        </a:p>
+                      </a:txBody>
+                      <a:tcPr/>
+                    </a:tc>
+                    <a:tc>
+                      <a:txBody>
+                        <a:bodyPr/>
+                        <a:lstStyle/>
+                        <a:p>
+                          <a:pPr algn="ctr"/>
+                          <a:r>
+                            <a:rPr lang="it-IT" dirty="0"/>
+                            <a:t>Verifica</a:t>
+                          </a:r>
+                        </a:p>
+                      </a:txBody>
+                      <a:tcPr/>
+                    </a:tc>
+                    <a:tc>
+                      <a:txBody>
+                        <a:bodyPr/>
+                        <a:lstStyle/>
+                        <a:p>
+                          <a:pPr algn="ctr"/>
+                          <a:r>
+                            <a:rPr lang="it-IT" dirty="0"/>
+                            <a:t>Interrogazione</a:t>
+                          </a:r>
+                        </a:p>
+                      </a:txBody>
+                      <a:tcPr/>
+                    </a:tc>
+                    <a:tc>
+                      <a:txBody>
+                        <a:bodyPr/>
+                        <a:lstStyle/>
+                        <a:p>
+                          <a:pPr algn="ctr"/>
+                          <a:r>
+                            <a:rPr lang="it-IT" dirty="0"/>
+                            <a:t>Interrogazione</a:t>
+                          </a:r>
+                        </a:p>
+                      </a:txBody>
+                      <a:tcPr/>
+                    </a:tc>
+                    <a:tc>
+                      <a:txBody>
+                        <a:bodyPr/>
+                        <a:lstStyle/>
+                        <a:p>
+                          <a:pPr marL="0" marR="0" lvl="0" indent="0" algn="ctr" defTabSz="914400" rtl="0" eaLnBrk="1" fontAlgn="auto" latinLnBrk="0" hangingPunct="1">
+                            <a:lnSpc>
+                              <a:spcPct val="100000"/>
+                            </a:lnSpc>
+                            <a:spcBef>
+                              <a:spcPts val="0"/>
+                            </a:spcBef>
+                            <a:spcAft>
+                              <a:spcPts val="0"/>
+                            </a:spcAft>
+                            <a:buClrTx/>
+                            <a:buSzTx/>
+                            <a:buFontTx/>
+                            <a:buNone/>
+                            <a:tabLst/>
+                            <a:defRPr/>
+                          </a:pPr>
+                          <a:r>
+                            <a:rPr lang="it-IT" dirty="0"/>
+                            <a:t>Verifica</a:t>
+                          </a:r>
+                        </a:p>
+                      </a:txBody>
+                      <a:tcPr/>
+                    </a:tc>
+                    <a:tc>
+                      <a:txBody>
+                        <a:bodyPr/>
+                        <a:lstStyle/>
+                        <a:p>
+                          <a:pPr marL="0" marR="0" lvl="0" indent="0" algn="ctr" defTabSz="914400" rtl="0" eaLnBrk="1" fontAlgn="auto" latinLnBrk="0" hangingPunct="1">
+                            <a:lnSpc>
+                              <a:spcPct val="100000"/>
+                            </a:lnSpc>
+                            <a:spcBef>
+                              <a:spcPts val="0"/>
+                            </a:spcBef>
+                            <a:spcAft>
+                              <a:spcPts val="0"/>
+                            </a:spcAft>
+                            <a:buClrTx/>
+                            <a:buSzTx/>
+                            <a:buFontTx/>
+                            <a:buNone/>
+                            <a:tabLst/>
+                            <a:defRPr/>
+                          </a:pPr>
+                          <a:r>
+                            <a:rPr lang="it-IT" dirty="0"/>
+                            <a:t>Lavoro di gruppo</a:t>
+                          </a:r>
+                        </a:p>
+                      </a:txBody>
+                      <a:tcPr/>
+                    </a:tc>
+                    <a:extLst>
+                      <a:ext uri="{0D108BD9-81ED-4DB2-BD59-A6C34878D82A}">
+                        <a16:rowId xmlns:a16="http://schemas.microsoft.com/office/drawing/2014/main" val="3001312577"/>
+                      </a:ext>
+                    </a:extLst>
+                  </a:tr>
+                  <a:tr h="370840">
+                    <a:tc>
+                      <a:txBody>
+                        <a:bodyPr/>
+                        <a:lstStyle/>
+                        <a:p>
+                          <a:r>
+                            <a:rPr lang="it-IT" b="1" dirty="0"/>
+                            <a:t>Voto</a:t>
+                          </a:r>
+                        </a:p>
+                      </a:txBody>
+                      <a:tcPr/>
+                    </a:tc>
+                    <a:tc>
+                      <a:txBody>
+                        <a:bodyPr/>
+                        <a:lstStyle/>
+                        <a:p>
+                          <a:pPr algn="ctr"/>
+                          <a:r>
+                            <a:rPr lang="it-IT" dirty="0"/>
+                            <a:t>2</a:t>
+                          </a:r>
+                        </a:p>
+                      </a:txBody>
+                      <a:tcPr/>
+                    </a:tc>
+                    <a:tc>
+                      <a:txBody>
+                        <a:bodyPr/>
+                        <a:lstStyle/>
+                        <a:p>
+                          <a:pPr algn="ctr"/>
+                          <a:r>
+                            <a:rPr lang="it-IT" dirty="0"/>
+                            <a:t>6.5</a:t>
+                          </a:r>
+                        </a:p>
+                      </a:txBody>
+                      <a:tcPr/>
+                    </a:tc>
+                    <a:tc>
+                      <a:txBody>
+                        <a:bodyPr/>
+                        <a:lstStyle/>
+                        <a:p>
+                          <a:pPr algn="ctr"/>
+                          <a:r>
+                            <a:rPr lang="it-IT" dirty="0"/>
+                            <a:t>7</a:t>
+                          </a:r>
+                        </a:p>
+                      </a:txBody>
+                      <a:tcPr/>
+                    </a:tc>
+                    <a:tc>
+                      <a:txBody>
+                        <a:bodyPr/>
+                        <a:lstStyle/>
+                        <a:p>
+                          <a:pPr algn="ctr"/>
+                          <a:r>
+                            <a:rPr lang="it-IT" dirty="0"/>
+                            <a:t>7</a:t>
+                          </a:r>
+                        </a:p>
+                      </a:txBody>
+                      <a:tcPr/>
+                    </a:tc>
+                    <a:tc>
+                      <a:txBody>
+                        <a:bodyPr/>
+                        <a:lstStyle/>
+                        <a:p>
+                          <a:pPr algn="ctr"/>
+                          <a:r>
+                            <a:rPr lang="it-IT" dirty="0"/>
+                            <a:t>8</a:t>
+                          </a:r>
+                        </a:p>
+                      </a:txBody>
+                      <a:tcPr/>
+                    </a:tc>
+                    <a:tc>
+                      <a:txBody>
+                        <a:bodyPr/>
+                        <a:lstStyle/>
+                        <a:p>
+                          <a:pPr algn="ctr"/>
+                          <a:r>
+                            <a:rPr lang="it-IT" dirty="0"/>
+                            <a:t>8,5</a:t>
+                          </a:r>
+                        </a:p>
+                      </a:txBody>
+                      <a:tcPr/>
+                    </a:tc>
+                    <a:extLst>
+                      <a:ext uri="{0D108BD9-81ED-4DB2-BD59-A6C34878D82A}">
+                        <a16:rowId xmlns:a16="http://schemas.microsoft.com/office/drawing/2014/main" val="620613140"/>
+                      </a:ext>
+                    </a:extLst>
+                  </a:tr>
+                  <a:tr h="370840">
+                    <a:tc>
+                      <a:txBody>
+                        <a:bodyPr/>
+                        <a:lstStyle/>
+                        <a:p>
+                          <a:endParaRPr lang="it-IT" b="1" dirty="0"/>
+                        </a:p>
+                      </a:txBody>
+                      <a:tcPr/>
+                    </a:tc>
+                    <a:tc>
+                      <a:txBody>
+                        <a:bodyPr/>
+                        <a:lstStyle/>
+                        <a:p>
+                          <a:pPr algn="ctr"/>
+                          <a14:m>
+                            <m:oMathPara xmlns:m="http://schemas.openxmlformats.org/officeDocument/2006/math">
+                              <m:oMathParaPr>
+                                <m:jc m:val="centerGroup"/>
+                              </m:oMathParaPr>
+                              <m:oMath xmlns:m="http://schemas.openxmlformats.org/officeDocument/2006/math">
+                                <m:sSub>
+                                  <m:sSubPr>
+                                    <m:ctrlPr>
+                                      <a:rPr lang="it-IT" i="1" smtClean="0">
+                                        <a:latin typeface="Cambria Math" panose="02040503050406030204" pitchFamily="18" charset="0"/>
+                                      </a:rPr>
+                                    </m:ctrlPr>
+                                  </m:sSubPr>
+                                  <m:e>
+                                    <m:r>
+                                      <a:rPr lang="it-IT" b="0" i="1" smtClean="0">
+                                        <a:latin typeface="Cambria Math" panose="02040503050406030204" pitchFamily="18" charset="0"/>
+                                      </a:rPr>
+                                      <m:t>𝑥</m:t>
+                                    </m:r>
+                                  </m:e>
+                                  <m:sub>
+                                    <m:d>
+                                      <m:dPr>
+                                        <m:ctrlPr>
+                                          <a:rPr lang="it-IT" b="0" i="1" smtClean="0">
+                                            <a:latin typeface="Cambria Math" panose="02040503050406030204" pitchFamily="18" charset="0"/>
+                                          </a:rPr>
+                                        </m:ctrlPr>
+                                      </m:dPr>
+                                      <m:e>
+                                        <m:r>
+                                          <a:rPr lang="it-IT" b="0" i="1" smtClean="0">
+                                            <a:latin typeface="Cambria Math" panose="02040503050406030204" pitchFamily="18" charset="0"/>
+                                          </a:rPr>
+                                          <m:t>1</m:t>
+                                        </m:r>
+                                      </m:e>
+                                    </m:d>
+                                  </m:sub>
+                                </m:sSub>
+                              </m:oMath>
+                            </m:oMathPara>
+                          </a14:m>
+                          <a:endParaRPr lang="it-IT" dirty="0"/>
+                        </a:p>
+                      </a:txBody>
+                      <a:tcPr/>
+                    </a:tc>
+                    <a:tc>
+                      <a:txBody>
+                        <a:bodyPr/>
+                        <a:lstStyle/>
+                        <a:p>
+                          <a:pPr algn="ctr"/>
+                          <a14:m>
+                            <m:oMathPara xmlns:m="http://schemas.openxmlformats.org/officeDocument/2006/math">
+                              <m:oMathParaPr>
+                                <m:jc m:val="centerGroup"/>
+                              </m:oMathParaPr>
+                              <m:oMath xmlns:m="http://schemas.openxmlformats.org/officeDocument/2006/math">
+                                <m:sSub>
+                                  <m:sSubPr>
+                                    <m:ctrlPr>
+                                      <a:rPr lang="it-IT" i="1" smtClean="0">
+                                        <a:latin typeface="Cambria Math" panose="02040503050406030204" pitchFamily="18" charset="0"/>
+                                      </a:rPr>
+                                    </m:ctrlPr>
+                                  </m:sSubPr>
+                                  <m:e>
+                                    <m:r>
+                                      <a:rPr lang="it-IT" b="0" i="1" smtClean="0">
+                                        <a:latin typeface="Cambria Math" panose="02040503050406030204" pitchFamily="18" charset="0"/>
+                                      </a:rPr>
+                                      <m:t>𝑥</m:t>
+                                    </m:r>
+                                  </m:e>
+                                  <m:sub>
+                                    <m:r>
+                                      <a:rPr lang="it-IT" b="0" i="1" smtClean="0">
+                                        <a:latin typeface="Cambria Math" panose="02040503050406030204" pitchFamily="18" charset="0"/>
+                                      </a:rPr>
+                                      <m:t>(2)</m:t>
+                                    </m:r>
+                                  </m:sub>
+                                </m:sSub>
+                              </m:oMath>
+                            </m:oMathPara>
+                          </a14:m>
+                          <a:endParaRPr lang="it-IT" dirty="0"/>
+                        </a:p>
+                      </a:txBody>
+                      <a:tcPr/>
+                    </a:tc>
+                    <a:tc>
+                      <a:txBody>
+                        <a:bodyPr/>
+                        <a:lstStyle/>
+                        <a:p>
+                          <a:pPr algn="ctr"/>
+                          <a14:m>
+                            <m:oMathPara xmlns:m="http://schemas.openxmlformats.org/officeDocument/2006/math">
+                              <m:oMathParaPr>
+                                <m:jc m:val="centerGroup"/>
+                              </m:oMathParaPr>
+                              <m:oMath xmlns:m="http://schemas.openxmlformats.org/officeDocument/2006/math">
+                                <m:sSub>
+                                  <m:sSubPr>
+                                    <m:ctrlPr>
+                                      <a:rPr lang="it-IT" i="1" smtClean="0">
+                                        <a:latin typeface="Cambria Math" panose="02040503050406030204" pitchFamily="18" charset="0"/>
+                                      </a:rPr>
+                                    </m:ctrlPr>
+                                  </m:sSubPr>
+                                  <m:e>
+                                    <m:r>
+                                      <a:rPr lang="it-IT" b="0" i="1" smtClean="0">
+                                        <a:latin typeface="Cambria Math" panose="02040503050406030204" pitchFamily="18" charset="0"/>
+                                      </a:rPr>
+                                      <m:t>𝑥</m:t>
+                                    </m:r>
+                                  </m:e>
+                                  <m:sub>
+                                    <m:d>
+                                      <m:dPr>
+                                        <m:ctrlPr>
+                                          <a:rPr lang="it-IT" b="0" i="1" smtClean="0">
+                                            <a:latin typeface="Cambria Math" panose="02040503050406030204" pitchFamily="18" charset="0"/>
+                                          </a:rPr>
+                                        </m:ctrlPr>
+                                      </m:dPr>
+                                      <m:e>
+                                        <m:r>
+                                          <a:rPr lang="it-IT" b="0" i="1" smtClean="0">
+                                            <a:latin typeface="Cambria Math" panose="02040503050406030204" pitchFamily="18" charset="0"/>
+                                          </a:rPr>
+                                          <m:t>3</m:t>
+                                        </m:r>
+                                      </m:e>
+                                    </m:d>
+                                  </m:sub>
+                                </m:sSub>
+                              </m:oMath>
+                            </m:oMathPara>
+                          </a14:m>
+                          <a:endParaRPr lang="it-IT" dirty="0"/>
+                        </a:p>
+                      </a:txBody>
+                      <a:tcPr/>
+                    </a:tc>
+                    <a:tc>
+                      <a:txBody>
+                        <a:bodyPr/>
+                        <a:lstStyle/>
+                        <a:p>
+                          <a:pPr algn="ctr"/>
+                          <a14:m>
+                            <m:oMathPara xmlns:m="http://schemas.openxmlformats.org/officeDocument/2006/math">
+                              <m:oMathParaPr>
+                                <m:jc m:val="centerGroup"/>
+                              </m:oMathParaPr>
+                              <m:oMath xmlns:m="http://schemas.openxmlformats.org/officeDocument/2006/math">
+                                <m:sSub>
+                                  <m:sSubPr>
+                                    <m:ctrlPr>
+                                      <a:rPr lang="it-IT" i="1" smtClean="0">
+                                        <a:latin typeface="Cambria Math" panose="02040503050406030204" pitchFamily="18" charset="0"/>
+                                      </a:rPr>
+                                    </m:ctrlPr>
+                                  </m:sSubPr>
+                                  <m:e>
+                                    <m:r>
+                                      <a:rPr lang="it-IT" b="0" i="1" smtClean="0">
+                                        <a:latin typeface="Cambria Math" panose="02040503050406030204" pitchFamily="18" charset="0"/>
+                                      </a:rPr>
+                                      <m:t>𝑥</m:t>
+                                    </m:r>
+                                  </m:e>
+                                  <m:sub>
+                                    <m:d>
+                                      <m:dPr>
+                                        <m:ctrlPr>
+                                          <a:rPr lang="it-IT" b="0" i="1" smtClean="0">
+                                            <a:latin typeface="Cambria Math" panose="02040503050406030204" pitchFamily="18" charset="0"/>
+                                          </a:rPr>
+                                        </m:ctrlPr>
+                                      </m:dPr>
+                                      <m:e>
+                                        <m:r>
+                                          <a:rPr lang="it-IT" b="0" i="1" smtClean="0">
+                                            <a:latin typeface="Cambria Math" panose="02040503050406030204" pitchFamily="18" charset="0"/>
+                                          </a:rPr>
+                                          <m:t>4</m:t>
+                                        </m:r>
+                                      </m:e>
+                                    </m:d>
+                                  </m:sub>
+                                </m:sSub>
+                              </m:oMath>
+                            </m:oMathPara>
+                          </a14:m>
+                          <a:endParaRPr lang="it-IT" dirty="0"/>
+                        </a:p>
+                      </a:txBody>
+                      <a:tcPr/>
+                    </a:tc>
+                    <a:tc>
+                      <a:txBody>
+                        <a:bodyPr/>
+                        <a:lstStyle/>
+                        <a:p>
+                          <a:pPr algn="ctr"/>
+                          <a14:m>
+                            <m:oMathPara xmlns:m="http://schemas.openxmlformats.org/officeDocument/2006/math">
+                              <m:oMathParaPr>
+                                <m:jc m:val="centerGroup"/>
+                              </m:oMathParaPr>
+                              <m:oMath xmlns:m="http://schemas.openxmlformats.org/officeDocument/2006/math">
+                                <m:sSub>
+                                  <m:sSubPr>
+                                    <m:ctrlPr>
+                                      <a:rPr lang="it-IT" i="1" smtClean="0">
+                                        <a:latin typeface="Cambria Math" panose="02040503050406030204" pitchFamily="18" charset="0"/>
+                                      </a:rPr>
+                                    </m:ctrlPr>
+                                  </m:sSubPr>
+                                  <m:e>
+                                    <m:r>
+                                      <a:rPr lang="it-IT" b="0" i="1" smtClean="0">
+                                        <a:latin typeface="Cambria Math" panose="02040503050406030204" pitchFamily="18" charset="0"/>
+                                      </a:rPr>
+                                      <m:t>𝑥</m:t>
+                                    </m:r>
+                                  </m:e>
+                                  <m:sub>
+                                    <m:d>
+                                      <m:dPr>
+                                        <m:ctrlPr>
+                                          <a:rPr lang="it-IT" b="0" i="1" smtClean="0">
+                                            <a:latin typeface="Cambria Math" panose="02040503050406030204" pitchFamily="18" charset="0"/>
+                                          </a:rPr>
+                                        </m:ctrlPr>
+                                      </m:dPr>
+                                      <m:e>
+                                        <m:r>
+                                          <a:rPr lang="it-IT" b="0" i="1" smtClean="0">
+                                            <a:latin typeface="Cambria Math" panose="02040503050406030204" pitchFamily="18" charset="0"/>
+                                          </a:rPr>
+                                          <m:t>5</m:t>
+                                        </m:r>
+                                      </m:e>
+                                    </m:d>
+                                  </m:sub>
+                                </m:sSub>
+                              </m:oMath>
+                            </m:oMathPara>
+                          </a14:m>
+                          <a:endParaRPr lang="it-IT" dirty="0"/>
+                        </a:p>
+                      </a:txBody>
+                      <a:tcPr/>
+                    </a:tc>
+                    <a:tc>
+                      <a:txBody>
+                        <a:bodyPr/>
+                        <a:lstStyle/>
+                        <a:p>
+                          <a:pPr algn="ctr"/>
+                          <a14:m>
+                            <m:oMathPara xmlns:m="http://schemas.openxmlformats.org/officeDocument/2006/math">
+                              <m:oMathParaPr>
+                                <m:jc m:val="centerGroup"/>
+                              </m:oMathParaPr>
+                              <m:oMath xmlns:m="http://schemas.openxmlformats.org/officeDocument/2006/math">
+                                <m:sSub>
+                                  <m:sSubPr>
+                                    <m:ctrlPr>
+                                      <a:rPr lang="it-IT" i="1" smtClean="0">
+                                        <a:latin typeface="Cambria Math" panose="02040503050406030204" pitchFamily="18" charset="0"/>
+                                      </a:rPr>
+                                    </m:ctrlPr>
+                                  </m:sSubPr>
+                                  <m:e>
+                                    <m:r>
+                                      <a:rPr lang="it-IT" b="0" i="1" smtClean="0">
+                                        <a:latin typeface="Cambria Math" panose="02040503050406030204" pitchFamily="18" charset="0"/>
+                                      </a:rPr>
+                                      <m:t>𝑥</m:t>
+                                    </m:r>
+                                  </m:e>
+                                  <m:sub>
+                                    <m:d>
+                                      <m:dPr>
+                                        <m:ctrlPr>
+                                          <a:rPr lang="it-IT" b="0" i="1" smtClean="0">
+                                            <a:latin typeface="Cambria Math" panose="02040503050406030204" pitchFamily="18" charset="0"/>
+                                          </a:rPr>
+                                        </m:ctrlPr>
+                                      </m:dPr>
+                                      <m:e>
+                                        <m:r>
+                                          <a:rPr lang="it-IT" b="0" i="1" smtClean="0">
+                                            <a:latin typeface="Cambria Math" panose="02040503050406030204" pitchFamily="18" charset="0"/>
+                                          </a:rPr>
+                                          <m:t>6</m:t>
+                                        </m:r>
+                                      </m:e>
+                                    </m:d>
+                                  </m:sub>
+                                </m:sSub>
+                              </m:oMath>
+                            </m:oMathPara>
+                          </a14:m>
+                          <a:endParaRPr lang="it-IT" dirty="0"/>
+                        </a:p>
+                      </a:txBody>
+                      <a:tcPr/>
+                    </a:tc>
+                    <a:extLst>
+                      <a:ext uri="{0D108BD9-81ED-4DB2-BD59-A6C34878D82A}">
+                        <a16:rowId xmlns:a16="http://schemas.microsoft.com/office/drawing/2014/main" val="3640844753"/>
+                      </a:ext>
+                    </a:extLst>
+                  </a:tr>
+                </a:tbl>
+              </a:graphicData>
+            </a:graphic>
+          </p:graphicFrame>
+        </mc:Choice>
+        <mc:Fallback>
+          <p:graphicFrame>
+            <p:nvGraphicFramePr>
+              <p:cNvPr id="5" name="Tabella 4">
+                <a:extLst>
+                  <a:ext uri="{FF2B5EF4-FFF2-40B4-BE49-F238E27FC236}">
+                    <a16:creationId xmlns:a16="http://schemas.microsoft.com/office/drawing/2014/main" id="{688C5D7E-A845-4F47-861E-16E95DAEA77A}"/>
+                  </a:ext>
+                </a:extLst>
+              </p:cNvPr>
+              <p:cNvGraphicFramePr>
+                <a:graphicFrameLocks noGrp="1"/>
+              </p:cNvGraphicFramePr>
+              <p:nvPr>
+                <p:extLst>
+                  <p:ext uri="{D42A27DB-BD31-4B8C-83A1-F6EECF244321}">
+                    <p14:modId xmlns:p14="http://schemas.microsoft.com/office/powerpoint/2010/main" val="1389126382"/>
+                  </p:ext>
+                </p:extLst>
+              </p:nvPr>
+            </p:nvGraphicFramePr>
+            <p:xfrm>
+              <a:off x="384332" y="2699735"/>
+              <a:ext cx="11068491" cy="1133856"/>
+            </p:xfrm>
+            <a:graphic>
+              <a:graphicData uri="http://schemas.openxmlformats.org/drawingml/2006/table">
+                <a:tbl>
+                  <a:tblPr firstRow="1" bandRow="1">
+                    <a:effectLst>
+                      <a:outerShdw blurRad="50800" dist="38100" dir="2700000" algn="tl" rotWithShape="0">
+                        <a:prstClr val="black">
+                          <a:alpha val="40000"/>
+                        </a:prstClr>
+                      </a:outerShdw>
+                    </a:effectLst>
+                    <a:tableStyleId>{5940675A-B579-460E-94D1-54222C63F5DA}</a:tableStyleId>
+                  </a:tblPr>
+                  <a:tblGrid>
+                    <a:gridCol w="1398481">
+                      <a:extLst>
+                        <a:ext uri="{9D8B030D-6E8A-4147-A177-3AD203B41FA5}">
+                          <a16:colId xmlns:a16="http://schemas.microsoft.com/office/drawing/2014/main" val="1942655463"/>
+                        </a:ext>
+                      </a:extLst>
+                    </a:gridCol>
+                    <a:gridCol w="1564174">
+                      <a:extLst>
+                        <a:ext uri="{9D8B030D-6E8A-4147-A177-3AD203B41FA5}">
+                          <a16:colId xmlns:a16="http://schemas.microsoft.com/office/drawing/2014/main" val="806493636"/>
+                        </a:ext>
+                      </a:extLst>
+                    </a:gridCol>
+                    <a:gridCol w="1157343">
+                      <a:extLst>
+                        <a:ext uri="{9D8B030D-6E8A-4147-A177-3AD203B41FA5}">
+                          <a16:colId xmlns:a16="http://schemas.microsoft.com/office/drawing/2014/main" val="2579236287"/>
+                        </a:ext>
+                      </a:extLst>
+                    </a:gridCol>
+                    <a:gridCol w="1933213">
+                      <a:extLst>
+                        <a:ext uri="{9D8B030D-6E8A-4147-A177-3AD203B41FA5}">
+                          <a16:colId xmlns:a16="http://schemas.microsoft.com/office/drawing/2014/main" val="3605425459"/>
+                        </a:ext>
+                      </a:extLst>
+                    </a:gridCol>
+                    <a:gridCol w="1737465">
+                      <a:extLst>
+                        <a:ext uri="{9D8B030D-6E8A-4147-A177-3AD203B41FA5}">
+                          <a16:colId xmlns:a16="http://schemas.microsoft.com/office/drawing/2014/main" val="4105742860"/>
+                        </a:ext>
+                      </a:extLst>
+                    </a:gridCol>
+                    <a:gridCol w="1187355">
+                      <a:extLst>
+                        <a:ext uri="{9D8B030D-6E8A-4147-A177-3AD203B41FA5}">
+                          <a16:colId xmlns:a16="http://schemas.microsoft.com/office/drawing/2014/main" val="3620964341"/>
+                        </a:ext>
+                      </a:extLst>
+                    </a:gridCol>
+                    <a:gridCol w="2090460">
+                      <a:extLst>
+                        <a:ext uri="{9D8B030D-6E8A-4147-A177-3AD203B41FA5}">
+                          <a16:colId xmlns:a16="http://schemas.microsoft.com/office/drawing/2014/main" val="3693595725"/>
+                        </a:ext>
+                      </a:extLst>
+                    </a:gridCol>
+                  </a:tblGrid>
+                  <a:tr h="370840">
+                    <a:tc>
+                      <a:txBody>
+                        <a:bodyPr/>
+                        <a:lstStyle/>
+                        <a:p>
+                          <a:r>
+                            <a:rPr lang="it-IT" b="1" dirty="0"/>
+                            <a:t>Tipologia</a:t>
+                          </a:r>
+                        </a:p>
+                      </a:txBody>
+                      <a:tcPr/>
+                    </a:tc>
+                    <a:tc>
+                      <a:txBody>
+                        <a:bodyPr/>
+                        <a:lstStyle/>
+                        <a:p>
+                          <a:pPr algn="ctr"/>
+                          <a:r>
+                            <a:rPr lang="it-IT" dirty="0"/>
+                            <a:t>Interrogazione</a:t>
+                          </a:r>
+                        </a:p>
+                      </a:txBody>
+                      <a:tcPr/>
+                    </a:tc>
+                    <a:tc>
+                      <a:txBody>
+                        <a:bodyPr/>
+                        <a:lstStyle/>
+                        <a:p>
+                          <a:pPr algn="ctr"/>
+                          <a:r>
+                            <a:rPr lang="it-IT" dirty="0"/>
+                            <a:t>Verifica</a:t>
+                          </a:r>
+                        </a:p>
+                      </a:txBody>
+                      <a:tcPr/>
+                    </a:tc>
+                    <a:tc>
+                      <a:txBody>
+                        <a:bodyPr/>
+                        <a:lstStyle/>
+                        <a:p>
+                          <a:pPr algn="ctr"/>
+                          <a:r>
+                            <a:rPr lang="it-IT" dirty="0"/>
+                            <a:t>Interrogazione</a:t>
+                          </a:r>
+                        </a:p>
+                      </a:txBody>
+                      <a:tcPr/>
+                    </a:tc>
+                    <a:tc>
+                      <a:txBody>
+                        <a:bodyPr/>
+                        <a:lstStyle/>
+                        <a:p>
+                          <a:pPr algn="ctr"/>
+                          <a:r>
+                            <a:rPr lang="it-IT" dirty="0"/>
+                            <a:t>Interrogazione</a:t>
+                          </a:r>
+                        </a:p>
+                      </a:txBody>
+                      <a:tcPr/>
+                    </a:tc>
+                    <a:tc>
+                      <a:txBody>
+                        <a:bodyPr/>
+                        <a:lstStyle/>
+                        <a:p>
+                          <a:pPr marL="0" marR="0" lvl="0" indent="0" algn="ctr" defTabSz="914400" rtl="0" eaLnBrk="1" fontAlgn="auto" latinLnBrk="0" hangingPunct="1">
+                            <a:lnSpc>
+                              <a:spcPct val="100000"/>
+                            </a:lnSpc>
+                            <a:spcBef>
+                              <a:spcPts val="0"/>
+                            </a:spcBef>
+                            <a:spcAft>
+                              <a:spcPts val="0"/>
+                            </a:spcAft>
+                            <a:buClrTx/>
+                            <a:buSzTx/>
+                            <a:buFontTx/>
+                            <a:buNone/>
+                            <a:tabLst/>
+                            <a:defRPr/>
+                          </a:pPr>
+                          <a:r>
+                            <a:rPr lang="it-IT" dirty="0"/>
+                            <a:t>Verifica</a:t>
+                          </a:r>
+                        </a:p>
+                      </a:txBody>
+                      <a:tcPr/>
+                    </a:tc>
+                    <a:tc>
+                      <a:txBody>
+                        <a:bodyPr/>
+                        <a:lstStyle/>
+                        <a:p>
+                          <a:pPr marL="0" marR="0" lvl="0" indent="0" algn="ctr" defTabSz="914400" rtl="0" eaLnBrk="1" fontAlgn="auto" latinLnBrk="0" hangingPunct="1">
+                            <a:lnSpc>
+                              <a:spcPct val="100000"/>
+                            </a:lnSpc>
+                            <a:spcBef>
+                              <a:spcPts val="0"/>
+                            </a:spcBef>
+                            <a:spcAft>
+                              <a:spcPts val="0"/>
+                            </a:spcAft>
+                            <a:buClrTx/>
+                            <a:buSzTx/>
+                            <a:buFontTx/>
+                            <a:buNone/>
+                            <a:tabLst/>
+                            <a:defRPr/>
+                          </a:pPr>
+                          <a:r>
+                            <a:rPr lang="it-IT" dirty="0"/>
+                            <a:t>Lavoro di gruppo</a:t>
+                          </a:r>
+                        </a:p>
+                      </a:txBody>
+                      <a:tcPr/>
+                    </a:tc>
+                    <a:extLst>
+                      <a:ext uri="{0D108BD9-81ED-4DB2-BD59-A6C34878D82A}">
+                        <a16:rowId xmlns:a16="http://schemas.microsoft.com/office/drawing/2014/main" val="3001312577"/>
+                      </a:ext>
+                    </a:extLst>
+                  </a:tr>
+                  <a:tr h="370840">
+                    <a:tc>
+                      <a:txBody>
+                        <a:bodyPr/>
+                        <a:lstStyle/>
+                        <a:p>
+                          <a:r>
+                            <a:rPr lang="it-IT" b="1" dirty="0"/>
+                            <a:t>Voto</a:t>
+                          </a:r>
+                        </a:p>
+                      </a:txBody>
+                      <a:tcPr/>
+                    </a:tc>
+                    <a:tc>
+                      <a:txBody>
+                        <a:bodyPr/>
+                        <a:lstStyle/>
+                        <a:p>
+                          <a:pPr algn="ctr"/>
+                          <a:r>
+                            <a:rPr lang="it-IT" dirty="0"/>
+                            <a:t>2</a:t>
+                          </a:r>
+                        </a:p>
+                      </a:txBody>
+                      <a:tcPr/>
+                    </a:tc>
+                    <a:tc>
+                      <a:txBody>
+                        <a:bodyPr/>
+                        <a:lstStyle/>
+                        <a:p>
+                          <a:pPr algn="ctr"/>
+                          <a:r>
+                            <a:rPr lang="it-IT" dirty="0"/>
+                            <a:t>6.5</a:t>
+                          </a:r>
+                        </a:p>
+                      </a:txBody>
+                      <a:tcPr/>
+                    </a:tc>
+                    <a:tc>
+                      <a:txBody>
+                        <a:bodyPr/>
+                        <a:lstStyle/>
+                        <a:p>
+                          <a:pPr algn="ctr"/>
+                          <a:r>
+                            <a:rPr lang="it-IT" dirty="0"/>
+                            <a:t>7</a:t>
+                          </a:r>
+                        </a:p>
+                      </a:txBody>
+                      <a:tcPr/>
+                    </a:tc>
+                    <a:tc>
+                      <a:txBody>
+                        <a:bodyPr/>
+                        <a:lstStyle/>
+                        <a:p>
+                          <a:pPr algn="ctr"/>
+                          <a:r>
+                            <a:rPr lang="it-IT" dirty="0"/>
+                            <a:t>7</a:t>
+                          </a:r>
+                        </a:p>
+                      </a:txBody>
+                      <a:tcPr/>
+                    </a:tc>
+                    <a:tc>
+                      <a:txBody>
+                        <a:bodyPr/>
+                        <a:lstStyle/>
+                        <a:p>
+                          <a:pPr algn="ctr"/>
+                          <a:r>
+                            <a:rPr lang="it-IT" dirty="0"/>
+                            <a:t>8</a:t>
+                          </a:r>
+                        </a:p>
+                      </a:txBody>
+                      <a:tcPr/>
+                    </a:tc>
+                    <a:tc>
+                      <a:txBody>
+                        <a:bodyPr/>
+                        <a:lstStyle/>
+                        <a:p>
+                          <a:pPr algn="ctr"/>
+                          <a:r>
+                            <a:rPr lang="it-IT" dirty="0"/>
+                            <a:t>8,5</a:t>
+                          </a:r>
+                        </a:p>
+                      </a:txBody>
+                      <a:tcPr/>
+                    </a:tc>
+                    <a:extLst>
+                      <a:ext uri="{0D108BD9-81ED-4DB2-BD59-A6C34878D82A}">
+                        <a16:rowId xmlns:a16="http://schemas.microsoft.com/office/drawing/2014/main" val="620613140"/>
+                      </a:ext>
+                    </a:extLst>
+                  </a:tr>
+                  <a:tr h="392176">
+                    <a:tc>
+                      <a:txBody>
+                        <a:bodyPr/>
+                        <a:lstStyle/>
+                        <a:p>
+                          <a:endParaRPr lang="it-IT" b="1" dirty="0"/>
+                        </a:p>
+                      </a:txBody>
+                      <a:tcPr/>
+                    </a:tc>
+                    <a:tc>
+                      <a:txBody>
+                        <a:bodyPr/>
+                        <a:lstStyle/>
+                        <a:p>
+                          <a:endParaRPr lang="it-IT"/>
+                        </a:p>
+                      </a:txBody>
+                      <a:tcPr>
+                        <a:blipFill>
+                          <a:blip r:embed="rId3"/>
+                          <a:stretch>
+                            <a:fillRect l="-91051" t="-195385" r="-523346" b="-23077"/>
+                          </a:stretch>
+                        </a:blipFill>
+                      </a:tcPr>
+                    </a:tc>
+                    <a:tc>
+                      <a:txBody>
+                        <a:bodyPr/>
+                        <a:lstStyle/>
+                        <a:p>
+                          <a:endParaRPr lang="it-IT"/>
+                        </a:p>
+                      </a:txBody>
+                      <a:tcPr>
+                        <a:blipFill>
+                          <a:blip r:embed="rId3"/>
+                          <a:stretch>
+                            <a:fillRect l="-258421" t="-195385" r="-607895" b="-23077"/>
+                          </a:stretch>
+                        </a:blipFill>
+                      </a:tcPr>
+                    </a:tc>
+                    <a:tc>
+                      <a:txBody>
+                        <a:bodyPr/>
+                        <a:lstStyle/>
+                        <a:p>
+                          <a:endParaRPr lang="it-IT"/>
+                        </a:p>
+                      </a:txBody>
+                      <a:tcPr>
+                        <a:blipFill>
+                          <a:blip r:embed="rId3"/>
+                          <a:stretch>
+                            <a:fillRect l="-214826" t="-195385" r="-264353" b="-23077"/>
+                          </a:stretch>
+                        </a:blipFill>
+                      </a:tcPr>
+                    </a:tc>
+                    <a:tc>
+                      <a:txBody>
+                        <a:bodyPr/>
+                        <a:lstStyle/>
+                        <a:p>
+                          <a:endParaRPr lang="it-IT"/>
+                        </a:p>
+                      </a:txBody>
+                      <a:tcPr>
+                        <a:blipFill>
+                          <a:blip r:embed="rId3"/>
+                          <a:stretch>
+                            <a:fillRect l="-350175" t="-195385" r="-194035" b="-23077"/>
+                          </a:stretch>
+                        </a:blipFill>
+                      </a:tcPr>
+                    </a:tc>
+                    <a:tc>
+                      <a:txBody>
+                        <a:bodyPr/>
+                        <a:lstStyle/>
+                        <a:p>
+                          <a:endParaRPr lang="it-IT"/>
+                        </a:p>
+                      </a:txBody>
+                      <a:tcPr>
+                        <a:blipFill>
+                          <a:blip r:embed="rId3"/>
+                          <a:stretch>
+                            <a:fillRect l="-657949" t="-195385" r="-183590" b="-23077"/>
+                          </a:stretch>
+                        </a:blipFill>
+                      </a:tcPr>
+                    </a:tc>
+                    <a:tc>
+                      <a:txBody>
+                        <a:bodyPr/>
+                        <a:lstStyle/>
+                        <a:p>
+                          <a:endParaRPr lang="it-IT"/>
+                        </a:p>
+                      </a:txBody>
+                      <a:tcPr>
+                        <a:blipFill>
+                          <a:blip r:embed="rId3"/>
+                          <a:stretch>
+                            <a:fillRect l="-430904" t="-195385" r="-4373" b="-23077"/>
+                          </a:stretch>
+                        </a:blipFill>
+                      </a:tcPr>
+                    </a:tc>
+                    <a:extLst>
+                      <a:ext uri="{0D108BD9-81ED-4DB2-BD59-A6C34878D82A}">
+                        <a16:rowId xmlns:a16="http://schemas.microsoft.com/office/drawing/2014/main" val="3640844753"/>
+                      </a:ext>
+                    </a:extLst>
+                  </a:tr>
+                </a:tbl>
+              </a:graphicData>
+            </a:graphic>
+          </p:graphicFrame>
+        </mc:Fallback>
+      </mc:AlternateContent>
+    </p:spTree>
+    <p:extLst>
+      <p:ext uri="{BB962C8B-B14F-4D97-AF65-F5344CB8AC3E}">
+        <p14:creationId xmlns:p14="http://schemas.microsoft.com/office/powerpoint/2010/main" val="4100295015"/>
+      </p:ext>
+    </p:extLst>
+  </p:cSld>
+  <p:clrMapOvr>
+    <a:masterClrMapping/>
+  </p:clrMapOvr>
+</p:sld>
+</file>
+
+<file path=ppt/slides/slide12.xml><?xml version="1.0" encoding="utf-8"?>
+<p:sld xmlns:a="http://schemas.openxmlformats.org/drawingml/2006/main" xmlns:r="http://schemas.openxmlformats.org/officeDocument/2006/relationships" xmlns:p="http://schemas.openxmlformats.org/presentationml/2006/main">
+  <p:cSld>
+    <p:spTree>
+      <p:nvGrpSpPr>
+        <p:cNvPr id="1" name=""/>
+        <p:cNvGrpSpPr/>
+        <p:nvPr/>
+      </p:nvGrpSpPr>
+      <p:grpSpPr>
+        <a:xfrm>
+          <a:off x="0" y="0"/>
+          <a:ext cx="0" cy="0"/>
+          <a:chOff x="0" y="0"/>
+          <a:chExt cx="0" cy="0"/>
+        </a:xfrm>
+      </p:grpSpPr>
+      <p:sp>
+        <p:nvSpPr>
+          <p:cNvPr id="2" name="Titolo 1">
+            <a:extLst>
+              <a:ext uri="{FF2B5EF4-FFF2-40B4-BE49-F238E27FC236}">
+                <a16:creationId xmlns:a16="http://schemas.microsoft.com/office/drawing/2014/main" id="{09CFC7E0-3CDD-456D-80FF-3E021CA8840B}"/>
+              </a:ext>
+            </a:extLst>
+          </p:cNvPr>
+          <p:cNvSpPr>
+            <a:spLocks noGrp="1"/>
+          </p:cNvSpPr>
+          <p:nvPr>
+            <p:ph type="title"/>
+          </p:nvPr>
+        </p:nvSpPr>
+        <p:spPr>
+          <a:xfrm>
+            <a:off x="838200" y="18255"/>
+            <a:ext cx="10515600" cy="1325563"/>
+          </a:xfrm>
+        </p:spPr>
+        <p:txBody>
+          <a:bodyPr/>
+          <a:lstStyle/>
+          <a:p>
+            <a:r>
+              <a:rPr lang="it-IT" dirty="0"/>
+              <a:t>Indici di variabilità (1)</a:t>
+            </a:r>
+          </a:p>
+        </p:txBody>
+      </p:sp>
+      <mc:AlternateContent xmlns:mc="http://schemas.openxmlformats.org/markup-compatibility/2006">
+        <mc:Choice xmlns:a14="http://schemas.microsoft.com/office/drawing/2010/main" Requires="a14">
+          <p:sp>
+            <p:nvSpPr>
+              <p:cNvPr id="3" name="Segnaposto contenuto 2">
+                <a:extLst>
+                  <a:ext uri="{FF2B5EF4-FFF2-40B4-BE49-F238E27FC236}">
+                    <a16:creationId xmlns:a16="http://schemas.microsoft.com/office/drawing/2014/main" id="{BA4F350A-A795-4CFD-800B-52043439E85F}"/>
+                  </a:ext>
+                </a:extLst>
+              </p:cNvPr>
+              <p:cNvSpPr>
+                <a:spLocks noGrp="1"/>
+              </p:cNvSpPr>
+              <p:nvPr>
+                <p:ph idx="1"/>
+              </p:nvPr>
+            </p:nvSpPr>
+            <p:spPr>
+              <a:xfrm>
+                <a:off x="838200" y="1063326"/>
+                <a:ext cx="10515600" cy="5408726"/>
+              </a:xfrm>
+            </p:spPr>
+            <p:txBody>
+              <a:bodyPr/>
+              <a:lstStyle/>
+              <a:p>
+                <a:r>
+                  <a:rPr lang="it-IT" b="1" dirty="0">
+                    <a:solidFill>
+                      <a:srgbClr val="C00000"/>
+                    </a:solidFill>
+                  </a:rPr>
+                  <a:t>Range</a:t>
+                </a:r>
+                <a:r>
+                  <a:rPr lang="it-IT" dirty="0"/>
+                  <a:t> (campo di variazione). Differenza tra la modalità massima osservata e quella minima:</a:t>
+                </a:r>
+              </a:p>
+              <a:p>
+                <a:pPr marL="0" indent="0">
+                  <a:buNone/>
+                </a:pPr>
+                <a14:m>
+                  <m:oMathPara xmlns:m="http://schemas.openxmlformats.org/officeDocument/2006/math">
+                    <m:oMathParaPr>
+                      <m:jc m:val="centerGroup"/>
+                    </m:oMathParaPr>
+                    <m:oMath xmlns:m="http://schemas.openxmlformats.org/officeDocument/2006/math">
+                      <m:sSub>
+                        <m:sSubPr>
+                          <m:ctrlPr>
+                            <a:rPr lang="it-IT" b="0" i="1" smtClean="0">
+                              <a:latin typeface="Cambria Math" panose="02040503050406030204" pitchFamily="18" charset="0"/>
+                            </a:rPr>
+                          </m:ctrlPr>
+                        </m:sSubPr>
+                        <m:e>
+                          <m:r>
+                            <a:rPr lang="it-IT" b="0" i="1" smtClean="0">
+                              <a:latin typeface="Cambria Math" panose="02040503050406030204" pitchFamily="18" charset="0"/>
+                            </a:rPr>
+                            <m:t>𝑅</m:t>
+                          </m:r>
+                        </m:e>
+                        <m:sub>
+                          <m:r>
+                            <a:rPr lang="it-IT" b="0" i="1" smtClean="0">
+                              <a:latin typeface="Cambria Math" panose="02040503050406030204" pitchFamily="18" charset="0"/>
+                            </a:rPr>
+                            <m:t>𝑋</m:t>
+                          </m:r>
+                        </m:sub>
+                      </m:sSub>
+                      <m:r>
+                        <a:rPr lang="it-IT" b="0" i="1" smtClean="0">
+                          <a:latin typeface="Cambria Math" panose="02040503050406030204" pitchFamily="18" charset="0"/>
+                        </a:rPr>
+                        <m:t>=</m:t>
+                      </m:r>
+                      <m:func>
+                        <m:funcPr>
+                          <m:ctrlPr>
+                            <a:rPr lang="it-IT" b="0" i="1" smtClean="0">
+                              <a:latin typeface="Cambria Math" panose="02040503050406030204" pitchFamily="18" charset="0"/>
+                            </a:rPr>
+                          </m:ctrlPr>
+                        </m:funcPr>
+                        <m:fName>
+                          <m:r>
+                            <m:rPr>
+                              <m:sty m:val="p"/>
+                            </m:rPr>
+                            <a:rPr lang="it-IT" b="0" i="0" smtClean="0">
+                              <a:latin typeface="Cambria Math" panose="02040503050406030204" pitchFamily="18" charset="0"/>
+                            </a:rPr>
+                            <m:t>max</m:t>
+                          </m:r>
+                        </m:fName>
+                        <m:e>
+                          <m:d>
+                            <m:dPr>
+                              <m:ctrlPr>
+                                <a:rPr lang="it-IT" b="0" i="1" smtClean="0">
+                                  <a:latin typeface="Cambria Math" panose="02040503050406030204" pitchFamily="18" charset="0"/>
+                                </a:rPr>
+                              </m:ctrlPr>
+                            </m:dPr>
+                            <m:e>
+                              <m:r>
+                                <a:rPr lang="it-IT" b="0" i="1" smtClean="0">
+                                  <a:latin typeface="Cambria Math" panose="02040503050406030204" pitchFamily="18" charset="0"/>
+                                </a:rPr>
+                                <m:t>𝑋</m:t>
+                              </m:r>
+                            </m:e>
+                          </m:d>
+                        </m:e>
+                      </m:func>
+                      <m:r>
+                        <a:rPr lang="it-IT" b="0" i="1" smtClean="0">
+                          <a:latin typeface="Cambria Math" panose="02040503050406030204" pitchFamily="18" charset="0"/>
+                        </a:rPr>
+                        <m:t>−</m:t>
+                      </m:r>
+                      <m:func>
+                        <m:funcPr>
+                          <m:ctrlPr>
+                            <a:rPr lang="it-IT" b="0" i="1" smtClean="0">
+                              <a:latin typeface="Cambria Math" panose="02040503050406030204" pitchFamily="18" charset="0"/>
+                            </a:rPr>
+                          </m:ctrlPr>
+                        </m:funcPr>
+                        <m:fName>
+                          <m:r>
+                            <m:rPr>
+                              <m:sty m:val="p"/>
+                            </m:rPr>
+                            <a:rPr lang="it-IT" b="0" i="0" smtClean="0">
+                              <a:latin typeface="Cambria Math" panose="02040503050406030204" pitchFamily="18" charset="0"/>
+                            </a:rPr>
+                            <m:t>min</m:t>
+                          </m:r>
+                        </m:fName>
+                        <m:e>
+                          <m:d>
+                            <m:dPr>
+                              <m:ctrlPr>
+                                <a:rPr lang="it-IT" b="0" i="1" smtClean="0">
+                                  <a:latin typeface="Cambria Math" panose="02040503050406030204" pitchFamily="18" charset="0"/>
+                                </a:rPr>
+                              </m:ctrlPr>
+                            </m:dPr>
+                            <m:e>
+                              <m:r>
+                                <a:rPr lang="it-IT" b="0" i="1" smtClean="0">
+                                  <a:latin typeface="Cambria Math" panose="02040503050406030204" pitchFamily="18" charset="0"/>
+                                </a:rPr>
+                                <m:t>𝑋</m:t>
+                              </m:r>
+                            </m:e>
+                          </m:d>
+                        </m:e>
+                      </m:func>
+                      <m:r>
+                        <a:rPr lang="it-IT" b="0" i="1" smtClean="0">
+                          <a:latin typeface="Cambria Math" panose="02040503050406030204" pitchFamily="18" charset="0"/>
+                        </a:rPr>
+                        <m:t>.</m:t>
+                      </m:r>
+                    </m:oMath>
+                  </m:oMathPara>
+                </a14:m>
+                <a:endParaRPr lang="it-IT" dirty="0"/>
+              </a:p>
+              <a:p>
+                <a:pPr marL="0" indent="0">
+                  <a:buNone/>
+                </a:pPr>
+                <a:r>
+                  <a:rPr lang="it-IT" dirty="0"/>
+                  <a:t>Si tratta di un indice molto sensibile a valori anomali.</a:t>
+                </a:r>
+              </a:p>
+              <a:p>
+                <a:endParaRPr lang="it-IT" sz="1400" dirty="0"/>
+              </a:p>
+              <a:p>
+                <a:endParaRPr lang="it-IT" sz="1400" dirty="0"/>
+              </a:p>
+              <a:p>
+                <a:r>
+                  <a:rPr lang="it-IT" b="1" dirty="0">
+                    <a:solidFill>
+                      <a:srgbClr val="C00000"/>
+                    </a:solidFill>
+                  </a:rPr>
+                  <a:t>Range inter-</a:t>
+                </a:r>
+                <a:r>
+                  <a:rPr lang="it-IT" b="1" dirty="0" err="1">
+                    <a:solidFill>
+                      <a:srgbClr val="C00000"/>
+                    </a:solidFill>
+                  </a:rPr>
+                  <a:t>quartilico</a:t>
+                </a:r>
+                <a:r>
+                  <a:rPr lang="it-IT" b="1" dirty="0">
+                    <a:solidFill>
+                      <a:srgbClr val="C00000"/>
+                    </a:solidFill>
+                  </a:rPr>
+                  <a:t> </a:t>
+                </a:r>
+                <a:r>
+                  <a:rPr lang="it-IT" dirty="0"/>
+                  <a:t>(IQR). Differenza tra il terzo ed il primo quartile:</a:t>
+                </a:r>
+              </a:p>
+              <a:p>
+                <a:pPr marL="0" indent="0">
+                  <a:buNone/>
+                </a:pPr>
+                <a14:m>
+                  <m:oMathPara xmlns:m="http://schemas.openxmlformats.org/officeDocument/2006/math">
+                    <m:oMathParaPr>
+                      <m:jc m:val="centerGroup"/>
+                    </m:oMathParaPr>
+                    <m:oMath xmlns:m="http://schemas.openxmlformats.org/officeDocument/2006/math">
+                      <m:r>
+                        <a:rPr lang="it-IT" b="0" i="1" smtClean="0">
+                          <a:latin typeface="Cambria Math" panose="02040503050406030204" pitchFamily="18" charset="0"/>
+                        </a:rPr>
+                        <m:t>𝐼𝑄</m:t>
+                      </m:r>
+                      <m:sSub>
+                        <m:sSubPr>
+                          <m:ctrlPr>
+                            <a:rPr lang="it-IT" b="0" i="1" smtClean="0">
+                              <a:latin typeface="Cambria Math" panose="02040503050406030204" pitchFamily="18" charset="0"/>
+                            </a:rPr>
+                          </m:ctrlPr>
+                        </m:sSubPr>
+                        <m:e>
+                          <m:r>
+                            <a:rPr lang="it-IT" b="0" i="1" smtClean="0">
+                              <a:latin typeface="Cambria Math" panose="02040503050406030204" pitchFamily="18" charset="0"/>
+                            </a:rPr>
+                            <m:t>𝑅</m:t>
+                          </m:r>
+                        </m:e>
+                        <m:sub>
+                          <m:r>
+                            <a:rPr lang="it-IT" b="0" i="1" smtClean="0">
+                              <a:latin typeface="Cambria Math" panose="02040503050406030204" pitchFamily="18" charset="0"/>
+                            </a:rPr>
+                            <m:t>𝑋</m:t>
+                          </m:r>
+                        </m:sub>
+                      </m:sSub>
+                      <m:r>
+                        <a:rPr lang="it-IT" b="0" i="1" smtClean="0">
+                          <a:latin typeface="Cambria Math" panose="02040503050406030204" pitchFamily="18" charset="0"/>
+                        </a:rPr>
+                        <m:t>=</m:t>
+                      </m:r>
+                      <m:sSub>
+                        <m:sSubPr>
+                          <m:ctrlPr>
+                            <a:rPr lang="it-IT" b="0" i="1" smtClean="0">
+                              <a:latin typeface="Cambria Math" panose="02040503050406030204" pitchFamily="18" charset="0"/>
+                            </a:rPr>
+                          </m:ctrlPr>
+                        </m:sSubPr>
+                        <m:e>
+                          <m:r>
+                            <a:rPr lang="it-IT" b="0" i="1" smtClean="0">
+                              <a:latin typeface="Cambria Math" panose="02040503050406030204" pitchFamily="18" charset="0"/>
+                            </a:rPr>
+                            <m:t>𝑄</m:t>
+                          </m:r>
+                        </m:e>
+                        <m:sub>
+                          <m:r>
+                            <a:rPr lang="it-IT" b="0" i="1" smtClean="0">
+                              <a:latin typeface="Cambria Math" panose="02040503050406030204" pitchFamily="18" charset="0"/>
+                            </a:rPr>
+                            <m:t>3</m:t>
+                          </m:r>
+                        </m:sub>
+                      </m:sSub>
+                      <m:d>
+                        <m:dPr>
+                          <m:ctrlPr>
+                            <a:rPr lang="it-IT" b="0" i="1" smtClean="0">
+                              <a:latin typeface="Cambria Math" panose="02040503050406030204" pitchFamily="18" charset="0"/>
+                            </a:rPr>
+                          </m:ctrlPr>
+                        </m:dPr>
+                        <m:e>
+                          <m:r>
+                            <a:rPr lang="it-IT" b="0" i="1" smtClean="0">
+                              <a:latin typeface="Cambria Math" panose="02040503050406030204" pitchFamily="18" charset="0"/>
+                            </a:rPr>
+                            <m:t>𝑋</m:t>
+                          </m:r>
+                        </m:e>
+                      </m:d>
+                      <m:r>
+                        <a:rPr lang="it-IT" b="0" i="1" smtClean="0">
+                          <a:latin typeface="Cambria Math" panose="02040503050406030204" pitchFamily="18" charset="0"/>
+                        </a:rPr>
+                        <m:t>−</m:t>
+                      </m:r>
+                      <m:sSub>
+                        <m:sSubPr>
+                          <m:ctrlPr>
+                            <a:rPr lang="it-IT" b="0" i="1" smtClean="0">
+                              <a:latin typeface="Cambria Math" panose="02040503050406030204" pitchFamily="18" charset="0"/>
+                            </a:rPr>
+                          </m:ctrlPr>
+                        </m:sSubPr>
+                        <m:e>
+                          <m:r>
+                            <a:rPr lang="it-IT" b="0" i="1" smtClean="0">
+                              <a:latin typeface="Cambria Math" panose="02040503050406030204" pitchFamily="18" charset="0"/>
+                            </a:rPr>
+                            <m:t>𝑄</m:t>
+                          </m:r>
+                        </m:e>
+                        <m:sub>
+                          <m:r>
+                            <a:rPr lang="it-IT" b="0" i="1" smtClean="0">
+                              <a:latin typeface="Cambria Math" panose="02040503050406030204" pitchFamily="18" charset="0"/>
+                            </a:rPr>
+                            <m:t>1</m:t>
+                          </m:r>
+                        </m:sub>
+                      </m:sSub>
+                      <m:d>
+                        <m:dPr>
+                          <m:ctrlPr>
+                            <a:rPr lang="it-IT" b="0" i="1" smtClean="0">
+                              <a:latin typeface="Cambria Math" panose="02040503050406030204" pitchFamily="18" charset="0"/>
+                            </a:rPr>
+                          </m:ctrlPr>
+                        </m:dPr>
+                        <m:e>
+                          <m:r>
+                            <a:rPr lang="it-IT" b="0" i="1" smtClean="0">
+                              <a:latin typeface="Cambria Math" panose="02040503050406030204" pitchFamily="18" charset="0"/>
+                            </a:rPr>
+                            <m:t>𝑋</m:t>
+                          </m:r>
+                        </m:e>
+                      </m:d>
+                      <m:r>
+                        <a:rPr lang="it-IT" b="0" i="1" smtClean="0">
+                          <a:latin typeface="Cambria Math" panose="02040503050406030204" pitchFamily="18" charset="0"/>
+                        </a:rPr>
+                        <m:t>.</m:t>
+                      </m:r>
+                    </m:oMath>
+                  </m:oMathPara>
+                </a14:m>
+                <a:endParaRPr lang="it-IT" dirty="0"/>
+              </a:p>
+              <a:p>
+                <a:endParaRPr lang="it-IT" dirty="0"/>
+              </a:p>
+            </p:txBody>
+          </p:sp>
+        </mc:Choice>
+        <mc:Fallback>
+          <p:sp>
+            <p:nvSpPr>
+              <p:cNvPr id="3" name="Segnaposto contenuto 2">
+                <a:extLst>
+                  <a:ext uri="{FF2B5EF4-FFF2-40B4-BE49-F238E27FC236}">
+                    <a16:creationId xmlns:a16="http://schemas.microsoft.com/office/drawing/2014/main" id="{BA4F350A-A795-4CFD-800B-52043439E85F}"/>
+                  </a:ext>
+                </a:extLst>
+              </p:cNvPr>
+              <p:cNvSpPr>
+                <a:spLocks noGrp="1" noRot="1" noChangeAspect="1" noMove="1" noResize="1" noEditPoints="1" noAdjustHandles="1" noChangeArrowheads="1" noChangeShapeType="1" noTextEdit="1"/>
+              </p:cNvSpPr>
+              <p:nvPr>
+                <p:ph idx="1"/>
+              </p:nvPr>
+            </p:nvSpPr>
+            <p:spPr>
+              <a:xfrm>
+                <a:off x="838200" y="1063326"/>
+                <a:ext cx="10515600" cy="5408726"/>
+              </a:xfrm>
+              <a:blipFill>
+                <a:blip r:embed="rId2"/>
+                <a:stretch>
+                  <a:fillRect l="-1217" t="-1802"/>
+                </a:stretch>
+              </a:blipFill>
+            </p:spPr>
+            <p:txBody>
+              <a:bodyPr/>
+              <a:lstStyle/>
+              <a:p>
+                <a:r>
+                  <a:rPr lang="it-IT">
+                    <a:noFill/>
+                  </a:rPr>
+                  <a:t> </a:t>
+                </a:r>
+              </a:p>
+            </p:txBody>
+          </p:sp>
+        </mc:Fallback>
+      </mc:AlternateContent>
+      <p:pic>
+        <p:nvPicPr>
+          <p:cNvPr id="6" name="Immagine 5">
+            <a:extLst>
+              <a:ext uri="{FF2B5EF4-FFF2-40B4-BE49-F238E27FC236}">
+                <a16:creationId xmlns:a16="http://schemas.microsoft.com/office/drawing/2014/main" id="{212DDEE6-7437-434A-886E-75D8BC5A022C}"/>
+              </a:ext>
+            </a:extLst>
+          </p:cNvPr>
+          <p:cNvPicPr>
+            <a:picLocks noChangeAspect="1"/>
+          </p:cNvPicPr>
+          <p:nvPr/>
+        </p:nvPicPr>
+        <p:blipFill rotWithShape="1">
+          <a:blip r:embed="rId3"/>
+          <a:srcRect l="3782"/>
+          <a:stretch/>
+        </p:blipFill>
+        <p:spPr>
+          <a:xfrm>
+            <a:off x="108650" y="4869763"/>
+            <a:ext cx="6187044" cy="1739463"/>
+          </a:xfrm>
+          <a:prstGeom prst="rect">
+            <a:avLst/>
+          </a:prstGeom>
+        </p:spPr>
+      </p:pic>
+      <p:pic>
+        <p:nvPicPr>
+          <p:cNvPr id="7" name="Immagine 6">
+            <a:extLst>
+              <a:ext uri="{FF2B5EF4-FFF2-40B4-BE49-F238E27FC236}">
+                <a16:creationId xmlns:a16="http://schemas.microsoft.com/office/drawing/2014/main" id="{9C10BE4C-787B-4FC6-8D13-C6B278D0A41A}"/>
+              </a:ext>
+            </a:extLst>
+          </p:cNvPr>
+          <p:cNvPicPr>
+            <a:picLocks noChangeAspect="1"/>
+          </p:cNvPicPr>
+          <p:nvPr/>
+        </p:nvPicPr>
+        <p:blipFill>
+          <a:blip r:embed="rId4"/>
+          <a:stretch>
+            <a:fillRect/>
+          </a:stretch>
+        </p:blipFill>
+        <p:spPr>
+          <a:xfrm>
+            <a:off x="6096000" y="4869763"/>
+            <a:ext cx="6096000" cy="1545914"/>
+          </a:xfrm>
+          <a:prstGeom prst="rect">
+            <a:avLst/>
+          </a:prstGeom>
+        </p:spPr>
+      </p:pic>
+    </p:spTree>
+    <p:extLst>
+      <p:ext uri="{BB962C8B-B14F-4D97-AF65-F5344CB8AC3E}">
+        <p14:creationId xmlns:p14="http://schemas.microsoft.com/office/powerpoint/2010/main" val="1924527356"/>
+      </p:ext>
+    </p:extLst>
+  </p:cSld>
+  <p:clrMapOvr>
+    <a:masterClrMapping/>
+  </p:clrMapOvr>
+</p:sld>
+</file>
+
+<file path=ppt/slides/slide13.xml><?xml version="1.0" encoding="utf-8"?>
+<p:sld xmlns:a="http://schemas.openxmlformats.org/drawingml/2006/main" xmlns:r="http://schemas.openxmlformats.org/officeDocument/2006/relationships" xmlns:p="http://schemas.openxmlformats.org/presentationml/2006/main">
+  <p:cSld>
+    <p:spTree>
+      <p:nvGrpSpPr>
+        <p:cNvPr id="1" name=""/>
+        <p:cNvGrpSpPr/>
+        <p:nvPr/>
+      </p:nvGrpSpPr>
+      <p:grpSpPr>
+        <a:xfrm>
+          <a:off x="0" y="0"/>
+          <a:ext cx="0" cy="0"/>
+          <a:chOff x="0" y="0"/>
+          <a:chExt cx="0" cy="0"/>
+        </a:xfrm>
+      </p:grpSpPr>
+      <p:sp>
+        <p:nvSpPr>
+          <p:cNvPr id="2" name="Titolo 1">
+            <a:extLst>
+              <a:ext uri="{FF2B5EF4-FFF2-40B4-BE49-F238E27FC236}">
+                <a16:creationId xmlns:a16="http://schemas.microsoft.com/office/drawing/2014/main" id="{871CB53B-81A1-4E1C-8B9D-4D7A9A82CAC5}"/>
+              </a:ext>
+            </a:extLst>
+          </p:cNvPr>
+          <p:cNvSpPr>
+            <a:spLocks noGrp="1"/>
+          </p:cNvSpPr>
+          <p:nvPr>
+            <p:ph type="title"/>
+          </p:nvPr>
+        </p:nvSpPr>
+        <p:spPr>
+          <a:xfrm>
+            <a:off x="838200" y="18255"/>
+            <a:ext cx="10515600" cy="1325563"/>
+          </a:xfrm>
+        </p:spPr>
+        <p:txBody>
+          <a:bodyPr/>
+          <a:lstStyle/>
+          <a:p>
+            <a:r>
+              <a:rPr lang="it-IT" dirty="0"/>
+              <a:t>Indici di variabilità (2)</a:t>
+            </a:r>
+          </a:p>
+        </p:txBody>
+      </p:sp>
+      <mc:AlternateContent xmlns:mc="http://schemas.openxmlformats.org/markup-compatibility/2006">
+        <mc:Choice xmlns:a14="http://schemas.microsoft.com/office/drawing/2010/main" Requires="a14">
+          <p:sp>
+            <p:nvSpPr>
+              <p:cNvPr id="3" name="Segnaposto contenuto 2">
+                <a:extLst>
+                  <a:ext uri="{FF2B5EF4-FFF2-40B4-BE49-F238E27FC236}">
+                    <a16:creationId xmlns:a16="http://schemas.microsoft.com/office/drawing/2014/main" id="{5AF377BE-EA23-46C2-8530-1BDD0F70BE36}"/>
+                  </a:ext>
+                </a:extLst>
+              </p:cNvPr>
+              <p:cNvSpPr>
+                <a:spLocks noGrp="1"/>
+              </p:cNvSpPr>
+              <p:nvPr>
+                <p:ph idx="1"/>
+              </p:nvPr>
+            </p:nvSpPr>
+            <p:spPr>
+              <a:xfrm>
+                <a:off x="518614" y="1066312"/>
+                <a:ext cx="11477767" cy="5773433"/>
+              </a:xfrm>
+            </p:spPr>
+            <p:txBody>
+              <a:bodyPr>
+                <a:normAutofit/>
+              </a:bodyPr>
+              <a:lstStyle/>
+              <a:p>
+                <a:r>
+                  <a:rPr lang="it-IT" b="1" dirty="0">
+                    <a:solidFill>
+                      <a:srgbClr val="C00000"/>
+                    </a:solidFill>
+                  </a:rPr>
+                  <a:t>Varianza</a:t>
+                </a:r>
+                <a:r>
+                  <a:rPr lang="it-IT" dirty="0"/>
+                  <a:t>. La varianza è la media del quadrato degli scarti di ogni </a:t>
+                </a:r>
+                <a14:m>
+                  <m:oMath xmlns:m="http://schemas.openxmlformats.org/officeDocument/2006/math">
+                    <m:sSub>
+                      <m:sSubPr>
+                        <m:ctrlPr>
+                          <a:rPr lang="it-IT" b="0" i="1" smtClean="0">
+                            <a:latin typeface="Cambria Math" panose="02040503050406030204" pitchFamily="18" charset="0"/>
+                          </a:rPr>
+                        </m:ctrlPr>
+                      </m:sSubPr>
+                      <m:e>
+                        <m:r>
+                          <a:rPr lang="it-IT" b="0" i="1" smtClean="0">
+                            <a:latin typeface="Cambria Math" panose="02040503050406030204" pitchFamily="18" charset="0"/>
+                          </a:rPr>
+                          <m:t>𝑥</m:t>
+                        </m:r>
+                      </m:e>
+                      <m:sub>
+                        <m:r>
+                          <a:rPr lang="it-IT" b="0" i="1" smtClean="0">
+                            <a:latin typeface="Cambria Math" panose="02040503050406030204" pitchFamily="18" charset="0"/>
+                          </a:rPr>
+                          <m:t>𝑖</m:t>
+                        </m:r>
+                      </m:sub>
+                    </m:sSub>
+                  </m:oMath>
+                </a14:m>
+                <a:r>
+                  <a:rPr lang="it-IT" dirty="0"/>
+                  <a:t> dalla media di </a:t>
+                </a:r>
+                <a14:m>
+                  <m:oMath xmlns:m="http://schemas.openxmlformats.org/officeDocument/2006/math">
+                    <m:r>
+                      <a:rPr lang="it-IT" b="0" i="1" smtClean="0">
+                        <a:latin typeface="Cambria Math" panose="02040503050406030204" pitchFamily="18" charset="0"/>
+                      </a:rPr>
+                      <m:t>𝑋</m:t>
+                    </m:r>
+                  </m:oMath>
+                </a14:m>
+                <a:r>
+                  <a:rPr lang="it-IT" dirty="0"/>
+                  <a:t>.</a:t>
+                </a:r>
+              </a:p>
+              <a:p>
+                <a:pPr marL="0" indent="0">
+                  <a:buNone/>
+                </a:pPr>
+                <a14:m>
+                  <m:oMathPara xmlns:m="http://schemas.openxmlformats.org/officeDocument/2006/math">
+                    <m:oMathParaPr>
+                      <m:jc m:val="centerGroup"/>
+                    </m:oMathParaPr>
+                    <m:oMath xmlns:m="http://schemas.openxmlformats.org/officeDocument/2006/math">
+                      <m:sSubSup>
+                        <m:sSubSupPr>
+                          <m:ctrlPr>
+                            <a:rPr lang="it-IT" b="0" i="1" smtClean="0">
+                              <a:latin typeface="Cambria Math" panose="02040503050406030204" pitchFamily="18" charset="0"/>
+                            </a:rPr>
+                          </m:ctrlPr>
+                        </m:sSubSupPr>
+                        <m:e>
+                          <m:r>
+                            <a:rPr lang="it-IT" b="0" i="1" smtClean="0">
+                              <a:latin typeface="Cambria Math" panose="02040503050406030204" pitchFamily="18" charset="0"/>
+                            </a:rPr>
+                            <m:t>𝜎</m:t>
+                          </m:r>
+                        </m:e>
+                        <m:sub>
+                          <m:r>
+                            <a:rPr lang="it-IT" b="0" i="1" smtClean="0">
+                              <a:latin typeface="Cambria Math" panose="02040503050406030204" pitchFamily="18" charset="0"/>
+                            </a:rPr>
+                            <m:t>𝑋</m:t>
+                          </m:r>
+                        </m:sub>
+                        <m:sup>
+                          <m:r>
+                            <a:rPr lang="it-IT" b="0" i="1" smtClean="0">
+                              <a:latin typeface="Cambria Math" panose="02040503050406030204" pitchFamily="18" charset="0"/>
+                            </a:rPr>
+                            <m:t>2</m:t>
+                          </m:r>
+                        </m:sup>
+                      </m:sSubSup>
+                      <m:r>
+                        <a:rPr lang="it-IT" b="0" i="1" smtClean="0">
+                          <a:latin typeface="Cambria Math" panose="02040503050406030204" pitchFamily="18" charset="0"/>
+                        </a:rPr>
+                        <m:t>=</m:t>
+                      </m:r>
+                      <m:f>
+                        <m:fPr>
+                          <m:ctrlPr>
+                            <a:rPr lang="it-IT" b="0" i="1" smtClean="0">
+                              <a:latin typeface="Cambria Math" panose="02040503050406030204" pitchFamily="18" charset="0"/>
+                            </a:rPr>
+                          </m:ctrlPr>
+                        </m:fPr>
+                        <m:num>
+                          <m:r>
+                            <a:rPr lang="it-IT" b="0" i="1" smtClean="0">
+                              <a:latin typeface="Cambria Math" panose="02040503050406030204" pitchFamily="18" charset="0"/>
+                            </a:rPr>
+                            <m:t>1</m:t>
+                          </m:r>
+                        </m:num>
+                        <m:den>
+                          <m:r>
+                            <a:rPr lang="it-IT" b="0" i="1" smtClean="0">
+                              <a:latin typeface="Cambria Math" panose="02040503050406030204" pitchFamily="18" charset="0"/>
+                            </a:rPr>
+                            <m:t>𝑁</m:t>
+                          </m:r>
+                        </m:den>
+                      </m:f>
+                      <m:nary>
+                        <m:naryPr>
+                          <m:chr m:val="∑"/>
+                          <m:ctrlPr>
+                            <a:rPr lang="it-IT" b="0" i="1" smtClean="0">
+                              <a:latin typeface="Cambria Math" panose="02040503050406030204" pitchFamily="18" charset="0"/>
+                            </a:rPr>
+                          </m:ctrlPr>
+                        </m:naryPr>
+                        <m:sub>
+                          <m:r>
+                            <m:rPr>
+                              <m:brk m:alnAt="23"/>
+                            </m:rPr>
+                            <a:rPr lang="it-IT" b="0" i="1" smtClean="0">
+                              <a:latin typeface="Cambria Math" panose="02040503050406030204" pitchFamily="18" charset="0"/>
+                            </a:rPr>
+                            <m:t>𝑖</m:t>
+                          </m:r>
+                          <m:r>
+                            <a:rPr lang="it-IT" b="0" i="1" smtClean="0">
+                              <a:latin typeface="Cambria Math" panose="02040503050406030204" pitchFamily="18" charset="0"/>
+                            </a:rPr>
+                            <m:t>=1</m:t>
+                          </m:r>
+                        </m:sub>
+                        <m:sup>
+                          <m:r>
+                            <a:rPr lang="it-IT" b="0" i="1" smtClean="0">
+                              <a:latin typeface="Cambria Math" panose="02040503050406030204" pitchFamily="18" charset="0"/>
+                            </a:rPr>
+                            <m:t>𝑁</m:t>
+                          </m:r>
+                        </m:sup>
+                        <m:e>
+                          <m:r>
+                            <m:rPr>
+                              <m:lit/>
+                            </m:rPr>
+                            <a:rPr lang="it-IT" b="0" i="1" smtClean="0">
+                              <a:latin typeface="Cambria Math" panose="02040503050406030204" pitchFamily="18" charset="0"/>
+                            </a:rPr>
+                            <m:t>(</m:t>
+                          </m:r>
+                          <m:sSub>
+                            <m:sSubPr>
+                              <m:ctrlPr>
+                                <a:rPr lang="it-IT" b="0" i="1" smtClean="0">
+                                  <a:latin typeface="Cambria Math" panose="02040503050406030204" pitchFamily="18" charset="0"/>
+                                </a:rPr>
+                              </m:ctrlPr>
+                            </m:sSubPr>
+                            <m:e>
+                              <m:r>
+                                <a:rPr lang="it-IT" b="0" i="1" smtClean="0">
+                                  <a:latin typeface="Cambria Math" panose="02040503050406030204" pitchFamily="18" charset="0"/>
+                                </a:rPr>
+                                <m:t>𝑥</m:t>
+                              </m:r>
+                            </m:e>
+                            <m:sub>
+                              <m:r>
+                                <a:rPr lang="it-IT" b="0" i="1" smtClean="0">
+                                  <a:latin typeface="Cambria Math" panose="02040503050406030204" pitchFamily="18" charset="0"/>
+                                </a:rPr>
+                                <m:t>𝑖</m:t>
+                              </m:r>
+                            </m:sub>
+                          </m:sSub>
+                          <m:r>
+                            <a:rPr lang="it-IT" b="0" i="1" smtClean="0">
+                              <a:latin typeface="Cambria Math" panose="02040503050406030204" pitchFamily="18" charset="0"/>
+                            </a:rPr>
+                            <m:t>−</m:t>
+                          </m:r>
+                          <m:sSub>
+                            <m:sSubPr>
+                              <m:ctrlPr>
+                                <a:rPr lang="it-IT" b="0" i="1" smtClean="0">
+                                  <a:latin typeface="Cambria Math" panose="02040503050406030204" pitchFamily="18" charset="0"/>
+                                </a:rPr>
+                              </m:ctrlPr>
+                            </m:sSubPr>
+                            <m:e>
+                              <m:r>
+                                <a:rPr lang="it-IT" b="0" i="1" smtClean="0">
+                                  <a:latin typeface="Cambria Math" panose="02040503050406030204" pitchFamily="18" charset="0"/>
+                                </a:rPr>
+                                <m:t>𝜇</m:t>
+                              </m:r>
+                            </m:e>
+                            <m:sub>
+                              <m:r>
+                                <a:rPr lang="it-IT" b="0" i="1" smtClean="0">
+                                  <a:latin typeface="Cambria Math" panose="02040503050406030204" pitchFamily="18" charset="0"/>
+                                </a:rPr>
+                                <m:t>𝑋</m:t>
+                              </m:r>
+                            </m:sub>
+                          </m:sSub>
+                          <m:sSup>
+                            <m:sSupPr>
+                              <m:ctrlPr>
+                                <a:rPr lang="it-IT" b="0" i="1" smtClean="0">
+                                  <a:latin typeface="Cambria Math" panose="02040503050406030204" pitchFamily="18" charset="0"/>
+                                </a:rPr>
+                              </m:ctrlPr>
+                            </m:sSupPr>
+                            <m:e>
+                              <m:r>
+                                <a:rPr lang="it-IT" b="0" i="1" smtClean="0">
+                                  <a:latin typeface="Cambria Math" panose="02040503050406030204" pitchFamily="18" charset="0"/>
+                                </a:rPr>
+                                <m:t>)</m:t>
+                              </m:r>
+                            </m:e>
+                            <m:sup>
+                              <m:r>
+                                <a:rPr lang="it-IT" b="0" i="1" smtClean="0">
+                                  <a:latin typeface="Cambria Math" panose="02040503050406030204" pitchFamily="18" charset="0"/>
+                                </a:rPr>
+                                <m:t>2</m:t>
+                              </m:r>
+                            </m:sup>
+                          </m:sSup>
+                          <m:r>
+                            <a:rPr lang="it-IT" b="0" i="1" smtClean="0">
+                              <a:latin typeface="Cambria Math" panose="02040503050406030204" pitchFamily="18" charset="0"/>
+                            </a:rPr>
+                            <m:t> </m:t>
+                          </m:r>
+                        </m:e>
+                      </m:nary>
+                    </m:oMath>
+                  </m:oMathPara>
+                </a14:m>
+                <a:endParaRPr lang="it-IT" dirty="0"/>
+              </a:p>
+              <a:p>
+                <a:pPr marL="0" indent="0">
+                  <a:buNone/>
+                </a:pPr>
+                <a:endParaRPr lang="it-IT" sz="1100" dirty="0"/>
+              </a:p>
+              <a:p>
+                <a:pPr lvl="1">
+                  <a:buFont typeface="Wingdings" panose="05000000000000000000" pitchFamily="2" charset="2"/>
+                  <a:buChar char="Ø"/>
+                </a:pPr>
+                <a:r>
+                  <a:rPr lang="it-IT" sz="2800" dirty="0"/>
+                  <a:t>La varianza è sempre non-negativa.</a:t>
+                </a:r>
+                <a:br>
+                  <a:rPr lang="it-IT" sz="2800" dirty="0"/>
+                </a:br>
+                <a:endParaRPr lang="it-IT" sz="1800" dirty="0"/>
+              </a:p>
+              <a:p>
+                <a:pPr lvl="1">
+                  <a:buFont typeface="Wingdings" panose="05000000000000000000" pitchFamily="2" charset="2"/>
+                  <a:buChar char="Ø"/>
+                </a:pPr>
+                <a:r>
+                  <a:rPr lang="it-IT" sz="2800" dirty="0"/>
+                  <a:t>Assume valore 0 quando non c’è variabilità.</a:t>
+                </a:r>
+                <a:br>
+                  <a:rPr lang="it-IT" sz="2800" dirty="0"/>
+                </a:br>
+                <a:endParaRPr lang="it-IT" sz="1800" dirty="0"/>
+              </a:p>
+              <a:p>
+                <a:pPr lvl="1">
+                  <a:buFont typeface="Wingdings" panose="05000000000000000000" pitchFamily="2" charset="2"/>
+                  <a:buChar char="Ø"/>
+                </a:pPr>
+                <a:r>
+                  <a:rPr lang="it-IT" sz="2800" dirty="0"/>
+                  <a:t>Valori maggiori indicano una maggiore variabilità.</a:t>
+                </a:r>
+              </a:p>
+              <a:p>
+                <a:pPr lvl="1">
+                  <a:buFont typeface="Wingdings" panose="05000000000000000000" pitchFamily="2" charset="2"/>
+                  <a:buChar char="Ø"/>
+                </a:pPr>
+                <a:endParaRPr lang="it-IT" sz="3200" dirty="0"/>
+              </a:p>
+              <a:p>
+                <a:pPr lvl="1">
+                  <a:buFont typeface="Wingdings" panose="05000000000000000000" pitchFamily="2" charset="2"/>
+                  <a:buChar char="Ø"/>
+                </a:pPr>
+                <a:r>
+                  <a:rPr lang="it-IT" sz="2800" dirty="0"/>
+                  <a:t>L’unità di misura della varianza è il quadrato dell’unità di misura dei dati.</a:t>
+                </a:r>
+                <a:br>
+                  <a:rPr lang="it-IT" sz="3600" dirty="0"/>
+                </a:br>
+                <a:endParaRPr lang="it-IT" sz="3600" dirty="0"/>
+              </a:p>
+            </p:txBody>
+          </p:sp>
+        </mc:Choice>
+        <mc:Fallback>
+          <p:sp>
+            <p:nvSpPr>
+              <p:cNvPr id="3" name="Segnaposto contenuto 2">
+                <a:extLst>
+                  <a:ext uri="{FF2B5EF4-FFF2-40B4-BE49-F238E27FC236}">
+                    <a16:creationId xmlns:a16="http://schemas.microsoft.com/office/drawing/2014/main" id="{5AF377BE-EA23-46C2-8530-1BDD0F70BE36}"/>
+                  </a:ext>
+                </a:extLst>
+              </p:cNvPr>
+              <p:cNvSpPr>
+                <a:spLocks noGrp="1" noRot="1" noChangeAspect="1" noMove="1" noResize="1" noEditPoints="1" noAdjustHandles="1" noChangeArrowheads="1" noChangeShapeType="1" noTextEdit="1"/>
+              </p:cNvSpPr>
+              <p:nvPr>
+                <p:ph idx="1"/>
+              </p:nvPr>
+            </p:nvSpPr>
+            <p:spPr>
+              <a:xfrm>
+                <a:off x="518614" y="1066312"/>
+                <a:ext cx="11477767" cy="5773433"/>
+              </a:xfrm>
+              <a:blipFill>
+                <a:blip r:embed="rId2"/>
+                <a:stretch>
+                  <a:fillRect l="-956" t="-1795"/>
+                </a:stretch>
+              </a:blipFill>
+            </p:spPr>
+            <p:txBody>
+              <a:bodyPr/>
+              <a:lstStyle/>
+              <a:p>
+                <a:r>
+                  <a:rPr lang="it-IT">
+                    <a:noFill/>
+                  </a:rPr>
+                  <a:t> </a:t>
+                </a:r>
+              </a:p>
+            </p:txBody>
+          </p:sp>
+        </mc:Fallback>
+      </mc:AlternateContent>
+    </p:spTree>
+    <p:extLst>
+      <p:ext uri="{BB962C8B-B14F-4D97-AF65-F5344CB8AC3E}">
+        <p14:creationId xmlns:p14="http://schemas.microsoft.com/office/powerpoint/2010/main" val="4183142146"/>
+      </p:ext>
+    </p:extLst>
+  </p:cSld>
+  <p:clrMapOvr>
+    <a:masterClrMapping/>
+  </p:clrMapOvr>
+</p:sld>
+</file>
+
+<file path=ppt/slides/slide14.xml><?xml version="1.0" encoding="utf-8"?>
+<p:sld xmlns:a="http://schemas.openxmlformats.org/drawingml/2006/main" xmlns:r="http://schemas.openxmlformats.org/officeDocument/2006/relationships" xmlns:p="http://schemas.openxmlformats.org/presentationml/2006/main">
+  <p:cSld>
+    <p:spTree>
+      <p:nvGrpSpPr>
+        <p:cNvPr id="1" name=""/>
+        <p:cNvGrpSpPr/>
+        <p:nvPr/>
+      </p:nvGrpSpPr>
+      <p:grpSpPr>
+        <a:xfrm>
+          <a:off x="0" y="0"/>
+          <a:ext cx="0" cy="0"/>
+          <a:chOff x="0" y="0"/>
+          <a:chExt cx="0" cy="0"/>
+        </a:xfrm>
+      </p:grpSpPr>
+      <p:sp>
+        <p:nvSpPr>
+          <p:cNvPr id="2" name="Titolo 1">
+            <a:extLst>
+              <a:ext uri="{FF2B5EF4-FFF2-40B4-BE49-F238E27FC236}">
+                <a16:creationId xmlns:a16="http://schemas.microsoft.com/office/drawing/2014/main" id="{852DB421-CC6C-48B5-ABD1-23E10F1CC37E}"/>
+              </a:ext>
+            </a:extLst>
+          </p:cNvPr>
+          <p:cNvSpPr>
+            <a:spLocks noGrp="1"/>
+          </p:cNvSpPr>
+          <p:nvPr>
+            <p:ph type="title"/>
+          </p:nvPr>
+        </p:nvSpPr>
+        <p:spPr>
+          <a:xfrm>
+            <a:off x="838200" y="18255"/>
+            <a:ext cx="10515600" cy="1325563"/>
+          </a:xfrm>
+        </p:spPr>
+        <p:txBody>
+          <a:bodyPr/>
+          <a:lstStyle/>
+          <a:p>
+            <a:r>
+              <a:rPr lang="it-IT" dirty="0"/>
+              <a:t>Indici di variabilità (3)</a:t>
+            </a:r>
+          </a:p>
+        </p:txBody>
+      </p:sp>
+      <mc:AlternateContent xmlns:mc="http://schemas.openxmlformats.org/markup-compatibility/2006">
+        <mc:Choice xmlns:a14="http://schemas.microsoft.com/office/drawing/2010/main" Requires="a14">
+          <p:sp>
+            <p:nvSpPr>
+              <p:cNvPr id="3" name="Segnaposto contenuto 2">
+                <a:extLst>
+                  <a:ext uri="{FF2B5EF4-FFF2-40B4-BE49-F238E27FC236}">
+                    <a16:creationId xmlns:a16="http://schemas.microsoft.com/office/drawing/2014/main" id="{CB212F95-5376-4C64-B46C-50F80CD45559}"/>
+                  </a:ext>
+                </a:extLst>
+              </p:cNvPr>
+              <p:cNvSpPr>
+                <a:spLocks noGrp="1"/>
+              </p:cNvSpPr>
+              <p:nvPr>
+                <p:ph idx="1"/>
+              </p:nvPr>
+            </p:nvSpPr>
+            <p:spPr>
+              <a:xfrm>
+                <a:off x="838200" y="1016271"/>
+                <a:ext cx="10515600" cy="5823474"/>
+              </a:xfrm>
+            </p:spPr>
+            <p:txBody>
+              <a:bodyPr>
+                <a:normAutofit fontScale="92500" lnSpcReduction="10000"/>
+              </a:bodyPr>
+              <a:lstStyle/>
+              <a:p>
+                <a:r>
+                  <a:rPr lang="it-IT" b="1" dirty="0">
+                    <a:solidFill>
+                      <a:srgbClr val="C00000"/>
+                    </a:solidFill>
+                  </a:rPr>
+                  <a:t>Deviazione standard</a:t>
+                </a:r>
+                <a:r>
+                  <a:rPr lang="it-IT" dirty="0">
+                    <a:solidFill>
+                      <a:srgbClr val="C00000"/>
+                    </a:solidFill>
+                  </a:rPr>
+                  <a:t>.</a:t>
+                </a:r>
+                <a:r>
+                  <a:rPr lang="it-IT" dirty="0"/>
+                  <a:t> È la radice quadrata della varianza:</a:t>
+                </a:r>
+                <a:br>
+                  <a:rPr lang="it-IT" dirty="0"/>
+                </a:br>
+                <a:endParaRPr lang="it-IT" dirty="0"/>
+              </a:p>
+              <a:p>
+                <a:pPr marL="0" indent="0">
+                  <a:buNone/>
+                </a:pPr>
+                <a14:m>
+                  <m:oMathPara xmlns:m="http://schemas.openxmlformats.org/officeDocument/2006/math">
+                    <m:oMathParaPr>
+                      <m:jc m:val="centerGroup"/>
+                    </m:oMathParaPr>
+                    <m:oMath xmlns:m="http://schemas.openxmlformats.org/officeDocument/2006/math">
+                      <m:sSub>
+                        <m:sSubPr>
+                          <m:ctrlPr>
+                            <a:rPr lang="it-IT" i="1" smtClean="0">
+                              <a:latin typeface="Cambria Math" panose="02040503050406030204" pitchFamily="18" charset="0"/>
+                            </a:rPr>
+                          </m:ctrlPr>
+                        </m:sSubPr>
+                        <m:e>
+                          <m:r>
+                            <a:rPr lang="it-IT" i="1" smtClean="0">
+                              <a:latin typeface="Cambria Math" panose="02040503050406030204" pitchFamily="18" charset="0"/>
+                            </a:rPr>
+                            <m:t>𝜎</m:t>
+                          </m:r>
+                        </m:e>
+                        <m:sub>
+                          <m:r>
+                            <a:rPr lang="it-IT" b="0" i="1" smtClean="0">
+                              <a:latin typeface="Cambria Math" panose="02040503050406030204" pitchFamily="18" charset="0"/>
+                            </a:rPr>
+                            <m:t>𝑋</m:t>
+                          </m:r>
+                        </m:sub>
+                      </m:sSub>
+                      <m:r>
+                        <a:rPr lang="it-IT" b="0" i="1" smtClean="0">
+                          <a:latin typeface="Cambria Math" panose="02040503050406030204" pitchFamily="18" charset="0"/>
+                        </a:rPr>
+                        <m:t>=</m:t>
+                      </m:r>
+                      <m:rad>
+                        <m:radPr>
+                          <m:degHide m:val="on"/>
+                          <m:ctrlPr>
+                            <a:rPr lang="it-IT" b="0" i="1" smtClean="0">
+                              <a:latin typeface="Cambria Math" panose="02040503050406030204" pitchFamily="18" charset="0"/>
+                            </a:rPr>
+                          </m:ctrlPr>
+                        </m:radPr>
+                        <m:deg/>
+                        <m:e>
+                          <m:sSubSup>
+                            <m:sSubSupPr>
+                              <m:ctrlPr>
+                                <a:rPr lang="it-IT" b="0" i="1" smtClean="0">
+                                  <a:latin typeface="Cambria Math" panose="02040503050406030204" pitchFamily="18" charset="0"/>
+                                </a:rPr>
+                              </m:ctrlPr>
+                            </m:sSubSupPr>
+                            <m:e>
+                              <m:r>
+                                <a:rPr lang="it-IT" b="0" i="1" smtClean="0">
+                                  <a:latin typeface="Cambria Math" panose="02040503050406030204" pitchFamily="18" charset="0"/>
+                                </a:rPr>
+                                <m:t>𝜎</m:t>
+                              </m:r>
+                            </m:e>
+                            <m:sub>
+                              <m:r>
+                                <a:rPr lang="it-IT" b="0" i="1" smtClean="0">
+                                  <a:latin typeface="Cambria Math" panose="02040503050406030204" pitchFamily="18" charset="0"/>
+                                </a:rPr>
+                                <m:t>𝑋</m:t>
+                              </m:r>
+                            </m:sub>
+                            <m:sup>
+                              <m:r>
+                                <a:rPr lang="it-IT" b="0" i="1" smtClean="0">
+                                  <a:latin typeface="Cambria Math" panose="02040503050406030204" pitchFamily="18" charset="0"/>
+                                </a:rPr>
+                                <m:t>2</m:t>
+                              </m:r>
+                            </m:sup>
+                          </m:sSubSup>
+                        </m:e>
+                      </m:rad>
+                      <m:r>
+                        <a:rPr lang="it-IT" b="0" i="1" smtClean="0">
+                          <a:latin typeface="Cambria Math" panose="02040503050406030204" pitchFamily="18" charset="0"/>
+                        </a:rPr>
+                        <m:t>= </m:t>
+                      </m:r>
+                      <m:rad>
+                        <m:radPr>
+                          <m:degHide m:val="on"/>
+                          <m:ctrlPr>
+                            <a:rPr lang="it-IT" i="1" smtClean="0">
+                              <a:latin typeface="Cambria Math" panose="02040503050406030204" pitchFamily="18" charset="0"/>
+                            </a:rPr>
+                          </m:ctrlPr>
+                        </m:radPr>
+                        <m:deg/>
+                        <m:e>
+                          <m:f>
+                            <m:fPr>
+                              <m:ctrlPr>
+                                <a:rPr lang="it-IT" b="0" i="1" smtClean="0">
+                                  <a:latin typeface="Cambria Math" panose="02040503050406030204" pitchFamily="18" charset="0"/>
+                                </a:rPr>
+                              </m:ctrlPr>
+                            </m:fPr>
+                            <m:num>
+                              <m:r>
+                                <a:rPr lang="it-IT" b="0" i="1" smtClean="0">
+                                  <a:latin typeface="Cambria Math" panose="02040503050406030204" pitchFamily="18" charset="0"/>
+                                </a:rPr>
+                                <m:t>1</m:t>
+                              </m:r>
+                            </m:num>
+                            <m:den>
+                              <m:r>
+                                <a:rPr lang="it-IT" b="0" i="1" smtClean="0">
+                                  <a:latin typeface="Cambria Math" panose="02040503050406030204" pitchFamily="18" charset="0"/>
+                                </a:rPr>
+                                <m:t>𝑁</m:t>
+                              </m:r>
+                            </m:den>
+                          </m:f>
+                          <m:nary>
+                            <m:naryPr>
+                              <m:chr m:val="∑"/>
+                              <m:ctrlPr>
+                                <a:rPr lang="it-IT" b="0" i="1" smtClean="0">
+                                  <a:latin typeface="Cambria Math" panose="02040503050406030204" pitchFamily="18" charset="0"/>
+                                </a:rPr>
+                              </m:ctrlPr>
+                            </m:naryPr>
+                            <m:sub>
+                              <m:r>
+                                <m:rPr>
+                                  <m:brk m:alnAt="23"/>
+                                </m:rPr>
+                                <a:rPr lang="it-IT" b="0" i="1" smtClean="0">
+                                  <a:latin typeface="Cambria Math" panose="02040503050406030204" pitchFamily="18" charset="0"/>
+                                </a:rPr>
+                                <m:t>𝑖</m:t>
+                              </m:r>
+                              <m:r>
+                                <a:rPr lang="it-IT" b="0" i="1" smtClean="0">
+                                  <a:latin typeface="Cambria Math" panose="02040503050406030204" pitchFamily="18" charset="0"/>
+                                </a:rPr>
+                                <m:t>=1</m:t>
+                              </m:r>
+                            </m:sub>
+                            <m:sup>
+                              <m:r>
+                                <a:rPr lang="it-IT" b="0" i="1" smtClean="0">
+                                  <a:latin typeface="Cambria Math" panose="02040503050406030204" pitchFamily="18" charset="0"/>
+                                </a:rPr>
+                                <m:t>𝑁</m:t>
+                              </m:r>
+                            </m:sup>
+                            <m:e>
+                              <m:sSup>
+                                <m:sSupPr>
+                                  <m:ctrlPr>
+                                    <a:rPr lang="it-IT" b="0" i="1" smtClean="0">
+                                      <a:latin typeface="Cambria Math" panose="02040503050406030204" pitchFamily="18" charset="0"/>
+                                    </a:rPr>
+                                  </m:ctrlPr>
+                                </m:sSupPr>
+                                <m:e>
+                                  <m:d>
+                                    <m:dPr>
+                                      <m:ctrlPr>
+                                        <a:rPr lang="it-IT" b="0" i="1" smtClean="0">
+                                          <a:latin typeface="Cambria Math" panose="02040503050406030204" pitchFamily="18" charset="0"/>
+                                        </a:rPr>
+                                      </m:ctrlPr>
+                                    </m:dPr>
+                                    <m:e>
+                                      <m:sSub>
+                                        <m:sSubPr>
+                                          <m:ctrlPr>
+                                            <a:rPr lang="it-IT" b="0" i="1" smtClean="0">
+                                              <a:latin typeface="Cambria Math" panose="02040503050406030204" pitchFamily="18" charset="0"/>
+                                            </a:rPr>
+                                          </m:ctrlPr>
+                                        </m:sSubPr>
+                                        <m:e>
+                                          <m:r>
+                                            <a:rPr lang="it-IT" b="0" i="1" smtClean="0">
+                                              <a:latin typeface="Cambria Math" panose="02040503050406030204" pitchFamily="18" charset="0"/>
+                                            </a:rPr>
+                                            <m:t>𝑥</m:t>
+                                          </m:r>
+                                        </m:e>
+                                        <m:sub>
+                                          <m:r>
+                                            <a:rPr lang="it-IT" b="0" i="1" smtClean="0">
+                                              <a:latin typeface="Cambria Math" panose="02040503050406030204" pitchFamily="18" charset="0"/>
+                                            </a:rPr>
+                                            <m:t>𝑖</m:t>
+                                          </m:r>
+                                        </m:sub>
+                                      </m:sSub>
+                                      <m:r>
+                                        <a:rPr lang="it-IT" b="0" i="1" smtClean="0">
+                                          <a:latin typeface="Cambria Math" panose="02040503050406030204" pitchFamily="18" charset="0"/>
+                                        </a:rPr>
+                                        <m:t>−</m:t>
+                                      </m:r>
+                                      <m:sSub>
+                                        <m:sSubPr>
+                                          <m:ctrlPr>
+                                            <a:rPr lang="it-IT" b="0" i="1" smtClean="0">
+                                              <a:latin typeface="Cambria Math" panose="02040503050406030204" pitchFamily="18" charset="0"/>
+                                            </a:rPr>
+                                          </m:ctrlPr>
+                                        </m:sSubPr>
+                                        <m:e>
+                                          <m:r>
+                                            <a:rPr lang="it-IT" b="0" i="1" smtClean="0">
+                                              <a:latin typeface="Cambria Math" panose="02040503050406030204" pitchFamily="18" charset="0"/>
+                                            </a:rPr>
+                                            <m:t>𝜇</m:t>
+                                          </m:r>
+                                        </m:e>
+                                        <m:sub>
+                                          <m:r>
+                                            <a:rPr lang="it-IT" b="0" i="1" smtClean="0">
+                                              <a:latin typeface="Cambria Math" panose="02040503050406030204" pitchFamily="18" charset="0"/>
+                                            </a:rPr>
+                                            <m:t>𝑋</m:t>
+                                          </m:r>
+                                        </m:sub>
+                                      </m:sSub>
+                                    </m:e>
+                                  </m:d>
+                                </m:e>
+                                <m:sup>
+                                  <m:r>
+                                    <a:rPr lang="it-IT" b="0" i="1" smtClean="0">
+                                      <a:latin typeface="Cambria Math" panose="02040503050406030204" pitchFamily="18" charset="0"/>
+                                    </a:rPr>
+                                    <m:t>2</m:t>
+                                  </m:r>
+                                </m:sup>
+                              </m:sSup>
+                            </m:e>
+                          </m:nary>
+                        </m:e>
+                      </m:rad>
+                    </m:oMath>
+                  </m:oMathPara>
+                </a14:m>
+                <a:endParaRPr lang="it-IT" dirty="0"/>
+              </a:p>
+              <a:p>
+                <a:pPr marL="0" indent="0">
+                  <a:buNone/>
+                </a:pPr>
+                <a:r>
+                  <a:rPr lang="it-IT" dirty="0"/>
+                  <a:t>Continuano a valere le prime tre osservazioni viste per la varianza, ma l’unità di misura della deviazione standard coincide con quella dei dati.</a:t>
+                </a:r>
+              </a:p>
+              <a:p>
+                <a:pPr marL="0" indent="0">
+                  <a:buNone/>
+                </a:pPr>
+                <a:endParaRPr lang="it-IT" sz="1800" dirty="0"/>
+              </a:p>
+              <a:p>
+                <a:pPr marL="0" indent="0">
+                  <a:buNone/>
+                </a:pPr>
+                <a14:m>
+                  <m:oMathPara xmlns:m="http://schemas.openxmlformats.org/officeDocument/2006/math">
+                    <m:oMathParaPr>
+                      <m:jc m:val="centerGroup"/>
+                    </m:oMathParaPr>
+                    <m:oMath xmlns:m="http://schemas.openxmlformats.org/officeDocument/2006/math">
+                      <m:sSup>
+                        <m:sSupPr>
+                          <m:ctrlPr>
+                            <a:rPr lang="it-IT" i="1">
+                              <a:latin typeface="Cambria Math" panose="02040503050406030204" pitchFamily="18" charset="0"/>
+                            </a:rPr>
+                          </m:ctrlPr>
+                        </m:sSupPr>
+                        <m:e>
+                          <m:r>
+                            <a:rPr lang="it-IT" i="1">
+                              <a:latin typeface="Cambria Math" panose="02040503050406030204" pitchFamily="18" charset="0"/>
+                            </a:rPr>
+                            <m:t>𝜎</m:t>
+                          </m:r>
+                        </m:e>
+                        <m:sup>
+                          <m:r>
+                            <a:rPr lang="it-IT" i="1">
+                              <a:latin typeface="Cambria Math" panose="02040503050406030204" pitchFamily="18" charset="0"/>
+                            </a:rPr>
+                            <m:t>2</m:t>
+                          </m:r>
+                        </m:sup>
+                      </m:sSup>
+                      <m:r>
+                        <a:rPr lang="it-IT" i="1">
+                          <a:latin typeface="Cambria Math" panose="02040503050406030204" pitchFamily="18" charset="0"/>
+                        </a:rPr>
+                        <m:t>=</m:t>
+                      </m:r>
+                      <m:f>
+                        <m:fPr>
+                          <m:ctrlPr>
+                            <a:rPr lang="it-IT" i="1">
+                              <a:latin typeface="Cambria Math" panose="02040503050406030204" pitchFamily="18" charset="0"/>
+                            </a:rPr>
+                          </m:ctrlPr>
+                        </m:fPr>
+                        <m:num>
+                          <m:r>
+                            <a:rPr lang="it-IT" i="1">
+                              <a:latin typeface="Cambria Math" panose="02040503050406030204" pitchFamily="18" charset="0"/>
+                            </a:rPr>
+                            <m:t>1</m:t>
+                          </m:r>
+                        </m:num>
+                        <m:den>
+                          <m:r>
+                            <a:rPr lang="it-IT" i="1">
+                              <a:latin typeface="Cambria Math" panose="02040503050406030204" pitchFamily="18" charset="0"/>
+                            </a:rPr>
+                            <m:t>6</m:t>
+                          </m:r>
+                        </m:den>
+                      </m:f>
+                      <m:sSup>
+                        <m:sSupPr>
+                          <m:ctrlPr>
+                            <a:rPr lang="it-IT" i="1">
+                              <a:latin typeface="Cambria Math" panose="02040503050406030204" pitchFamily="18" charset="0"/>
+                            </a:rPr>
+                          </m:ctrlPr>
+                        </m:sSupPr>
+                        <m:e>
+                          <m:r>
+                            <a:rPr lang="it-IT" i="1">
+                              <a:latin typeface="Cambria Math" panose="02040503050406030204" pitchFamily="18" charset="0"/>
+                            </a:rPr>
+                            <m:t>[</m:t>
+                          </m:r>
+                          <m:d>
+                            <m:dPr>
+                              <m:ctrlPr>
+                                <a:rPr lang="it-IT" i="1">
+                                  <a:latin typeface="Cambria Math" panose="02040503050406030204" pitchFamily="18" charset="0"/>
+                                </a:rPr>
+                              </m:ctrlPr>
+                            </m:dPr>
+                            <m:e>
+                              <m:r>
+                                <a:rPr lang="it-IT" i="1">
+                                  <a:latin typeface="Cambria Math" panose="02040503050406030204" pitchFamily="18" charset="0"/>
+                                </a:rPr>
+                                <m:t>2−6.5</m:t>
+                              </m:r>
+                            </m:e>
+                          </m:d>
+                        </m:e>
+                        <m:sup>
+                          <m:r>
+                            <a:rPr lang="it-IT" i="1">
+                              <a:latin typeface="Cambria Math" panose="02040503050406030204" pitchFamily="18" charset="0"/>
+                            </a:rPr>
+                            <m:t>2</m:t>
+                          </m:r>
+                        </m:sup>
+                      </m:sSup>
+                      <m:r>
+                        <a:rPr lang="it-IT" i="1">
+                          <a:latin typeface="Cambria Math" panose="02040503050406030204" pitchFamily="18" charset="0"/>
+                        </a:rPr>
+                        <m:t>+…+</m:t>
+                      </m:r>
+                      <m:sSup>
+                        <m:sSupPr>
+                          <m:ctrlPr>
+                            <a:rPr lang="it-IT" i="1">
+                              <a:latin typeface="Cambria Math" panose="02040503050406030204" pitchFamily="18" charset="0"/>
+                            </a:rPr>
+                          </m:ctrlPr>
+                        </m:sSupPr>
+                        <m:e>
+                          <m:d>
+                            <m:dPr>
+                              <m:ctrlPr>
+                                <a:rPr lang="it-IT" i="1">
+                                  <a:latin typeface="Cambria Math" panose="02040503050406030204" pitchFamily="18" charset="0"/>
+                                </a:rPr>
+                              </m:ctrlPr>
+                            </m:dPr>
+                            <m:e>
+                              <m:r>
+                                <a:rPr lang="it-IT" i="1">
+                                  <a:latin typeface="Cambria Math" panose="02040503050406030204" pitchFamily="18" charset="0"/>
+                                </a:rPr>
+                                <m:t>6.5−6.5</m:t>
+                              </m:r>
+                            </m:e>
+                          </m:d>
+                        </m:e>
+                        <m:sup>
+                          <m:r>
+                            <a:rPr lang="it-IT" i="1">
+                              <a:latin typeface="Cambria Math" panose="02040503050406030204" pitchFamily="18" charset="0"/>
+                            </a:rPr>
+                            <m:t>2</m:t>
+                          </m:r>
+                        </m:sup>
+                      </m:sSup>
+                      <m:r>
+                        <a:rPr lang="it-IT" i="1">
+                          <a:latin typeface="Cambria Math" panose="02040503050406030204" pitchFamily="18" charset="0"/>
+                        </a:rPr>
+                        <m:t>]=27/6=4.5</m:t>
+                      </m:r>
+                    </m:oMath>
+                  </m:oMathPara>
+                </a14:m>
+                <a:endParaRPr lang="it-IT" dirty="0"/>
+              </a:p>
+              <a:p>
+                <a:pPr marL="0" indent="0">
+                  <a:buNone/>
+                </a:pPr>
+                <a:br>
+                  <a:rPr lang="it-IT" dirty="0"/>
+                </a:br>
+                <a14:m>
+                  <m:oMathPara xmlns:m="http://schemas.openxmlformats.org/officeDocument/2006/math">
+                    <m:oMathParaPr>
+                      <m:jc m:val="centerGroup"/>
+                    </m:oMathParaPr>
+                    <m:oMath xmlns:m="http://schemas.openxmlformats.org/officeDocument/2006/math">
+                      <m:r>
+                        <a:rPr lang="it-IT" b="0" i="1" smtClean="0">
+                          <a:latin typeface="Cambria Math" panose="02040503050406030204" pitchFamily="18" charset="0"/>
+                        </a:rPr>
+                        <m:t>𝜎</m:t>
+                      </m:r>
+                      <m:r>
+                        <a:rPr lang="it-IT" b="0" i="1" smtClean="0">
+                          <a:latin typeface="Cambria Math" panose="02040503050406030204" pitchFamily="18" charset="0"/>
+                        </a:rPr>
+                        <m:t>=</m:t>
+                      </m:r>
+                      <m:rad>
+                        <m:radPr>
+                          <m:degHide m:val="on"/>
+                          <m:ctrlPr>
+                            <a:rPr lang="it-IT" b="0" i="1" smtClean="0">
+                              <a:latin typeface="Cambria Math" panose="02040503050406030204" pitchFamily="18" charset="0"/>
+                            </a:rPr>
+                          </m:ctrlPr>
+                        </m:radPr>
+                        <m:deg/>
+                        <m:e>
+                          <m:r>
+                            <a:rPr lang="it-IT" b="0" i="1" smtClean="0">
+                              <a:latin typeface="Cambria Math" panose="02040503050406030204" pitchFamily="18" charset="0"/>
+                            </a:rPr>
+                            <m:t>4.5</m:t>
+                          </m:r>
+                        </m:e>
+                      </m:rad>
+                      <m:r>
+                        <a:rPr lang="it-IT" b="0" i="1" smtClean="0">
+                          <a:latin typeface="Cambria Math" panose="02040503050406030204" pitchFamily="18" charset="0"/>
+                        </a:rPr>
+                        <m:t>=2.121 </m:t>
+                      </m:r>
+                    </m:oMath>
+                  </m:oMathPara>
+                </a14:m>
+                <a:endParaRPr lang="it-IT" dirty="0"/>
+              </a:p>
+              <a:p>
+                <a:pPr marL="0" indent="0">
+                  <a:buNone/>
+                </a:pPr>
+                <a:endParaRPr lang="it-IT" dirty="0"/>
+              </a:p>
+              <a:p>
+                <a:pPr marL="0" indent="0">
+                  <a:buNone/>
+                </a:pPr>
+                <a:r>
+                  <a:rPr lang="it-IT" dirty="0"/>
+                  <a:t>I voti ottenuti si scostano dalla propria media di circa 2.121 punti.</a:t>
+                </a:r>
+              </a:p>
+            </p:txBody>
+          </p:sp>
+        </mc:Choice>
+        <mc:Fallback>
+          <p:sp>
+            <p:nvSpPr>
+              <p:cNvPr id="3" name="Segnaposto contenuto 2">
+                <a:extLst>
+                  <a:ext uri="{FF2B5EF4-FFF2-40B4-BE49-F238E27FC236}">
+                    <a16:creationId xmlns:a16="http://schemas.microsoft.com/office/drawing/2014/main" id="{CB212F95-5376-4C64-B46C-50F80CD45559}"/>
+                  </a:ext>
+                </a:extLst>
+              </p:cNvPr>
+              <p:cNvSpPr>
+                <a:spLocks noGrp="1" noRot="1" noChangeAspect="1" noMove="1" noResize="1" noEditPoints="1" noAdjustHandles="1" noChangeArrowheads="1" noChangeShapeType="1" noTextEdit="1"/>
+              </p:cNvSpPr>
+              <p:nvPr>
+                <p:ph idx="1"/>
+              </p:nvPr>
+            </p:nvSpPr>
+            <p:spPr>
+              <a:xfrm>
+                <a:off x="838200" y="1016271"/>
+                <a:ext cx="10515600" cy="5823474"/>
+              </a:xfrm>
+              <a:blipFill>
+                <a:blip r:embed="rId2"/>
+                <a:stretch>
+                  <a:fillRect l="-1043" t="-2199" r="-1043"/>
+                </a:stretch>
+              </a:blipFill>
+            </p:spPr>
+            <p:txBody>
+              <a:bodyPr/>
+              <a:lstStyle/>
+              <a:p>
+                <a:r>
+                  <a:rPr lang="it-IT">
+                    <a:noFill/>
+                  </a:rPr>
+                  <a:t> </a:t>
+                </a:r>
+              </a:p>
+            </p:txBody>
+          </p:sp>
+        </mc:Fallback>
+      </mc:AlternateContent>
+    </p:spTree>
+    <p:extLst>
+      <p:ext uri="{BB962C8B-B14F-4D97-AF65-F5344CB8AC3E}">
+        <p14:creationId xmlns:p14="http://schemas.microsoft.com/office/powerpoint/2010/main" val="1526057913"/>
+      </p:ext>
+    </p:extLst>
+  </p:cSld>
+  <p:clrMapOvr>
+    <a:masterClrMapping/>
+  </p:clrMapOvr>
+</p:sld>
+</file>
+
+<file path=ppt/slides/slide15.xml><?xml version="1.0" encoding="utf-8"?>
+<p:sld xmlns:a="http://schemas.openxmlformats.org/drawingml/2006/main" xmlns:r="http://schemas.openxmlformats.org/officeDocument/2006/relationships" xmlns:p="http://schemas.openxmlformats.org/presentationml/2006/main">
+  <p:cSld>
+    <p:spTree>
+      <p:nvGrpSpPr>
+        <p:cNvPr id="1" name=""/>
+        <p:cNvGrpSpPr/>
+        <p:nvPr/>
+      </p:nvGrpSpPr>
+      <p:grpSpPr>
+        <a:xfrm>
+          <a:off x="0" y="0"/>
+          <a:ext cx="0" cy="0"/>
+          <a:chOff x="0" y="0"/>
+          <a:chExt cx="0" cy="0"/>
+        </a:xfrm>
+      </p:grpSpPr>
+      <p:sp>
+        <p:nvSpPr>
+          <p:cNvPr id="2" name="Titolo 1">
+            <a:extLst>
+              <a:ext uri="{FF2B5EF4-FFF2-40B4-BE49-F238E27FC236}">
+                <a16:creationId xmlns:a16="http://schemas.microsoft.com/office/drawing/2014/main" id="{51173A39-371F-4E72-B55B-8385ABBA6C85}"/>
+              </a:ext>
+            </a:extLst>
+          </p:cNvPr>
+          <p:cNvSpPr>
+            <a:spLocks noGrp="1"/>
+          </p:cNvSpPr>
+          <p:nvPr>
+            <p:ph type="title"/>
+          </p:nvPr>
+        </p:nvSpPr>
+        <p:spPr>
+          <a:xfrm>
+            <a:off x="838200" y="0"/>
+            <a:ext cx="10515600" cy="1325563"/>
+          </a:xfrm>
+        </p:spPr>
+        <p:txBody>
+          <a:bodyPr/>
+          <a:lstStyle/>
+          <a:p>
+            <a:r>
+              <a:rPr lang="it-IT" dirty="0"/>
+              <a:t>Rappresentazioni grafiche</a:t>
+            </a:r>
+          </a:p>
+        </p:txBody>
+      </p:sp>
+      <p:sp>
+        <p:nvSpPr>
+          <p:cNvPr id="3" name="Segnaposto contenuto 2">
+            <a:extLst>
+              <a:ext uri="{FF2B5EF4-FFF2-40B4-BE49-F238E27FC236}">
+                <a16:creationId xmlns:a16="http://schemas.microsoft.com/office/drawing/2014/main" id="{8D03D5A4-3FB7-4593-B562-60EF2423356C}"/>
+              </a:ext>
+            </a:extLst>
+          </p:cNvPr>
+          <p:cNvSpPr>
+            <a:spLocks noGrp="1"/>
+          </p:cNvSpPr>
+          <p:nvPr>
+            <p:ph idx="1"/>
+          </p:nvPr>
+        </p:nvSpPr>
+        <p:spPr/>
+        <p:txBody>
+          <a:bodyPr/>
+          <a:lstStyle/>
+          <a:p>
+            <a:endParaRPr lang="it-IT" dirty="0"/>
+          </a:p>
+        </p:txBody>
+      </p:sp>
+    </p:spTree>
+    <p:extLst>
+      <p:ext uri="{BB962C8B-B14F-4D97-AF65-F5344CB8AC3E}">
+        <p14:creationId xmlns:p14="http://schemas.microsoft.com/office/powerpoint/2010/main" val="2648735777"/>
+      </p:ext>
+    </p:extLst>
+  </p:cSld>
+  <p:clrMapOvr>
+    <a:masterClrMapping/>
+  </p:clrMapOvr>
+</p:sld>
+</file>
+
+<file path=ppt/slides/slide16.xml><?xml version="1.0" encoding="utf-8"?>
+<p:sld xmlns:a="http://schemas.openxmlformats.org/drawingml/2006/main" xmlns:r="http://schemas.openxmlformats.org/officeDocument/2006/relationships" xmlns:p="http://schemas.openxmlformats.org/presentationml/2006/main">
+  <p:cSld>
+    <p:spTree>
+      <p:nvGrpSpPr>
+        <p:cNvPr id="1" name=""/>
+        <p:cNvGrpSpPr/>
+        <p:nvPr/>
+      </p:nvGrpSpPr>
+      <p:grpSpPr>
+        <a:xfrm>
+          <a:off x="0" y="0"/>
+          <a:ext cx="0" cy="0"/>
+          <a:chOff x="0" y="0"/>
+          <a:chExt cx="0" cy="0"/>
+        </a:xfrm>
+      </p:grpSpPr>
+      <p:pic>
+        <p:nvPicPr>
+          <p:cNvPr id="7" name="Immagine 6">
+            <a:extLst>
+              <a:ext uri="{FF2B5EF4-FFF2-40B4-BE49-F238E27FC236}">
+                <a16:creationId xmlns:a16="http://schemas.microsoft.com/office/drawing/2014/main" id="{8DF33294-5C5F-4D32-863D-71DA34A80F68}"/>
+              </a:ext>
+            </a:extLst>
+          </p:cNvPr>
+          <p:cNvPicPr>
+            <a:picLocks noChangeAspect="1"/>
+          </p:cNvPicPr>
+          <p:nvPr/>
+        </p:nvPicPr>
+        <p:blipFill rotWithShape="1">
+          <a:blip r:embed="rId2"/>
+          <a:srcRect b="1070"/>
+          <a:stretch/>
+        </p:blipFill>
+        <p:spPr>
+          <a:xfrm>
+            <a:off x="838200" y="684093"/>
+            <a:ext cx="10803340" cy="6089909"/>
+          </a:xfrm>
+          <a:prstGeom prst="rect">
+            <a:avLst/>
+          </a:prstGeom>
+        </p:spPr>
+      </p:pic>
+      <p:sp>
+        <p:nvSpPr>
+          <p:cNvPr id="2" name="Titolo 1">
+            <a:extLst>
+              <a:ext uri="{FF2B5EF4-FFF2-40B4-BE49-F238E27FC236}">
+                <a16:creationId xmlns:a16="http://schemas.microsoft.com/office/drawing/2014/main" id="{3F168B62-5A9C-433E-B2D3-AE1F294EC7BC}"/>
+              </a:ext>
+            </a:extLst>
+          </p:cNvPr>
+          <p:cNvSpPr>
+            <a:spLocks noGrp="1"/>
+          </p:cNvSpPr>
+          <p:nvPr>
+            <p:ph type="title"/>
+          </p:nvPr>
+        </p:nvSpPr>
+        <p:spPr>
+          <a:xfrm>
+            <a:off x="838200" y="-139618"/>
+            <a:ext cx="10515600" cy="1325563"/>
+          </a:xfrm>
+        </p:spPr>
+        <p:txBody>
+          <a:bodyPr/>
+          <a:lstStyle/>
+          <a:p>
+            <a:r>
+              <a:rPr lang="it-IT" dirty="0"/>
+              <a:t>Rappresentazioni grafiche</a:t>
+            </a:r>
+          </a:p>
+        </p:txBody>
+      </p:sp>
+      <p:sp>
+        <p:nvSpPr>
+          <p:cNvPr id="6" name="AutoShape 6" descr="http://127.0.0.1:8933/graphics/plot.png?width=1243&amp;height=704&amp;randomizer=1253976787">
+            <a:extLst>
+              <a:ext uri="{FF2B5EF4-FFF2-40B4-BE49-F238E27FC236}">
+                <a16:creationId xmlns:a16="http://schemas.microsoft.com/office/drawing/2014/main" id="{B7C2DFFC-4E3A-4043-8A35-C174FC8B6391}"/>
+              </a:ext>
+            </a:extLst>
+          </p:cNvPr>
+          <p:cNvSpPr>
+            <a:spLocks noChangeAspect="1" noChangeArrowheads="1"/>
+          </p:cNvSpPr>
+          <p:nvPr/>
+        </p:nvSpPr>
+        <p:spPr bwMode="auto">
+          <a:xfrm>
+            <a:off x="2988860" y="845024"/>
+            <a:ext cx="5691116" cy="5691116"/>
+          </a:xfrm>
+          <a:prstGeom prst="rect">
+            <a:avLst/>
+          </a:prstGeom>
+          <a:noFill/>
+          <a:extLst>
+            <a:ext uri="{909E8E84-426E-40DD-AFC4-6F175D3DCCD1}">
+              <a14:hiddenFill xmlns:a14="http://schemas.microsoft.com/office/drawing/2010/main">
+                <a:solidFill>
+                  <a:srgbClr val="FFFFFF"/>
+                </a:solidFill>
+              </a14:hiddenFill>
+            </a:ext>
+          </a:extLst>
+        </p:spPr>
+        <p:txBody>
+          <a:bodyPr vert="horz" wrap="square" lIns="91440" tIns="45720" rIns="91440" bIns="45720" numCol="1" anchor="t" anchorCtr="0" compatLnSpc="1">
+            <a:prstTxWarp prst="textNoShape">
+              <a:avLst/>
+            </a:prstTxWarp>
+          </a:bodyPr>
+          <a:lstStyle/>
+          <a:p>
+            <a:endParaRPr lang="it-IT"/>
+          </a:p>
+        </p:txBody>
+      </p:sp>
+    </p:spTree>
+    <p:extLst>
+      <p:ext uri="{BB962C8B-B14F-4D97-AF65-F5344CB8AC3E}">
+        <p14:creationId xmlns:p14="http://schemas.microsoft.com/office/powerpoint/2010/main" val="3155938661"/>
+      </p:ext>
+    </p:extLst>
+  </p:cSld>
+  <p:clrMapOvr>
+    <a:masterClrMapping/>
+  </p:clrMapOvr>
+</p:sld>
+</file>
+
+<file path=ppt/slides/slide17.xml><?xml version="1.0" encoding="utf-8"?>
+<p:sld xmlns:a="http://schemas.openxmlformats.org/drawingml/2006/main" xmlns:r="http://schemas.openxmlformats.org/officeDocument/2006/relationships" xmlns:p="http://schemas.openxmlformats.org/presentationml/2006/main">
+  <p:cSld>
+    <p:spTree>
+      <p:nvGrpSpPr>
+        <p:cNvPr id="1" name=""/>
+        <p:cNvGrpSpPr/>
+        <p:nvPr/>
+      </p:nvGrpSpPr>
+      <p:grpSpPr>
+        <a:xfrm>
+          <a:off x="0" y="0"/>
+          <a:ext cx="0" cy="0"/>
+          <a:chOff x="0" y="0"/>
+          <a:chExt cx="0" cy="0"/>
+        </a:xfrm>
+      </p:grpSpPr>
+      <p:sp>
+        <p:nvSpPr>
+          <p:cNvPr id="2" name="Titolo 1">
+            <a:extLst>
+              <a:ext uri="{FF2B5EF4-FFF2-40B4-BE49-F238E27FC236}">
                 <a16:creationId xmlns:a16="http://schemas.microsoft.com/office/drawing/2014/main" id="{AA0F1488-EFCA-6E97-EFFC-DDC071ABB8C0}"/>
               </a:ext>
             </a:extLst>
@@ -3481,6 +8069,202 @@
     <p:extLst>
       <p:ext uri="{BB962C8B-B14F-4D97-AF65-F5344CB8AC3E}">
         <p14:creationId xmlns:p14="http://schemas.microsoft.com/office/powerpoint/2010/main" val="3835839363"/>
+      </p:ext>
+    </p:extLst>
+  </p:cSld>
+  <p:clrMapOvr>
+    <a:masterClrMapping/>
+  </p:clrMapOvr>
+</p:sld>
+</file>
+
+<file path=ppt/slides/slide18.xml><?xml version="1.0" encoding="utf-8"?>
+<p:sld xmlns:a="http://schemas.openxmlformats.org/drawingml/2006/main" xmlns:r="http://schemas.openxmlformats.org/officeDocument/2006/relationships" xmlns:p="http://schemas.openxmlformats.org/presentationml/2006/main">
+  <p:cSld>
+    <p:spTree>
+      <p:nvGrpSpPr>
+        <p:cNvPr id="1" name=""/>
+        <p:cNvGrpSpPr/>
+        <p:nvPr/>
+      </p:nvGrpSpPr>
+      <p:grpSpPr>
+        <a:xfrm>
+          <a:off x="0" y="0"/>
+          <a:ext cx="0" cy="0"/>
+          <a:chOff x="0" y="0"/>
+          <a:chExt cx="0" cy="0"/>
+        </a:xfrm>
+      </p:grpSpPr>
+      <p:sp>
+        <p:nvSpPr>
+          <p:cNvPr id="2" name="Titolo 1">
+            <a:extLst>
+              <a:ext uri="{FF2B5EF4-FFF2-40B4-BE49-F238E27FC236}">
+                <a16:creationId xmlns:a16="http://schemas.microsoft.com/office/drawing/2014/main" id="{344B8799-E9C0-4B0C-AE2D-1F63B2C10052}"/>
+              </a:ext>
+            </a:extLst>
+          </p:cNvPr>
+          <p:cNvSpPr>
+            <a:spLocks noGrp="1"/>
+          </p:cNvSpPr>
+          <p:nvPr>
+            <p:ph type="title"/>
+          </p:nvPr>
+        </p:nvSpPr>
+        <p:spPr>
+          <a:xfrm>
+            <a:off x="838199" y="18255"/>
+            <a:ext cx="10515600" cy="1325563"/>
+          </a:xfrm>
+        </p:spPr>
+        <p:txBody>
+          <a:bodyPr/>
+          <a:lstStyle/>
+          <a:p>
+            <a:r>
+              <a:rPr lang="it-IT" dirty="0"/>
+              <a:t>Tipologia punti</a:t>
+            </a:r>
+          </a:p>
+        </p:txBody>
+      </p:sp>
+      <p:pic>
+        <p:nvPicPr>
+          <p:cNvPr id="5" name="Segnaposto contenuto 4">
+            <a:extLst>
+              <a:ext uri="{FF2B5EF4-FFF2-40B4-BE49-F238E27FC236}">
+                <a16:creationId xmlns:a16="http://schemas.microsoft.com/office/drawing/2014/main" id="{83904F76-3F7A-4744-A9FD-E0BC5F1FE866}"/>
+              </a:ext>
+            </a:extLst>
+          </p:cNvPr>
+          <p:cNvPicPr>
+            <a:picLocks noGrp="1" noChangeAspect="1"/>
+          </p:cNvPicPr>
+          <p:nvPr>
+            <p:ph idx="1"/>
+          </p:nvPr>
+        </p:nvPicPr>
+        <p:blipFill>
+          <a:blip r:embed="rId2">
+            <a:extLst>
+              <a:ext uri="{28A0092B-C50C-407E-A947-70E740481C1C}">
+                <a14:useLocalDpi xmlns:a14="http://schemas.microsoft.com/office/drawing/2010/main" val="0"/>
+              </a:ext>
+            </a:extLst>
+          </a:blip>
+          <a:stretch>
+            <a:fillRect/>
+          </a:stretch>
+        </p:blipFill>
+        <p:spPr>
+          <a:xfrm>
+            <a:off x="2928578" y="1343818"/>
+            <a:ext cx="5826932" cy="5240193"/>
+          </a:xfrm>
+        </p:spPr>
+      </p:pic>
+    </p:spTree>
+    <p:extLst>
+      <p:ext uri="{BB962C8B-B14F-4D97-AF65-F5344CB8AC3E}">
+        <p14:creationId xmlns:p14="http://schemas.microsoft.com/office/powerpoint/2010/main" val="1330872198"/>
+      </p:ext>
+    </p:extLst>
+  </p:cSld>
+  <p:clrMapOvr>
+    <a:masterClrMapping/>
+  </p:clrMapOvr>
+</p:sld>
+</file>
+
+<file path=ppt/slides/slide19.xml><?xml version="1.0" encoding="utf-8"?>
+<p:sld xmlns:a="http://schemas.openxmlformats.org/drawingml/2006/main" xmlns:r="http://schemas.openxmlformats.org/officeDocument/2006/relationships" xmlns:p="http://schemas.openxmlformats.org/presentationml/2006/main">
+  <p:cSld>
+    <p:spTree>
+      <p:nvGrpSpPr>
+        <p:cNvPr id="1" name=""/>
+        <p:cNvGrpSpPr/>
+        <p:nvPr/>
+      </p:nvGrpSpPr>
+      <p:grpSpPr>
+        <a:xfrm>
+          <a:off x="0" y="0"/>
+          <a:ext cx="0" cy="0"/>
+          <a:chOff x="0" y="0"/>
+          <a:chExt cx="0" cy="0"/>
+        </a:xfrm>
+      </p:grpSpPr>
+      <p:sp>
+        <p:nvSpPr>
+          <p:cNvPr id="2" name="Titolo 1">
+            <a:extLst>
+              <a:ext uri="{FF2B5EF4-FFF2-40B4-BE49-F238E27FC236}">
+                <a16:creationId xmlns:a16="http://schemas.microsoft.com/office/drawing/2014/main" id="{CCF94974-FB81-4E10-8BD2-CDD527C268AF}"/>
+              </a:ext>
+            </a:extLst>
+          </p:cNvPr>
+          <p:cNvSpPr>
+            <a:spLocks noGrp="1"/>
+          </p:cNvSpPr>
+          <p:nvPr>
+            <p:ph type="title"/>
+          </p:nvPr>
+        </p:nvSpPr>
+        <p:spPr>
+          <a:xfrm>
+            <a:off x="838200" y="18255"/>
+            <a:ext cx="10515600" cy="1325563"/>
+          </a:xfrm>
+        </p:spPr>
+        <p:txBody>
+          <a:bodyPr/>
+          <a:lstStyle/>
+          <a:p>
+            <a:r>
+              <a:rPr lang="it-IT" dirty="0"/>
+              <a:t>Tipologia linee</a:t>
+            </a:r>
+          </a:p>
+        </p:txBody>
+      </p:sp>
+      <p:pic>
+        <p:nvPicPr>
+          <p:cNvPr id="5" name="Segnaposto contenuto 4">
+            <a:extLst>
+              <a:ext uri="{FF2B5EF4-FFF2-40B4-BE49-F238E27FC236}">
+                <a16:creationId xmlns:a16="http://schemas.microsoft.com/office/drawing/2014/main" id="{415170CA-291C-4C8F-BE03-58F537A41A17}"/>
+              </a:ext>
+            </a:extLst>
+          </p:cNvPr>
+          <p:cNvPicPr>
+            <a:picLocks noGrp="1" noChangeAspect="1"/>
+          </p:cNvPicPr>
+          <p:nvPr>
+            <p:ph idx="1"/>
+          </p:nvPr>
+        </p:nvPicPr>
+        <p:blipFill>
+          <a:blip r:embed="rId2">
+            <a:extLst>
+              <a:ext uri="{28A0092B-C50C-407E-A947-70E740481C1C}">
+                <a14:useLocalDpi xmlns:a14="http://schemas.microsoft.com/office/drawing/2010/main" val="0"/>
+              </a:ext>
+            </a:extLst>
+          </a:blip>
+          <a:stretch>
+            <a:fillRect/>
+          </a:stretch>
+        </p:blipFill>
+        <p:spPr>
+          <a:xfrm>
+            <a:off x="3350316" y="1343818"/>
+            <a:ext cx="5176167" cy="5176167"/>
+          </a:xfrm>
+        </p:spPr>
+      </p:pic>
+    </p:spTree>
+    <p:extLst>
+      <p:ext uri="{BB962C8B-B14F-4D97-AF65-F5344CB8AC3E}">
+        <p14:creationId xmlns:p14="http://schemas.microsoft.com/office/powerpoint/2010/main" val="4013241099"/>
       </p:ext>
     </p:extLst>
   </p:cSld>
@@ -3616,6 +8400,114 @@
           <p:cNvPr id="2" name="Titolo 1">
             <a:extLst>
               <a:ext uri="{FF2B5EF4-FFF2-40B4-BE49-F238E27FC236}">
+                <a16:creationId xmlns:a16="http://schemas.microsoft.com/office/drawing/2014/main" id="{E2984A12-E4F0-4EB5-B4D6-BB62957F1D2E}"/>
+              </a:ext>
+            </a:extLst>
+          </p:cNvPr>
+          <p:cNvSpPr>
+            <a:spLocks noGrp="1"/>
+          </p:cNvSpPr>
+          <p:nvPr>
+            <p:ph type="title"/>
+          </p:nvPr>
+        </p:nvSpPr>
+        <p:spPr>
+          <a:xfrm>
+            <a:off x="838200" y="18255"/>
+            <a:ext cx="10515600" cy="1325563"/>
+          </a:xfrm>
+        </p:spPr>
+        <p:txBody>
+          <a:bodyPr/>
+          <a:lstStyle/>
+          <a:p>
+            <a:r>
+              <a:rPr lang="it-IT" dirty="0"/>
+              <a:t>Notazione</a:t>
+            </a:r>
+          </a:p>
+        </p:txBody>
+      </p:sp>
+      <p:sp>
+        <p:nvSpPr>
+          <p:cNvPr id="3" name="Segnaposto contenuto 2">
+            <a:extLst>
+              <a:ext uri="{FF2B5EF4-FFF2-40B4-BE49-F238E27FC236}">
+                <a16:creationId xmlns:a16="http://schemas.microsoft.com/office/drawing/2014/main" id="{4D4950C1-3060-4C90-AB4B-4F698C765677}"/>
+              </a:ext>
+            </a:extLst>
+          </p:cNvPr>
+          <p:cNvSpPr>
+            <a:spLocks noGrp="1"/>
+          </p:cNvSpPr>
+          <p:nvPr>
+            <p:ph idx="1"/>
+          </p:nvPr>
+        </p:nvSpPr>
+        <p:spPr>
+          <a:xfrm>
+            <a:off x="838200" y="1343817"/>
+            <a:ext cx="10515600" cy="5329937"/>
+          </a:xfrm>
+        </p:spPr>
+        <p:txBody>
+          <a:bodyPr/>
+          <a:lstStyle/>
+          <a:p>
+            <a:r>
+              <a:rPr lang="it-IT" dirty="0"/>
+              <a:t>Unità statistica</a:t>
+            </a:r>
+          </a:p>
+          <a:p>
+            <a:r>
+              <a:rPr lang="it-IT" dirty="0"/>
+              <a:t>Variabile</a:t>
+            </a:r>
+          </a:p>
+          <a:p>
+            <a:r>
+              <a:rPr lang="it-IT" dirty="0"/>
+              <a:t>Modalità </a:t>
+            </a:r>
+          </a:p>
+        </p:txBody>
+      </p:sp>
+    </p:spTree>
+    <p:extLst>
+      <p:ext uri="{BB962C8B-B14F-4D97-AF65-F5344CB8AC3E}">
+        <p14:creationId xmlns:p14="http://schemas.microsoft.com/office/powerpoint/2010/main" val="361182223"/>
+      </p:ext>
+    </p:extLst>
+  </p:cSld>
+  <p:clrMapOvr>
+    <a:masterClrMapping/>
+  </p:clrMapOvr>
+</p:sld>
+</file>
+
+<file path=ppt/slides/slide4.xml><?xml version="1.0" encoding="utf-8"?>
+<p:sld xmlns:a="http://schemas.openxmlformats.org/drawingml/2006/main" xmlns:r="http://schemas.openxmlformats.org/officeDocument/2006/relationships" xmlns:p="http://schemas.openxmlformats.org/presentationml/2006/main">
+  <p:cSld>
+    <p:spTree>
+      <p:nvGrpSpPr>
+        <p:cNvPr id="1" name=""/>
+        <p:cNvGrpSpPr/>
+        <p:nvPr/>
+      </p:nvGrpSpPr>
+      <p:grpSpPr>
+        <a:xfrm>
+          <a:off x="0" y="0"/>
+          <a:ext cx="0" cy="0"/>
+          <a:chOff x="0" y="0"/>
+          <a:chExt cx="0" cy="0"/>
+        </a:xfrm>
+      </p:grpSpPr>
+      <p:sp>
+        <p:nvSpPr>
+          <p:cNvPr id="2" name="Titolo 1">
+            <a:extLst>
+              <a:ext uri="{FF2B5EF4-FFF2-40B4-BE49-F238E27FC236}">
                 <a16:creationId xmlns:a16="http://schemas.microsoft.com/office/drawing/2014/main" id="{0CFD2134-E4B8-EEB5-96F0-0120DA9D3D55}"/>
               </a:ext>
             </a:extLst>
@@ -3688,8 +8580,8 @@
           </a:p>
         </p:txBody>
       </p:sp>
-      <mc:AlternateContent xmlns:mc="http://schemas.openxmlformats.org/markup-compatibility/2006">
-        <mc:Choice xmlns:a14="http://schemas.microsoft.com/office/drawing/2010/main" Requires="a14">
+      <mc:AlternateContent xmlns:mc="http://schemas.openxmlformats.org/markup-compatibility/2006" xmlns:a14="http://schemas.microsoft.com/office/drawing/2010/main">
+        <mc:Choice Requires="a14">
           <p:graphicFrame>
             <p:nvGraphicFramePr>
               <p:cNvPr id="5" name="Tabella 4">
@@ -5581,7 +10473,7 @@
             </a:graphic>
           </p:graphicFrame>
         </mc:Choice>
-        <mc:Fallback>
+        <mc:Fallback xmlns="">
           <p:graphicFrame>
             <p:nvGraphicFramePr>
               <p:cNvPr id="5" name="Tabella 4">
@@ -7130,7 +12022,7 @@
 </p:sld>
 </file>
 
-<file path=ppt/slides/slide4.xml><?xml version="1.0" encoding="utf-8"?>
+<file path=ppt/slides/slide5.xml><?xml version="1.0" encoding="utf-8"?>
 <p:sld xmlns:a="http://schemas.openxmlformats.org/drawingml/2006/main" xmlns:r="http://schemas.openxmlformats.org/officeDocument/2006/relationships" xmlns:p="http://schemas.openxmlformats.org/presentationml/2006/main">
   <p:cSld>
     <p:spTree>
@@ -7255,7 +12147,7 @@
 </p:sld>
 </file>
 
-<file path=ppt/slides/slide5.xml><?xml version="1.0" encoding="utf-8"?>
+<file path=ppt/slides/slide6.xml><?xml version="1.0" encoding="utf-8"?>
 <p:sld xmlns:a="http://schemas.openxmlformats.org/drawingml/2006/main" xmlns:r="http://schemas.openxmlformats.org/officeDocument/2006/relationships" xmlns:p="http://schemas.openxmlformats.org/presentationml/2006/main">
   <p:cSld>
     <p:spTree>
@@ -7329,7 +12221,11 @@
               <a:lstStyle/>
               <a:p>
                 <a:r>
-                  <a:rPr lang="it-IT" dirty="0"/>
+                  <a:rPr lang="it-IT" b="1" dirty="0">
+                    <a:solidFill>
+                      <a:srgbClr val="C00000"/>
+                    </a:solidFill>
+                  </a:rPr>
                   <a:t>Media aritmetica</a:t>
                 </a:r>
                 <a:br>
@@ -7377,93 +12273,12 @@
                         </m:ctrlPr>
                       </m:fPr>
                       <m:num>
-                        <m:sSub>
-                          <m:sSubPr>
-                            <m:ctrlPr>
-                              <a:rPr lang="it-IT" b="0" i="1" smtClean="0">
-                                <a:latin typeface="Cambria Math" panose="02040503050406030204" pitchFamily="18" charset="0"/>
-                              </a:rPr>
-                            </m:ctrlPr>
-                          </m:sSubPr>
-                          <m:e>
-                            <m:r>
-                              <a:rPr lang="it-IT" b="0" i="1" smtClean="0">
-                                <a:latin typeface="Cambria Math" panose="02040503050406030204" pitchFamily="18" charset="0"/>
-                              </a:rPr>
-                              <m:t>𝑥</m:t>
-                            </m:r>
-                          </m:e>
-                          <m:sub>
-                            <m:r>
-                              <a:rPr lang="it-IT" b="0" i="1" smtClean="0">
-                                <a:latin typeface="Cambria Math" panose="02040503050406030204" pitchFamily="18" charset="0"/>
-                              </a:rPr>
-                              <m:t>1</m:t>
-                            </m:r>
-                          </m:sub>
-                        </m:sSub>
                         <m:r>
                           <a:rPr lang="it-IT" b="0" i="1" smtClean="0">
                             <a:latin typeface="Cambria Math" panose="02040503050406030204" pitchFamily="18" charset="0"/>
                           </a:rPr>
-                          <m:t>+</m:t>
+                          <m:t>1</m:t>
                         </m:r>
-                        <m:sSub>
-                          <m:sSubPr>
-                            <m:ctrlPr>
-                              <a:rPr lang="it-IT" b="0" i="1" smtClean="0">
-                                <a:latin typeface="Cambria Math" panose="02040503050406030204" pitchFamily="18" charset="0"/>
-                              </a:rPr>
-                            </m:ctrlPr>
-                          </m:sSubPr>
-                          <m:e>
-                            <m:r>
-                              <a:rPr lang="it-IT" b="0" i="1" smtClean="0">
-                                <a:latin typeface="Cambria Math" panose="02040503050406030204" pitchFamily="18" charset="0"/>
-                              </a:rPr>
-                              <m:t>𝑥</m:t>
-                            </m:r>
-                          </m:e>
-                          <m:sub>
-                            <m:r>
-                              <a:rPr lang="it-IT" b="0" i="1" smtClean="0">
-                                <a:latin typeface="Cambria Math" panose="02040503050406030204" pitchFamily="18" charset="0"/>
-                              </a:rPr>
-                              <m:t>2</m:t>
-                            </m:r>
-                          </m:sub>
-                        </m:sSub>
-                        <m:r>
-                          <a:rPr lang="it-IT" b="0" i="1" smtClean="0">
-                            <a:latin typeface="Cambria Math" panose="02040503050406030204" pitchFamily="18" charset="0"/>
-                          </a:rPr>
-                          <m:t>+ …+</m:t>
-                        </m:r>
-                        <m:sSub>
-                          <m:sSubPr>
-                            <m:ctrlPr>
-                              <a:rPr lang="it-IT" b="0" i="1" smtClean="0">
-                                <a:latin typeface="Cambria Math" panose="02040503050406030204" pitchFamily="18" charset="0"/>
-                              </a:rPr>
-                            </m:ctrlPr>
-                          </m:sSubPr>
-                          <m:e>
-                            <m:r>
-                              <a:rPr lang="it-IT" b="0" i="1" smtClean="0">
-                                <a:latin typeface="Cambria Math" panose="02040503050406030204" pitchFamily="18" charset="0"/>
-                              </a:rPr>
-                              <m:t>𝑥</m:t>
-                            </m:r>
-                          </m:e>
-                          <m:sub>
-                            <m:r>
-                              <a:rPr lang="it-IT" b="0" i="1" smtClean="0">
-                                <a:latin typeface="Cambria Math" panose="02040503050406030204" pitchFamily="18" charset="0"/>
-                              </a:rPr>
-                              <m:t>𝑁</m:t>
-                            </m:r>
-                          </m:sub>
-                        </m:sSub>
                       </m:num>
                       <m:den>
                         <m:r>
@@ -7474,6 +12289,105 @@
                         </m:r>
                       </m:den>
                     </m:f>
+                    <m:r>
+                      <a:rPr lang="it-IT" b="0" i="1" smtClean="0">
+                        <a:latin typeface="Cambria Math" panose="02040503050406030204" pitchFamily="18" charset="0"/>
+                      </a:rPr>
+                      <m:t>(</m:t>
+                    </m:r>
+                    <m:sSub>
+                      <m:sSubPr>
+                        <m:ctrlPr>
+                          <a:rPr lang="it-IT" b="0" i="1" smtClean="0">
+                            <a:latin typeface="Cambria Math" panose="02040503050406030204" pitchFamily="18" charset="0"/>
+                          </a:rPr>
+                        </m:ctrlPr>
+                      </m:sSubPr>
+                      <m:e>
+                        <m:r>
+                          <a:rPr lang="it-IT" b="0" i="1" smtClean="0">
+                            <a:latin typeface="Cambria Math" panose="02040503050406030204" pitchFamily="18" charset="0"/>
+                          </a:rPr>
+                          <m:t>𝑥</m:t>
+                        </m:r>
+                      </m:e>
+                      <m:sub>
+                        <m:r>
+                          <a:rPr lang="it-IT" b="0" i="1" smtClean="0">
+                            <a:latin typeface="Cambria Math" panose="02040503050406030204" pitchFamily="18" charset="0"/>
+                          </a:rPr>
+                          <m:t>1</m:t>
+                        </m:r>
+                      </m:sub>
+                    </m:sSub>
+                    <m:r>
+                      <a:rPr lang="it-IT" b="0" i="1" smtClean="0">
+                        <a:latin typeface="Cambria Math" panose="02040503050406030204" pitchFamily="18" charset="0"/>
+                      </a:rPr>
+                      <m:t>+</m:t>
+                    </m:r>
+                    <m:sSub>
+                      <m:sSubPr>
+                        <m:ctrlPr>
+                          <a:rPr lang="it-IT" b="0" i="1" smtClean="0">
+                            <a:latin typeface="Cambria Math" panose="02040503050406030204" pitchFamily="18" charset="0"/>
+                          </a:rPr>
+                        </m:ctrlPr>
+                      </m:sSubPr>
+                      <m:e>
+                        <m:r>
+                          <a:rPr lang="it-IT" b="0" i="1" smtClean="0">
+                            <a:latin typeface="Cambria Math" panose="02040503050406030204" pitchFamily="18" charset="0"/>
+                          </a:rPr>
+                          <m:t>𝑥</m:t>
+                        </m:r>
+                      </m:e>
+                      <m:sub>
+                        <m:r>
+                          <a:rPr lang="it-IT" b="0" i="1" smtClean="0">
+                            <a:latin typeface="Cambria Math" panose="02040503050406030204" pitchFamily="18" charset="0"/>
+                          </a:rPr>
+                          <m:t>2</m:t>
+                        </m:r>
+                      </m:sub>
+                    </m:sSub>
+                    <m:r>
+                      <a:rPr lang="it-IT" b="0" i="1" smtClean="0">
+                        <a:latin typeface="Cambria Math" panose="02040503050406030204" pitchFamily="18" charset="0"/>
+                      </a:rPr>
+                      <m:t>+…+</m:t>
+                    </m:r>
+                    <m:sSub>
+                      <m:sSubPr>
+                        <m:ctrlPr>
+                          <a:rPr lang="it-IT" b="0" i="1" smtClean="0">
+                            <a:latin typeface="Cambria Math" panose="02040503050406030204" pitchFamily="18" charset="0"/>
+                          </a:rPr>
+                        </m:ctrlPr>
+                      </m:sSubPr>
+                      <m:e>
+                        <m:r>
+                          <a:rPr lang="it-IT" b="0" i="1" smtClean="0">
+                            <a:latin typeface="Cambria Math" panose="02040503050406030204" pitchFamily="18" charset="0"/>
+                          </a:rPr>
+                          <m:t>𝑥</m:t>
+                        </m:r>
+                      </m:e>
+                      <m:sub>
+                        <m:r>
+                          <a:rPr lang="it-IT" b="0" i="1" smtClean="0">
+                            <a:latin typeface="Cambria Math" panose="02040503050406030204" pitchFamily="18" charset="0"/>
+                          </a:rPr>
+                          <m:t>𝑁</m:t>
+                        </m:r>
+                      </m:sub>
+                    </m:sSub>
+                    <m:r>
+                      <a:rPr lang="it-IT" b="0" i="1" smtClean="0">
+                        <a:latin typeface="Cambria Math" panose="02040503050406030204" pitchFamily="18" charset="0"/>
+                      </a:rPr>
+                      <m:t>)</m:t>
+                    </m:r>
                     <m:r>
                       <a:rPr lang="it-IT" b="0" i="1" smtClean="0">
                         <a:latin typeface="Cambria Math" panose="02040503050406030204" pitchFamily="18" charset="0"/>
@@ -7631,7 +12545,7 @@
                             <a:rPr lang="it-IT" b="0" i="1" smtClean="0">
                               <a:latin typeface="Cambria Math" panose="02040503050406030204" pitchFamily="18" charset="0"/>
                             </a:rPr>
-                            <m:t>8+7+8.5+7+6.5</m:t>
+                            <m:t>1</m:t>
                           </m:r>
                         </m:num>
                         <m:den>
@@ -7639,10 +12553,27 @@
                             <a:rPr lang="it-IT" b="0" i="1" smtClean="0">
                               <a:latin typeface="Cambria Math" panose="02040503050406030204" pitchFamily="18" charset="0"/>
                             </a:rPr>
-                            <m:t>5</m:t>
+                            <m:t>6</m:t>
                           </m:r>
                         </m:den>
                       </m:f>
+                      <m:d>
+                        <m:dPr>
+                          <m:ctrlPr>
+                            <a:rPr lang="it-IT" b="0" i="1" smtClean="0">
+                              <a:latin typeface="Cambria Math" panose="02040503050406030204" pitchFamily="18" charset="0"/>
+                            </a:rPr>
+                          </m:ctrlPr>
+                        </m:dPr>
+                        <m:e>
+                          <m:r>
+                            <a:rPr lang="it-IT" b="0" i="1" smtClean="0">
+                              <a:latin typeface="Cambria Math" panose="02040503050406030204" pitchFamily="18" charset="0"/>
+                            </a:rPr>
+                            <m:t>2+8+7+8,5+7+6.5</m:t>
+                          </m:r>
+                        </m:e>
+                      </m:d>
                       <m:r>
                         <a:rPr lang="it-IT" b="0" i="1" smtClean="0">
                           <a:latin typeface="Cambria Math" panose="02040503050406030204" pitchFamily="18" charset="0"/>
@@ -7662,7 +12593,7 @@
                             <a:rPr lang="it-IT" b="0" i="1" smtClean="0">
                               <a:latin typeface="Cambria Math" panose="02040503050406030204" pitchFamily="18" charset="0"/>
                             </a:rPr>
-                            <m:t>37</m:t>
+                            <m:t>39</m:t>
                           </m:r>
                         </m:num>
                         <m:den>
@@ -7670,7 +12601,7 @@
                             <a:rPr lang="it-IT" b="0" i="1" smtClean="0">
                               <a:latin typeface="Cambria Math" panose="02040503050406030204" pitchFamily="18" charset="0"/>
                             </a:rPr>
-                            <m:t>5</m:t>
+                            <m:t>6</m:t>
                           </m:r>
                         </m:den>
                       </m:f>
@@ -7678,7 +12609,7 @@
                         <a:rPr lang="it-IT" b="0" i="1" smtClean="0">
                           <a:latin typeface="Cambria Math" panose="02040503050406030204" pitchFamily="18" charset="0"/>
                         </a:rPr>
-                        <m:t>=7.4 </m:t>
+                        <m:t>=6.5</m:t>
                       </m:r>
                     </m:oMath>
                   </m:oMathPara>
@@ -7713,7 +12644,7 @@
               <a:blipFill>
                 <a:blip r:embed="rId2"/>
                 <a:stretch>
-                  <a:fillRect l="-1043" t="-2381"/>
+                  <a:fillRect l="-1043" t="-2241"/>
                 </a:stretch>
               </a:blipFill>
             </p:spPr>
@@ -7747,14 +12678,14 @@
           <p:nvPr>
             <p:extLst>
               <p:ext uri="{D42A27DB-BD31-4B8C-83A1-F6EECF244321}">
-                <p14:modId xmlns:p14="http://schemas.microsoft.com/office/powerpoint/2010/main" val="3302620093"/>
+                <p14:modId xmlns:p14="http://schemas.microsoft.com/office/powerpoint/2010/main" val="1743133648"/>
               </p:ext>
             </p:extLst>
           </p:nvPr>
         </p:nvGraphicFramePr>
         <p:xfrm>
-          <a:off x="1492725" y="3909180"/>
-          <a:ext cx="9206549" cy="741680"/>
+          <a:off x="563528" y="3909180"/>
+          <a:ext cx="11068491" cy="741680"/>
         </p:xfrm>
         <a:graphic>
           <a:graphicData uri="http://schemas.openxmlformats.org/drawingml/2006/table">
@@ -7770,42 +12701,49 @@
                 <a:tableStyleId>{5940675A-B579-460E-94D1-54222C63F5DA}</a:tableStyleId>
               </a:tblPr>
               <a:tblGrid>
-                <a:gridCol w="1354667">
+                <a:gridCol w="1398481">
                   <a:extLst>
                     <a:ext uri="{9D8B030D-6E8A-4147-A177-3AD203B41FA5}">
                       <a16:colId xmlns:a16="http://schemas.microsoft.com/office/drawing/2014/main" val="1942655463"/>
                     </a:ext>
                   </a:extLst>
                 </a:gridCol>
-                <a:gridCol w="1354667">
+                <a:gridCol w="1564174">
+                  <a:extLst>
+                    <a:ext uri="{9D8B030D-6E8A-4147-A177-3AD203B41FA5}">
+                      <a16:colId xmlns:a16="http://schemas.microsoft.com/office/drawing/2014/main" val="806493636"/>
+                    </a:ext>
+                  </a:extLst>
+                </a:gridCol>
+                <a:gridCol w="1157343">
                   <a:extLst>
                     <a:ext uri="{9D8B030D-6E8A-4147-A177-3AD203B41FA5}">
                       <a16:colId xmlns:a16="http://schemas.microsoft.com/office/drawing/2014/main" val="2579236287"/>
                     </a:ext>
                   </a:extLst>
                 </a:gridCol>
-                <a:gridCol w="1639062">
+                <a:gridCol w="1933213">
                   <a:extLst>
                     <a:ext uri="{9D8B030D-6E8A-4147-A177-3AD203B41FA5}">
                       <a16:colId xmlns:a16="http://schemas.microsoft.com/office/drawing/2014/main" val="3605425459"/>
                     </a:ext>
                   </a:extLst>
                 </a:gridCol>
-                <a:gridCol w="1864424">
+                <a:gridCol w="1924724">
                   <a:extLst>
                     <a:ext uri="{9D8B030D-6E8A-4147-A177-3AD203B41FA5}">
                       <a16:colId xmlns:a16="http://schemas.microsoft.com/office/drawing/2014/main" val="4105742860"/>
                     </a:ext>
                   </a:extLst>
                 </a:gridCol>
-                <a:gridCol w="1639062">
+                <a:gridCol w="1692075">
                   <a:extLst>
                     <a:ext uri="{9D8B030D-6E8A-4147-A177-3AD203B41FA5}">
                       <a16:colId xmlns:a16="http://schemas.microsoft.com/office/drawing/2014/main" val="3620964341"/>
                     </a:ext>
                   </a:extLst>
                 </a:gridCol>
-                <a:gridCol w="1354667">
+                <a:gridCol w="1398481">
                   <a:extLst>
                     <a:ext uri="{9D8B030D-6E8A-4147-A177-3AD203B41FA5}">
                       <a16:colId xmlns:a16="http://schemas.microsoft.com/office/drawing/2014/main" val="3693595725"/>
@@ -7822,6 +12760,20 @@
                       <a:r>
                         <a:rPr lang="it-IT" b="1" dirty="0"/>
                         <a:t>Tipologia</a:t>
+                      </a:r>
+                    </a:p>
+                  </a:txBody>
+                  <a:tcPr/>
+                </a:tc>
+                <a:tc>
+                  <a:txBody>
+                    <a:bodyPr/>
+                    <a:lstStyle/>
+                    <a:p>
+                      <a:pPr algn="ctr"/>
+                      <a:r>
+                        <a:rPr lang="it-IT" dirty="0"/>
+                        <a:t>Interrogazione</a:t>
                       </a:r>
                     </a:p>
                   </a:txBody>
@@ -7941,6 +12893,20 @@
                       <a:pPr algn="ctr"/>
                       <a:r>
                         <a:rPr lang="it-IT" dirty="0"/>
+                        <a:t>2</a:t>
+                      </a:r>
+                    </a:p>
+                  </a:txBody>
+                  <a:tcPr/>
+                </a:tc>
+                <a:tc>
+                  <a:txBody>
+                    <a:bodyPr/>
+                    <a:lstStyle/>
+                    <a:p>
+                      <a:pPr algn="ctr"/>
+                      <a:r>
+                        <a:rPr lang="it-IT" dirty="0"/>
                         <a:t>8</a:t>
                       </a:r>
                     </a:p>
@@ -8026,7 +12992,7 @@
 </p:sld>
 </file>
 
-<file path=ppt/slides/slide6.xml><?xml version="1.0" encoding="utf-8"?>
+<file path=ppt/slides/slide7.xml><?xml version="1.0" encoding="utf-8"?>
 <p:sld xmlns:a="http://schemas.openxmlformats.org/drawingml/2006/main" xmlns:r="http://schemas.openxmlformats.org/officeDocument/2006/relationships" xmlns:p="http://schemas.openxmlformats.org/presentationml/2006/main">
   <p:cSld>
     <p:spTree>
@@ -8107,8 +13073,16 @@
               <a:lstStyle/>
               <a:p>
                 <a:r>
+                  <a:rPr lang="it-IT" b="1" dirty="0">
+                    <a:solidFill>
+                      <a:srgbClr val="C00000"/>
+                    </a:solidFill>
+                  </a:rPr>
+                  <a:t>Media aritmetica pesata </a:t>
+                </a:r>
+                <a:r>
                   <a:rPr lang="it-IT" dirty="0"/>
-                  <a:t>Media aritmetica pesata (o ponderata). Anziché trattare tutti i valori equamente, diamo più importanza ad alcuni tramite un sistema di pesi </a:t>
+                  <a:t>(o ponderata). Anziché trattare tutti i valori equamente, diamo più importanza ad alcuni tramite un sistema di pesi </a:t>
                 </a:r>
                 <a:r>
                   <a:rPr lang="it-IT" b="1" dirty="0"/>
@@ -9057,7 +14031,7 @@
               <a:blipFill>
                 <a:blip r:embed="rId2"/>
                 <a:stretch>
-                  <a:fillRect l="-1159" t="-1908"/>
+                  <a:fillRect l="-1159" t="-1796"/>
                 </a:stretch>
               </a:blipFill>
             </p:spPr>
@@ -9089,7 +14063,7 @@
 </p:sld>
 </file>
 
-<file path=ppt/slides/slide7.xml><?xml version="1.0" encoding="utf-8"?>
+<file path=ppt/slides/slide8.xml><?xml version="1.0" encoding="utf-8"?>
 <p:sld xmlns:a="http://schemas.openxmlformats.org/drawingml/2006/main" xmlns:r="http://schemas.openxmlformats.org/officeDocument/2006/relationships" xmlns:p="http://schemas.openxmlformats.org/presentationml/2006/main">
   <p:cSld>
     <p:spTree>
@@ -9193,14 +14167,14 @@
           <p:nvPr>
             <p:extLst>
               <p:ext uri="{D42A27DB-BD31-4B8C-83A1-F6EECF244321}">
-                <p14:modId xmlns:p14="http://schemas.microsoft.com/office/powerpoint/2010/main" val="306116665"/>
+                <p14:modId xmlns:p14="http://schemas.microsoft.com/office/powerpoint/2010/main" val="1018306441"/>
               </p:ext>
             </p:extLst>
           </p:nvPr>
         </p:nvGraphicFramePr>
         <p:xfrm>
-          <a:off x="1492725" y="2832080"/>
-          <a:ext cx="9206549" cy="1112520"/>
+          <a:off x="504967" y="2832080"/>
+          <a:ext cx="11232106" cy="1112520"/>
         </p:xfrm>
         <a:graphic>
           <a:graphicData uri="http://schemas.openxmlformats.org/drawingml/2006/table">
@@ -9216,42 +14190,49 @@
                 <a:tableStyleId>{5940675A-B579-460E-94D1-54222C63F5DA}</a:tableStyleId>
               </a:tblPr>
               <a:tblGrid>
-                <a:gridCol w="1354667">
+                <a:gridCol w="1440720">
                   <a:extLst>
                     <a:ext uri="{9D8B030D-6E8A-4147-A177-3AD203B41FA5}">
                       <a16:colId xmlns:a16="http://schemas.microsoft.com/office/drawing/2014/main" val="1942655463"/>
                     </a:ext>
                   </a:extLst>
                 </a:gridCol>
-                <a:gridCol w="1354667">
+                <a:gridCol w="1616379">
+                  <a:extLst>
+                    <a:ext uri="{9D8B030D-6E8A-4147-A177-3AD203B41FA5}">
+                      <a16:colId xmlns:a16="http://schemas.microsoft.com/office/drawing/2014/main" val="3739380273"/>
+                    </a:ext>
+                  </a:extLst>
+                </a:gridCol>
+                <a:gridCol w="1265061">
                   <a:extLst>
                     <a:ext uri="{9D8B030D-6E8A-4147-A177-3AD203B41FA5}">
                       <a16:colId xmlns:a16="http://schemas.microsoft.com/office/drawing/2014/main" val="2579236287"/>
                     </a:ext>
                   </a:extLst>
                 </a:gridCol>
-                <a:gridCol w="1639062">
+                <a:gridCol w="1743183">
                   <a:extLst>
                     <a:ext uri="{9D8B030D-6E8A-4147-A177-3AD203B41FA5}">
                       <a16:colId xmlns:a16="http://schemas.microsoft.com/office/drawing/2014/main" val="3605425459"/>
                     </a:ext>
                   </a:extLst>
                 </a:gridCol>
-                <a:gridCol w="1864424">
+                <a:gridCol w="1982860">
                   <a:extLst>
                     <a:ext uri="{9D8B030D-6E8A-4147-A177-3AD203B41FA5}">
                       <a16:colId xmlns:a16="http://schemas.microsoft.com/office/drawing/2014/main" val="4105742860"/>
                     </a:ext>
                   </a:extLst>
                 </a:gridCol>
-                <a:gridCol w="1639062">
+                <a:gridCol w="1743183">
                   <a:extLst>
                     <a:ext uri="{9D8B030D-6E8A-4147-A177-3AD203B41FA5}">
                       <a16:colId xmlns:a16="http://schemas.microsoft.com/office/drawing/2014/main" val="3620964341"/>
                     </a:ext>
                   </a:extLst>
                 </a:gridCol>
-                <a:gridCol w="1354667">
+                <a:gridCol w="1440720">
                   <a:extLst>
                     <a:ext uri="{9D8B030D-6E8A-4147-A177-3AD203B41FA5}">
                       <a16:colId xmlns:a16="http://schemas.microsoft.com/office/drawing/2014/main" val="3693595725"/>
@@ -9268,6 +14249,20 @@
                       <a:r>
                         <a:rPr lang="it-IT" b="1" dirty="0"/>
                         <a:t>Tipologia</a:t>
+                      </a:r>
+                    </a:p>
+                  </a:txBody>
+                  <a:tcPr/>
+                </a:tc>
+                <a:tc>
+                  <a:txBody>
+                    <a:bodyPr/>
+                    <a:lstStyle/>
+                    <a:p>
+                      <a:pPr algn="ctr"/>
+                      <a:r>
+                        <a:rPr lang="it-IT" dirty="0"/>
+                        <a:t>Interrogazione</a:t>
                       </a:r>
                     </a:p>
                   </a:txBody>
@@ -9387,6 +14382,20 @@
                       <a:pPr algn="ctr"/>
                       <a:r>
                         <a:rPr lang="it-IT" dirty="0"/>
+                        <a:t>1.5</a:t>
+                      </a:r>
+                    </a:p>
+                  </a:txBody>
+                  <a:tcPr/>
+                </a:tc>
+                <a:tc>
+                  <a:txBody>
+                    <a:bodyPr/>
+                    <a:lstStyle/>
+                    <a:p>
+                      <a:pPr algn="ctr"/>
+                      <a:r>
+                        <a:rPr lang="it-IT" dirty="0"/>
                         <a:t>1</a:t>
                       </a:r>
                     </a:p>
@@ -9493,6 +14502,20 @@
                       <a:pPr algn="ctr"/>
                       <a:r>
                         <a:rPr lang="it-IT" dirty="0"/>
+                        <a:t>2</a:t>
+                      </a:r>
+                    </a:p>
+                  </a:txBody>
+                  <a:tcPr/>
+                </a:tc>
+                <a:tc>
+                  <a:txBody>
+                    <a:bodyPr/>
+                    <a:lstStyle/>
+                    <a:p>
+                      <a:pPr algn="ctr"/>
+                      <a:r>
+                        <a:rPr lang="it-IT" dirty="0"/>
                         <a:t>8</a:t>
                       </a:r>
                     </a:p>
@@ -9581,8 +14604,8 @@
             </p:nvSpPr>
             <p:spPr>
               <a:xfrm>
-                <a:off x="2727251" y="4382086"/>
-                <a:ext cx="6066789" cy="745269"/>
+                <a:off x="1539896" y="4512491"/>
+                <a:ext cx="7124386" cy="745269"/>
               </a:xfrm>
               <a:prstGeom prst="rect">
                 <a:avLst/>
@@ -9632,6 +14655,9 @@
                       <m:fPr>
                         <m:ctrlPr>
                           <a:rPr lang="it-IT" sz="2800" b="0" i="1" smtClean="0">
+                            <a:highlight>
+                              <a:srgbClr val="FFFF00"/>
+                            </a:highlight>
                             <a:latin typeface="Cambria Math" panose="02040503050406030204" pitchFamily="18" charset="0"/>
                           </a:rPr>
                         </m:ctrlPr>
@@ -9641,6 +14667,9 @@
                           <m:dPr>
                             <m:ctrlPr>
                               <a:rPr lang="it-IT" sz="2800" b="0" i="1" smtClean="0">
+                                <a:highlight>
+                                  <a:srgbClr val="FFFF00"/>
+                                </a:highlight>
                                 <a:latin typeface="Cambria Math" panose="02040503050406030204" pitchFamily="18" charset="0"/>
                               </a:rPr>
                             </m:ctrlPr>
@@ -9650,6 +14679,9 @@
                               <m:dPr>
                                 <m:ctrlPr>
                                   <a:rPr lang="it-IT" sz="2800" b="0" i="1" smtClean="0">
+                                    <a:highlight>
+                                      <a:srgbClr val="FFFF00"/>
+                                    </a:highlight>
                                     <a:latin typeface="Cambria Math" panose="02040503050406030204" pitchFamily="18" charset="0"/>
                                   </a:rPr>
                                 </m:ctrlPr>
@@ -9657,6 +14689,41 @@
                               <m:e>
                                 <m:r>
                                   <a:rPr lang="it-IT" sz="2800" b="0" i="1" smtClean="0">
+                                    <a:highlight>
+                                      <a:srgbClr val="FFFF00"/>
+                                    </a:highlight>
+                                    <a:latin typeface="Cambria Math" panose="02040503050406030204" pitchFamily="18" charset="0"/>
+                                  </a:rPr>
+                                  <m:t>1.5∗2</m:t>
+                                </m:r>
+                              </m:e>
+                            </m:d>
+                            <m:r>
+                              <a:rPr lang="it-IT" sz="2800" b="0" i="1" smtClean="0">
+                                <a:highlight>
+                                  <a:srgbClr val="FFFF00"/>
+                                </a:highlight>
+                                <a:latin typeface="Cambria Math" panose="02040503050406030204" pitchFamily="18" charset="0"/>
+                              </a:rPr>
+                              <m:t>+</m:t>
+                            </m:r>
+                            <m:d>
+                              <m:dPr>
+                                <m:ctrlPr>
+                                  <a:rPr lang="it-IT" sz="2800" b="0" i="1" smtClean="0">
+                                    <a:highlight>
+                                      <a:srgbClr val="FFFF00"/>
+                                    </a:highlight>
+                                    <a:latin typeface="Cambria Math" panose="02040503050406030204" pitchFamily="18" charset="0"/>
+                                  </a:rPr>
+                                </m:ctrlPr>
+                              </m:dPr>
+                              <m:e>
+                                <m:r>
+                                  <a:rPr lang="it-IT" sz="2800" b="0" i="1" smtClean="0">
+                                    <a:highlight>
+                                      <a:srgbClr val="FFFF00"/>
+                                    </a:highlight>
                                     <a:latin typeface="Cambria Math" panose="02040503050406030204" pitchFamily="18" charset="0"/>
                                   </a:rPr>
                                   <m:t>1∗8</m:t>
@@ -9665,6 +14732,9 @@
                             </m:d>
                             <m:r>
                               <a:rPr lang="it-IT" sz="2800" b="0" i="1" smtClean="0">
+                                <a:highlight>
+                                  <a:srgbClr val="FFFF00"/>
+                                </a:highlight>
                                 <a:latin typeface="Cambria Math" panose="02040503050406030204" pitchFamily="18" charset="0"/>
                               </a:rPr>
                               <m:t>+</m:t>
@@ -9673,6 +14743,9 @@
                               <m:dPr>
                                 <m:ctrlPr>
                                   <a:rPr lang="it-IT" sz="2800" b="0" i="1" smtClean="0">
+                                    <a:highlight>
+                                      <a:srgbClr val="FFFF00"/>
+                                    </a:highlight>
                                     <a:latin typeface="Cambria Math" panose="02040503050406030204" pitchFamily="18" charset="0"/>
                                   </a:rPr>
                                 </m:ctrlPr>
@@ -9680,6 +14753,9 @@
                               <m:e>
                                 <m:r>
                                   <a:rPr lang="it-IT" sz="2800" b="0" i="1" smtClean="0">
+                                    <a:highlight>
+                                      <a:srgbClr val="FFFF00"/>
+                                    </a:highlight>
                                     <a:latin typeface="Cambria Math" panose="02040503050406030204" pitchFamily="18" charset="0"/>
                                   </a:rPr>
                                   <m:t>1.5∗7</m:t>
@@ -9688,6 +14764,9 @@
                             </m:d>
                             <m:r>
                               <a:rPr lang="it-IT" sz="2800" b="0" i="1" smtClean="0">
+                                <a:highlight>
+                                  <a:srgbClr val="FFFF00"/>
+                                </a:highlight>
                                 <a:latin typeface="Cambria Math" panose="02040503050406030204" pitchFamily="18" charset="0"/>
                               </a:rPr>
                               <m:t>+</m:t>
@@ -9696,6 +14775,9 @@
                               <m:dPr>
                                 <m:ctrlPr>
                                   <a:rPr lang="it-IT" sz="2800" b="0" i="1" smtClean="0">
+                                    <a:highlight>
+                                      <a:srgbClr val="FFFF00"/>
+                                    </a:highlight>
                                     <a:latin typeface="Cambria Math" panose="02040503050406030204" pitchFamily="18" charset="0"/>
                                   </a:rPr>
                                 </m:ctrlPr>
@@ -9703,6 +14785,9 @@
                               <m:e>
                                 <m:r>
                                   <a:rPr lang="it-IT" sz="2800" b="0" i="1" smtClean="0">
+                                    <a:highlight>
+                                      <a:srgbClr val="FFFF00"/>
+                                    </a:highlight>
                                     <a:latin typeface="Cambria Math" panose="02040503050406030204" pitchFamily="18" charset="0"/>
                                   </a:rPr>
                                   <m:t>2∗8.5</m:t>
@@ -9711,6 +14796,9 @@
                             </m:d>
                             <m:r>
                               <a:rPr lang="it-IT" sz="2800" b="0" i="1" smtClean="0">
+                                <a:highlight>
+                                  <a:srgbClr val="FFFF00"/>
+                                </a:highlight>
                                 <a:latin typeface="Cambria Math" panose="02040503050406030204" pitchFamily="18" charset="0"/>
                               </a:rPr>
                               <m:t>+</m:t>
@@ -9719,6 +14807,9 @@
                               <m:dPr>
                                 <m:ctrlPr>
                                   <a:rPr lang="it-IT" sz="2800" b="0" i="1" smtClean="0">
+                                    <a:highlight>
+                                      <a:srgbClr val="FFFF00"/>
+                                    </a:highlight>
                                     <a:latin typeface="Cambria Math" panose="02040503050406030204" pitchFamily="18" charset="0"/>
                                   </a:rPr>
                                 </m:ctrlPr>
@@ -9726,20 +14817,20 @@
                               <m:e>
                                 <m:r>
                                   <a:rPr lang="it-IT" sz="2800" b="0" i="1" smtClean="0">
+                                    <a:highlight>
+                                      <a:srgbClr val="FFFF00"/>
+                                    </a:highlight>
                                     <a:latin typeface="Cambria Math" panose="02040503050406030204" pitchFamily="18" charset="0"/>
                                   </a:rPr>
-                                  <m:t>1.5</m:t>
-                                </m:r>
-                                <m:r>
-                                  <a:rPr lang="it-IT" sz="2800" b="0" i="1" smtClean="0">
-                                    <a:latin typeface="Cambria Math" panose="02040503050406030204" pitchFamily="18" charset="0"/>
-                                  </a:rPr>
-                                  <m:t>∗7</m:t>
+                                  <m:t>1.5∗7</m:t>
                                 </m:r>
                               </m:e>
                             </m:d>
                             <m:r>
                               <a:rPr lang="it-IT" sz="2800" b="0" i="1" smtClean="0">
+                                <a:highlight>
+                                  <a:srgbClr val="FFFF00"/>
+                                </a:highlight>
                                 <a:latin typeface="Cambria Math" panose="02040503050406030204" pitchFamily="18" charset="0"/>
                               </a:rPr>
                               <m:t>+</m:t>
@@ -9748,6 +14839,9 @@
                               <m:dPr>
                                 <m:ctrlPr>
                                   <a:rPr lang="it-IT" sz="2800" b="0" i="1" smtClean="0">
+                                    <a:highlight>
+                                      <a:srgbClr val="FFFF00"/>
+                                    </a:highlight>
                                     <a:latin typeface="Cambria Math" panose="02040503050406030204" pitchFamily="18" charset="0"/>
                                   </a:rPr>
                                 </m:ctrlPr>
@@ -9755,6 +14849,9 @@
                               <m:e>
                                 <m:r>
                                   <a:rPr lang="it-IT" sz="2800" b="0" i="1" smtClean="0">
+                                    <a:highlight>
+                                      <a:srgbClr val="FFFF00"/>
+                                    </a:highlight>
                                     <a:latin typeface="Cambria Math" panose="02040503050406030204" pitchFamily="18" charset="0"/>
                                   </a:rPr>
                                   <m:t>1∗6.5</m:t>
@@ -9767,9 +14864,30 @@
                       <m:den>
                         <m:r>
                           <a:rPr lang="it-IT" sz="2800" b="0" i="1" smtClean="0">
+                            <a:highlight>
+                              <a:srgbClr val="FFFF00"/>
+                            </a:highlight>
                             <a:latin typeface="Cambria Math" panose="02040503050406030204" pitchFamily="18" charset="0"/>
                           </a:rPr>
-                          <m:t>(1+2+1.5+2+1)</m:t>
+                          <m:t>(</m:t>
+                        </m:r>
+                        <m:r>
+                          <a:rPr lang="it-IT" sz="2800" b="0" i="1" smtClean="0">
+                            <a:highlight>
+                              <a:srgbClr val="FFFF00"/>
+                            </a:highlight>
+                            <a:latin typeface="Cambria Math" panose="02040503050406030204" pitchFamily="18" charset="0"/>
+                          </a:rPr>
+                          <m:t>1.5+</m:t>
+                        </m:r>
+                        <m:r>
+                          <a:rPr lang="it-IT" sz="2800" b="0" i="1" smtClean="0">
+                            <a:highlight>
+                              <a:srgbClr val="FFFF00"/>
+                            </a:highlight>
+                            <a:latin typeface="Cambria Math" panose="02040503050406030204" pitchFamily="18" charset="0"/>
+                          </a:rPr>
+                          <m:t>1+2+1.5+2+1)</m:t>
                         </m:r>
                       </m:den>
                     </m:f>
@@ -9800,8 +14918,8 @@
             </p:nvSpPr>
             <p:spPr>
               <a:xfrm>
-                <a:off x="2727251" y="4382086"/>
-                <a:ext cx="6066789" cy="745269"/>
+                <a:off x="1539896" y="4512491"/>
+                <a:ext cx="7124386" cy="745269"/>
               </a:xfrm>
               <a:prstGeom prst="rect">
                 <a:avLst/>
@@ -9844,8 +14962,8 @@
             </p:nvSpPr>
             <p:spPr>
               <a:xfrm>
-                <a:off x="3322674" y="5432862"/>
-                <a:ext cx="7485062" cy="616066"/>
+                <a:off x="2148967" y="5605281"/>
+                <a:ext cx="9843144" cy="618374"/>
               </a:xfrm>
               <a:prstGeom prst="rect">
                 <a:avLst/>
@@ -9862,6 +14980,9 @@
                   <m:oMath xmlns:m="http://schemas.openxmlformats.org/officeDocument/2006/math">
                     <m:r>
                       <a:rPr lang="it-IT" sz="2800" b="0" i="1" smtClean="0">
+                        <a:highlight>
+                          <a:srgbClr val="FFFF00"/>
+                        </a:highlight>
                         <a:latin typeface="Cambria Math" panose="02040503050406030204" pitchFamily="18" charset="0"/>
                       </a:rPr>
                       <m:t>=</m:t>
@@ -9870,6 +14991,9 @@
                       <m:fPr>
                         <m:ctrlPr>
                           <a:rPr lang="it-IT" sz="2800" b="0" i="1" smtClean="0">
+                            <a:highlight>
+                              <a:srgbClr val="FFFF00"/>
+                            </a:highlight>
                             <a:latin typeface="Cambria Math" panose="02040503050406030204" pitchFamily="18" charset="0"/>
                           </a:rPr>
                         </m:ctrlPr>
@@ -9877,6 +15001,52 @@
                       <m:num>
                         <m:r>
                           <a:rPr lang="it-IT" sz="2800" b="0" i="1" smtClean="0">
+                            <a:highlight>
+                              <a:srgbClr val="FFFF00"/>
+                            </a:highlight>
+                            <a:latin typeface="Cambria Math" panose="02040503050406030204" pitchFamily="18" charset="0"/>
+                          </a:rPr>
+                          <m:t>1.5</m:t>
+                        </m:r>
+                      </m:num>
+                      <m:den>
+                        <m:r>
+                          <a:rPr lang="it-IT" sz="2800" b="0" i="1" smtClean="0">
+                            <a:highlight>
+                              <a:srgbClr val="FFFF00"/>
+                            </a:highlight>
+                            <a:latin typeface="Cambria Math" panose="02040503050406030204" pitchFamily="18" charset="0"/>
+                          </a:rPr>
+                          <m:t>8.5</m:t>
+                        </m:r>
+                      </m:den>
+                    </m:f>
+                    <m:r>
+                      <a:rPr lang="it-IT" sz="2800" b="0" i="1" smtClean="0">
+                        <a:highlight>
+                          <a:srgbClr val="FFFF00"/>
+                        </a:highlight>
+                        <a:latin typeface="Cambria Math" panose="02040503050406030204" pitchFamily="18" charset="0"/>
+                      </a:rPr>
+                      <m:t>∗2+</m:t>
+                    </m:r>
+                    <m:f>
+                      <m:fPr>
+                        <m:ctrlPr>
+                          <a:rPr lang="it-IT" sz="2800" b="0" i="1" smtClean="0">
+                            <a:highlight>
+                              <a:srgbClr val="FFFF00"/>
+                            </a:highlight>
+                            <a:latin typeface="Cambria Math" panose="02040503050406030204" pitchFamily="18" charset="0"/>
+                          </a:rPr>
+                        </m:ctrlPr>
+                      </m:fPr>
+                      <m:num>
+                        <m:r>
+                          <a:rPr lang="it-IT" sz="2800" b="0" i="1" smtClean="0">
+                            <a:highlight>
+                              <a:srgbClr val="FFFF00"/>
+                            </a:highlight>
                             <a:latin typeface="Cambria Math" panose="02040503050406030204" pitchFamily="18" charset="0"/>
                           </a:rPr>
                           <m:t>1</m:t>
@@ -9884,15 +15054,21 @@
                       </m:num>
                       <m:den>
                         <m:r>
-                          <a:rPr lang="it-IT" sz="2800" b="0" i="1" smtClean="0">
+                          <a:rPr lang="it-IT" sz="2800" i="1">
+                            <a:highlight>
+                              <a:srgbClr val="FFFF00"/>
+                            </a:highlight>
                             <a:latin typeface="Cambria Math" panose="02040503050406030204" pitchFamily="18" charset="0"/>
                           </a:rPr>
-                          <m:t>7</m:t>
+                          <m:t>8.5</m:t>
                         </m:r>
                       </m:den>
                     </m:f>
                     <m:r>
                       <a:rPr lang="it-IT" sz="2800" b="0" i="1" smtClean="0">
+                        <a:highlight>
+                          <a:srgbClr val="FFFF00"/>
+                        </a:highlight>
                         <a:latin typeface="Cambria Math" panose="02040503050406030204" pitchFamily="18" charset="0"/>
                       </a:rPr>
                       <m:t>∗8+</m:t>
@@ -9901,6 +15077,9 @@
                       <m:fPr>
                         <m:ctrlPr>
                           <a:rPr lang="it-IT" sz="2800" b="0" i="1" smtClean="0">
+                            <a:highlight>
+                              <a:srgbClr val="FFFF00"/>
+                            </a:highlight>
                             <a:latin typeface="Cambria Math" panose="02040503050406030204" pitchFamily="18" charset="0"/>
                           </a:rPr>
                         </m:ctrlPr>
@@ -9908,6 +15087,9 @@
                       <m:num>
                         <m:r>
                           <a:rPr lang="it-IT" sz="2800" b="0" i="1" smtClean="0">
+                            <a:highlight>
+                              <a:srgbClr val="FFFF00"/>
+                            </a:highlight>
                             <a:latin typeface="Cambria Math" panose="02040503050406030204" pitchFamily="18" charset="0"/>
                           </a:rPr>
                           <m:t>1.5</m:t>
@@ -9915,15 +15097,21 @@
                       </m:num>
                       <m:den>
                         <m:r>
-                          <a:rPr lang="it-IT" sz="2800" b="0" i="1" smtClean="0">
+                          <a:rPr lang="it-IT" sz="2800" i="1">
+                            <a:highlight>
+                              <a:srgbClr val="FFFF00"/>
+                            </a:highlight>
                             <a:latin typeface="Cambria Math" panose="02040503050406030204" pitchFamily="18" charset="0"/>
                           </a:rPr>
-                          <m:t>7</m:t>
+                          <m:t>8.5</m:t>
                         </m:r>
                       </m:den>
                     </m:f>
                     <m:r>
                       <a:rPr lang="it-IT" sz="2800" b="0" i="1" smtClean="0">
+                        <a:highlight>
+                          <a:srgbClr val="FFFF00"/>
+                        </a:highlight>
                         <a:latin typeface="Cambria Math" panose="02040503050406030204" pitchFamily="18" charset="0"/>
                       </a:rPr>
                       <m:t>∗7+</m:t>
@@ -9932,6 +15120,9 @@
                       <m:fPr>
                         <m:ctrlPr>
                           <a:rPr lang="it-IT" sz="2800" b="0" i="1" smtClean="0">
+                            <a:highlight>
+                              <a:srgbClr val="FFFF00"/>
+                            </a:highlight>
                             <a:latin typeface="Cambria Math" panose="02040503050406030204" pitchFamily="18" charset="0"/>
                           </a:rPr>
                         </m:ctrlPr>
@@ -9939,6 +15130,9 @@
                       <m:num>
                         <m:r>
                           <a:rPr lang="it-IT" sz="2800" b="0" i="1" smtClean="0">
+                            <a:highlight>
+                              <a:srgbClr val="FFFF00"/>
+                            </a:highlight>
                             <a:latin typeface="Cambria Math" panose="02040503050406030204" pitchFamily="18" charset="0"/>
                           </a:rPr>
                           <m:t>2</m:t>
@@ -9946,15 +15140,21 @@
                       </m:num>
                       <m:den>
                         <m:r>
-                          <a:rPr lang="it-IT" sz="2800" b="0" i="1" smtClean="0">
+                          <a:rPr lang="it-IT" sz="2800" i="1">
+                            <a:highlight>
+                              <a:srgbClr val="FFFF00"/>
+                            </a:highlight>
                             <a:latin typeface="Cambria Math" panose="02040503050406030204" pitchFamily="18" charset="0"/>
                           </a:rPr>
-                          <m:t>7</m:t>
+                          <m:t>8.5</m:t>
                         </m:r>
                       </m:den>
                     </m:f>
                     <m:r>
                       <a:rPr lang="it-IT" sz="2800" b="0" i="1" smtClean="0">
+                        <a:highlight>
+                          <a:srgbClr val="FFFF00"/>
+                        </a:highlight>
                         <a:latin typeface="Cambria Math" panose="02040503050406030204" pitchFamily="18" charset="0"/>
                       </a:rPr>
                       <m:t>∗8.5+</m:t>
@@ -9963,6 +15163,9 @@
                       <m:fPr>
                         <m:ctrlPr>
                           <a:rPr lang="it-IT" sz="2800" b="0" i="1" smtClean="0">
+                            <a:highlight>
+                              <a:srgbClr val="FFFF00"/>
+                            </a:highlight>
                             <a:latin typeface="Cambria Math" panose="02040503050406030204" pitchFamily="18" charset="0"/>
                           </a:rPr>
                         </m:ctrlPr>
@@ -9970,6 +15173,9 @@
                       <m:num>
                         <m:r>
                           <a:rPr lang="it-IT" sz="2800" b="0" i="1" smtClean="0">
+                            <a:highlight>
+                              <a:srgbClr val="FFFF00"/>
+                            </a:highlight>
                             <a:latin typeface="Cambria Math" panose="02040503050406030204" pitchFamily="18" charset="0"/>
                           </a:rPr>
                           <m:t>1.5</m:t>
@@ -9977,15 +15183,21 @@
                       </m:num>
                       <m:den>
                         <m:r>
-                          <a:rPr lang="it-IT" sz="2800" b="0" i="1" smtClean="0">
+                          <a:rPr lang="it-IT" sz="2800" i="1">
+                            <a:highlight>
+                              <a:srgbClr val="FFFF00"/>
+                            </a:highlight>
                             <a:latin typeface="Cambria Math" panose="02040503050406030204" pitchFamily="18" charset="0"/>
                           </a:rPr>
-                          <m:t>7</m:t>
+                          <m:t>8.5</m:t>
                         </m:r>
                       </m:den>
                     </m:f>
                     <m:r>
                       <a:rPr lang="it-IT" sz="2800" b="0" i="1" smtClean="0">
+                        <a:highlight>
+                          <a:srgbClr val="FFFF00"/>
+                        </a:highlight>
                         <a:latin typeface="Cambria Math" panose="02040503050406030204" pitchFamily="18" charset="0"/>
                       </a:rPr>
                       <m:t>∗7+</m:t>
@@ -9994,6 +15206,9 @@
                       <m:fPr>
                         <m:ctrlPr>
                           <a:rPr lang="it-IT" sz="2800" b="0" i="1" smtClean="0">
+                            <a:highlight>
+                              <a:srgbClr val="FFFF00"/>
+                            </a:highlight>
                             <a:latin typeface="Cambria Math" panose="02040503050406030204" pitchFamily="18" charset="0"/>
                           </a:rPr>
                         </m:ctrlPr>
@@ -10001,6 +15216,9 @@
                       <m:num>
                         <m:r>
                           <a:rPr lang="it-IT" sz="2800" b="0" i="1" smtClean="0">
+                            <a:highlight>
+                              <a:srgbClr val="FFFF00"/>
+                            </a:highlight>
                             <a:latin typeface="Cambria Math" panose="02040503050406030204" pitchFamily="18" charset="0"/>
                           </a:rPr>
                           <m:t>1</m:t>
@@ -10008,23 +15226,42 @@
                       </m:num>
                       <m:den>
                         <m:r>
-                          <a:rPr lang="it-IT" sz="2800" b="0" i="1" smtClean="0">
+                          <a:rPr lang="it-IT" sz="2800" i="1">
+                            <a:highlight>
+                              <a:srgbClr val="FFFF00"/>
+                            </a:highlight>
                             <a:latin typeface="Cambria Math" panose="02040503050406030204" pitchFamily="18" charset="0"/>
                           </a:rPr>
-                          <m:t>7</m:t>
+                          <m:t>8.5</m:t>
                         </m:r>
                       </m:den>
                     </m:f>
                     <m:r>
                       <a:rPr lang="it-IT" sz="2800" b="0" i="1" smtClean="0">
+                        <a:highlight>
+                          <a:srgbClr val="FFFF00"/>
+                        </a:highlight>
                         <a:latin typeface="Cambria Math" panose="02040503050406030204" pitchFamily="18" charset="0"/>
                       </a:rPr>
-                      <m:t>∗6.5=7.5</m:t>
+                      <m:t>∗6.5=</m:t>
+                    </m:r>
+                    <m:r>
+                      <a:rPr lang="it-IT" sz="2800" b="0" i="1" smtClean="0">
+                        <a:highlight>
+                          <a:srgbClr val="FFFF00"/>
+                        </a:highlight>
+                        <a:latin typeface="Cambria Math" panose="02040503050406030204" pitchFamily="18" charset="0"/>
+                      </a:rPr>
+                      <m:t>6.529</m:t>
                     </m:r>
                   </m:oMath>
                 </a14:m>
                 <a:r>
-                  <a:rPr lang="it-IT" sz="2000" dirty="0"/>
+                  <a:rPr lang="it-IT" sz="2000" dirty="0">
+                    <a:highlight>
+                      <a:srgbClr val="FFFF00"/>
+                    </a:highlight>
+                  </a:rPr>
                   <a:t>  </a:t>
                 </a:r>
               </a:p>
@@ -10048,8 +15285,8 @@
             </p:nvSpPr>
             <p:spPr>
               <a:xfrm>
-                <a:off x="3322674" y="5432862"/>
-                <a:ext cx="7485062" cy="616066"/>
+                <a:off x="2148967" y="5605281"/>
+                <a:ext cx="9843144" cy="618374"/>
               </a:xfrm>
               <a:prstGeom prst="rect">
                 <a:avLst/>
@@ -10057,7 +15294,7 @@
               <a:blipFill>
                 <a:blip r:embed="rId3"/>
                 <a:stretch>
-                  <a:fillRect/>
+                  <a:fillRect l="-62"/>
                 </a:stretch>
               </a:blipFill>
             </p:spPr>
@@ -10089,7 +15326,7 @@
 </p:sld>
 </file>
 
-<file path=ppt/slides/slide8.xml><?xml version="1.0" encoding="utf-8"?>
+<file path=ppt/slides/slide9.xml><?xml version="1.0" encoding="utf-8"?>
 <p:sld xmlns:a="http://schemas.openxmlformats.org/drawingml/2006/main" xmlns:r="http://schemas.openxmlformats.org/officeDocument/2006/relationships" xmlns:p="http://schemas.openxmlformats.org/presentationml/2006/main">
   <p:cSld>
     <p:spTree>
@@ -10170,8 +15407,12 @@
               <a:lstStyle/>
               <a:p>
                 <a:r>
+                  <a:rPr lang="it-IT" b="1" dirty="0"/>
+                  <a:t>Quantili</a:t>
+                </a:r>
+                <a:r>
                   <a:rPr lang="it-IT" dirty="0"/>
-                  <a:t>Quantili. Il quantile di ordine </a:t>
+                  <a:t>. Il quantile di ordine </a:t>
                 </a:r>
                 <a14:m>
                   <m:oMath xmlns:m="http://schemas.openxmlformats.org/officeDocument/2006/math">
@@ -10276,7 +15517,11 @@
                   <a:t>, i quantili prendono il nome di </a:t>
                 </a:r>
                 <a:r>
-                  <a:rPr lang="it-IT" b="1" dirty="0"/>
+                  <a:rPr lang="it-IT" b="1" dirty="0">
+                    <a:solidFill>
+                      <a:srgbClr val="C00000"/>
+                    </a:solidFill>
+                  </a:rPr>
                   <a:t>quartili</a:t>
                 </a:r>
                 <a:r>
@@ -10315,7 +15560,7 @@
               <a:blipFill>
                 <a:blip r:embed="rId2"/>
                 <a:stretch>
-                  <a:fillRect l="-999" t="-1929"/>
+                  <a:fillRect l="-999" t="-1822" r="-111"/>
                 </a:stretch>
               </a:blipFill>
             </p:spPr>
@@ -10368,306 +15613,6 @@
     <p:extLst>
       <p:ext uri="{BB962C8B-B14F-4D97-AF65-F5344CB8AC3E}">
         <p14:creationId xmlns:p14="http://schemas.microsoft.com/office/powerpoint/2010/main" val="2955274663"/>
-      </p:ext>
-    </p:extLst>
-  </p:cSld>
-  <p:clrMapOvr>
-    <a:masterClrMapping/>
-  </p:clrMapOvr>
-</p:sld>
-</file>
-
-<file path=ppt/slides/slide9.xml><?xml version="1.0" encoding="utf-8"?>
-<p:sld xmlns:a="http://schemas.openxmlformats.org/drawingml/2006/main" xmlns:r="http://schemas.openxmlformats.org/officeDocument/2006/relationships" xmlns:p="http://schemas.openxmlformats.org/presentationml/2006/main">
-  <p:cSld>
-    <p:spTree>
-      <p:nvGrpSpPr>
-        <p:cNvPr id="1" name=""/>
-        <p:cNvGrpSpPr/>
-        <p:nvPr/>
-      </p:nvGrpSpPr>
-      <p:grpSpPr>
-        <a:xfrm>
-          <a:off x="0" y="0"/>
-          <a:ext cx="0" cy="0"/>
-          <a:chOff x="0" y="0"/>
-          <a:chExt cx="0" cy="0"/>
-        </a:xfrm>
-      </p:grpSpPr>
-      <p:sp>
-        <p:nvSpPr>
-          <p:cNvPr id="2" name="Titolo 1">
-            <a:extLst>
-              <a:ext uri="{FF2B5EF4-FFF2-40B4-BE49-F238E27FC236}">
-                <a16:creationId xmlns:a16="http://schemas.microsoft.com/office/drawing/2014/main" id="{D2B76FBB-BE38-8B8F-C8DE-39D3BA2EF06F}"/>
-              </a:ext>
-            </a:extLst>
-          </p:cNvPr>
-          <p:cNvSpPr>
-            <a:spLocks noGrp="1"/>
-          </p:cNvSpPr>
-          <p:nvPr>
-            <p:ph type="title"/>
-          </p:nvPr>
-        </p:nvSpPr>
-        <p:spPr>
-          <a:xfrm>
-            <a:off x="838200" y="18255"/>
-            <a:ext cx="10515600" cy="1325563"/>
-          </a:xfrm>
-        </p:spPr>
-        <p:txBody>
-          <a:bodyPr/>
-          <a:lstStyle/>
-          <a:p>
-            <a:r>
-              <a:rPr lang="it-IT" dirty="0"/>
-              <a:t>Indici di posizione (3)</a:t>
-            </a:r>
-          </a:p>
-        </p:txBody>
-      </p:sp>
-      <mc:AlternateContent xmlns:mc="http://schemas.openxmlformats.org/markup-compatibility/2006">
-        <mc:Choice xmlns:a14="http://schemas.microsoft.com/office/drawing/2010/main" Requires="a14">
-          <p:sp>
-            <p:nvSpPr>
-              <p:cNvPr id="7" name="Segnaposto contenuto 6">
-                <a:extLst>
-                  <a:ext uri="{FF2B5EF4-FFF2-40B4-BE49-F238E27FC236}">
-                    <a16:creationId xmlns:a16="http://schemas.microsoft.com/office/drawing/2014/main" id="{CA78DC45-A86C-97D1-45B9-607F02384A09}"/>
-                  </a:ext>
-                </a:extLst>
-              </p:cNvPr>
-              <p:cNvSpPr>
-                <a:spLocks noGrp="1"/>
-              </p:cNvSpPr>
-              <p:nvPr>
-                <p:ph idx="1"/>
-              </p:nvPr>
-            </p:nvSpPr>
-            <p:spPr>
-              <a:xfrm>
-                <a:off x="838200" y="1343818"/>
-                <a:ext cx="10515600" cy="4351338"/>
-              </a:xfrm>
-            </p:spPr>
-            <p:txBody>
-              <a:bodyPr>
-                <a:normAutofit lnSpcReduction="10000"/>
-              </a:bodyPr>
-              <a:lstStyle/>
-              <a:p>
-                <a:r>
-                  <a:rPr lang="it-IT" dirty="0"/>
-                  <a:t>Se</a:t>
-                </a:r>
-                <a14:m>
-                  <m:oMath xmlns:m="http://schemas.openxmlformats.org/officeDocument/2006/math">
-                    <m:r>
-                      <a:rPr lang="it-IT" b="0" i="0" smtClean="0">
-                        <a:latin typeface="Cambria Math" panose="02040503050406030204" pitchFamily="18" charset="0"/>
-                      </a:rPr>
-                      <m:t> </m:t>
-                    </m:r>
-                    <m:r>
-                      <a:rPr lang="it-IT" b="0" i="1" smtClean="0">
-                        <a:latin typeface="Cambria Math" panose="02040503050406030204" pitchFamily="18" charset="0"/>
-                      </a:rPr>
-                      <m:t>𝑝</m:t>
-                    </m:r>
-                    <m:r>
-                      <a:rPr lang="it-IT" b="0" i="1" smtClean="0">
-                        <a:latin typeface="Cambria Math" panose="02040503050406030204" pitchFamily="18" charset="0"/>
-                      </a:rPr>
-                      <m:t>∈</m:t>
-                    </m:r>
-                    <m:r>
-                      <m:rPr>
-                        <m:lit/>
-                      </m:rPr>
-                      <a:rPr lang="it-IT" b="0" i="1" smtClean="0">
-                        <a:latin typeface="Cambria Math" panose="02040503050406030204" pitchFamily="18" charset="0"/>
-                      </a:rPr>
-                      <m:t>{</m:t>
-                    </m:r>
-                    <m:r>
-                      <a:rPr lang="it-IT" b="0" i="1" smtClean="0">
-                        <a:latin typeface="Cambria Math" panose="02040503050406030204" pitchFamily="18" charset="0"/>
-                      </a:rPr>
-                      <m:t>0.1, 0.2, 0.3, …, 0.8, 0.9}</m:t>
-                    </m:r>
-                  </m:oMath>
-                </a14:m>
-                <a:r>
-                  <a:rPr lang="it-IT" dirty="0"/>
-                  <a:t>, i quantili prendono il nome di </a:t>
-                </a:r>
-                <a:r>
-                  <a:rPr lang="it-IT" b="1" dirty="0"/>
-                  <a:t>decili</a:t>
-                </a:r>
-                <a:r>
-                  <a:rPr lang="it-IT" dirty="0"/>
-                  <a:t>.</a:t>
-                </a:r>
-                <a:br>
-                  <a:rPr lang="it-IT" dirty="0"/>
-                </a:br>
-                <a:endParaRPr lang="it-IT" dirty="0"/>
-              </a:p>
-              <a:p>
-                <a:endParaRPr lang="it-IT" sz="1200" dirty="0"/>
-              </a:p>
-              <a:p>
-                <a:r>
-                  <a:rPr lang="it-IT" dirty="0"/>
-                  <a:t>Se</a:t>
-                </a:r>
-                <a14:m>
-                  <m:oMath xmlns:m="http://schemas.openxmlformats.org/officeDocument/2006/math">
-                    <m:r>
-                      <a:rPr lang="it-IT" b="0" i="0" smtClean="0">
-                        <a:latin typeface="Cambria Math" panose="02040503050406030204" pitchFamily="18" charset="0"/>
-                      </a:rPr>
-                      <m:t> </m:t>
-                    </m:r>
-                    <m:r>
-                      <a:rPr lang="it-IT" b="0" i="1" smtClean="0">
-                        <a:latin typeface="Cambria Math" panose="02040503050406030204" pitchFamily="18" charset="0"/>
-                      </a:rPr>
-                      <m:t>𝑝</m:t>
-                    </m:r>
-                    <m:r>
-                      <a:rPr lang="it-IT" b="0" i="1" smtClean="0">
-                        <a:latin typeface="Cambria Math" panose="02040503050406030204" pitchFamily="18" charset="0"/>
-                      </a:rPr>
-                      <m:t>∈</m:t>
-                    </m:r>
-                    <m:r>
-                      <m:rPr>
-                        <m:lit/>
-                      </m:rPr>
-                      <a:rPr lang="it-IT" b="0" i="1" smtClean="0">
-                        <a:latin typeface="Cambria Math" panose="02040503050406030204" pitchFamily="18" charset="0"/>
-                      </a:rPr>
-                      <m:t>{</m:t>
-                    </m:r>
-                    <m:r>
-                      <a:rPr lang="it-IT" b="0" i="1" smtClean="0">
-                        <a:latin typeface="Cambria Math" panose="02040503050406030204" pitchFamily="18" charset="0"/>
-                      </a:rPr>
-                      <m:t>0.01, 0.02, …, 0.98, 0.99}</m:t>
-                    </m:r>
-                  </m:oMath>
-                </a14:m>
-                <a:r>
-                  <a:rPr lang="it-IT" dirty="0"/>
-                  <a:t>, i quantili prendono il nome di </a:t>
-                </a:r>
-                <a:r>
-                  <a:rPr lang="it-IT" b="1" dirty="0"/>
-                  <a:t>percentili</a:t>
-                </a:r>
-                <a:r>
-                  <a:rPr lang="it-IT" dirty="0"/>
-                  <a:t>.</a:t>
-                </a:r>
-                <a:br>
-                  <a:rPr lang="it-IT" dirty="0"/>
-                </a:br>
-                <a:endParaRPr lang="it-IT" dirty="0"/>
-              </a:p>
-              <a:p>
-                <a:endParaRPr lang="it-IT" sz="1200" dirty="0"/>
-              </a:p>
-              <a:p>
-                <a:r>
-                  <a:rPr lang="it-IT" dirty="0"/>
-                  <a:t>Il quantile di ordine </a:t>
-                </a:r>
-                <a14:m>
-                  <m:oMath xmlns:m="http://schemas.openxmlformats.org/officeDocument/2006/math">
-                    <m:r>
-                      <a:rPr lang="it-IT" b="0" i="1" smtClean="0">
-                        <a:latin typeface="Cambria Math" panose="02040503050406030204" pitchFamily="18" charset="0"/>
-                      </a:rPr>
-                      <m:t>𝑝</m:t>
-                    </m:r>
-                    <m:r>
-                      <a:rPr lang="it-IT" b="0" i="1" smtClean="0">
-                        <a:latin typeface="Cambria Math" panose="02040503050406030204" pitchFamily="18" charset="0"/>
-                      </a:rPr>
-                      <m:t>=0.5</m:t>
-                    </m:r>
-                  </m:oMath>
-                </a14:m>
-                <a:r>
-                  <a:rPr lang="it-IT" dirty="0"/>
-                  <a:t> viene chiamato </a:t>
-                </a:r>
-                <a:r>
-                  <a:rPr lang="it-IT" b="1" dirty="0"/>
-                  <a:t>mediana</a:t>
-                </a:r>
-                <a:r>
-                  <a:rPr lang="it-IT" dirty="0"/>
-                  <a:t>, la quale rappresenta il valore che, nella successione ordinata dei dati, occupa la posizione centrale.</a:t>
-                </a:r>
-              </a:p>
-              <a:p>
-                <a:endParaRPr lang="it-IT" dirty="0"/>
-              </a:p>
-            </p:txBody>
-          </p:sp>
-        </mc:Choice>
-        <mc:Fallback>
-          <p:sp>
-            <p:nvSpPr>
-              <p:cNvPr id="7" name="Segnaposto contenuto 6">
-                <a:extLst>
-                  <a:ext uri="{FF2B5EF4-FFF2-40B4-BE49-F238E27FC236}">
-                    <a16:creationId xmlns:a16="http://schemas.microsoft.com/office/drawing/2014/main" id="{CA78DC45-A86C-97D1-45B9-607F02384A09}"/>
-                  </a:ext>
-                </a:extLst>
-              </p:cNvPr>
-              <p:cNvSpPr>
-                <a:spLocks noGrp="1" noRot="1" noChangeAspect="1" noMove="1" noResize="1" noEditPoints="1" noAdjustHandles="1" noChangeArrowheads="1" noChangeShapeType="1" noTextEdit="1"/>
-              </p:cNvSpPr>
-              <p:nvPr>
-                <p:ph idx="1"/>
-              </p:nvPr>
-            </p:nvSpPr>
-            <p:spPr>
-              <a:xfrm>
-                <a:off x="838200" y="1343818"/>
-                <a:ext cx="10515600" cy="4351338"/>
-              </a:xfrm>
-              <a:blipFill>
-                <a:blip r:embed="rId2"/>
-                <a:stretch>
-                  <a:fillRect l="-1043" t="-3081"/>
-                </a:stretch>
-              </a:blipFill>
-            </p:spPr>
-            <p:txBody>
-              <a:bodyPr/>
-              <a:lstStyle/>
-              <a:p>
-                <a:r>
-                  <a:rPr lang="it-IT">
-                    <a:noFill/>
-                  </a:rPr>
-                  <a:t> </a:t>
-                </a:r>
-              </a:p>
-            </p:txBody>
-          </p:sp>
-        </mc:Fallback>
-      </mc:AlternateContent>
-    </p:spTree>
-    <p:extLst>
-      <p:ext uri="{BB962C8B-B14F-4D97-AF65-F5344CB8AC3E}">
-        <p14:creationId xmlns:p14="http://schemas.microsoft.com/office/powerpoint/2010/main" val="2072887985"/>
       </p:ext>
     </p:extLst>
   </p:cSld>

--- a/Slide/BSTAT5 - IntroR - 1.pptx
+++ b/Slide/BSTAT5 - IntroR - 1.pptx
@@ -3360,12 +3360,26 @@
             <p:ph type="ctrTitle"/>
           </p:nvPr>
         </p:nvSpPr>
-        <p:spPr/>
+        <p:spPr>
+          <a:xfrm>
+            <a:off x="1524000" y="564223"/>
+            <a:ext cx="9144000" cy="2387600"/>
+          </a:xfrm>
+        </p:spPr>
         <p:txBody>
-          <a:bodyPr/>
+          <a:bodyPr>
+            <a:normAutofit fontScale="90000"/>
+          </a:bodyPr>
           <a:lstStyle/>
           <a:p>
-            <a:endParaRPr lang="it-IT" dirty="0"/>
+            <a:r>
+              <a:rPr lang="it-IT" dirty="0">
+                <a:solidFill>
+                  <a:srgbClr val="C00000"/>
+                </a:solidFill>
+              </a:rPr>
+              <a:t>Analisi di dati ambientali tramite risorse open source per la Data Science</a:t>
+            </a:r>
           </a:p>
         </p:txBody>
       </p:sp>
@@ -3385,12 +3399,65 @@
             <p:ph type="subTitle" idx="1"/>
           </p:nvPr>
         </p:nvSpPr>
-        <p:spPr/>
+        <p:spPr>
+          <a:xfrm>
+            <a:off x="973777" y="3602038"/>
+            <a:ext cx="10141527" cy="1655762"/>
+          </a:xfrm>
+        </p:spPr>
         <p:txBody>
-          <a:bodyPr/>
+          <a:bodyPr>
+            <a:normAutofit/>
+          </a:bodyPr>
           <a:lstStyle/>
           <a:p>
-            <a:endParaRPr lang="it-IT"/>
+            <a:r>
+              <a:rPr lang="it-IT" sz="4000" dirty="0"/>
+              <a:t>Introduzione alla Statistica Descrittiva con R</a:t>
+            </a:r>
+          </a:p>
+        </p:txBody>
+      </p:sp>
+      <p:sp>
+        <p:nvSpPr>
+          <p:cNvPr id="4" name="CasellaDiTesto 3">
+            <a:extLst>
+              <a:ext uri="{FF2B5EF4-FFF2-40B4-BE49-F238E27FC236}">
+                <a16:creationId xmlns:a16="http://schemas.microsoft.com/office/drawing/2014/main" id="{2463C980-2869-4DBD-BF80-3B17198EF81A}"/>
+              </a:ext>
+            </a:extLst>
+          </p:cNvPr>
+          <p:cNvSpPr txBox="1"/>
+          <p:nvPr/>
+        </p:nvSpPr>
+        <p:spPr>
+          <a:xfrm>
+            <a:off x="1524000" y="5257800"/>
+            <a:ext cx="5493940" cy="461665"/>
+          </a:xfrm>
+          <a:prstGeom prst="rect">
+            <a:avLst/>
+          </a:prstGeom>
+          <a:noFill/>
+        </p:spPr>
+        <p:txBody>
+          <a:bodyPr wrap="none" rtlCol="0">
+            <a:spAutoFit/>
+          </a:bodyPr>
+          <a:lstStyle/>
+          <a:p>
+            <a:r>
+              <a:rPr lang="it-IT" sz="2400" b="1" dirty="0">
+                <a:solidFill>
+                  <a:srgbClr val="C00000"/>
+                </a:solidFill>
+              </a:rPr>
+              <a:t>Roberto Ascari </a:t>
+            </a:r>
+            <a:r>
+              <a:rPr lang="it-IT" sz="2400" dirty="0"/>
+              <a:t>– roberto.ascari@unimib.it</a:t>
+            </a:r>
           </a:p>
         </p:txBody>
       </p:sp>
@@ -3457,8 +3524,8 @@
           </a:p>
         </p:txBody>
       </p:sp>
-      <mc:AlternateContent xmlns:mc="http://schemas.openxmlformats.org/markup-compatibility/2006">
-        <mc:Choice xmlns:a14="http://schemas.microsoft.com/office/drawing/2010/main" Requires="a14">
+      <mc:AlternateContent xmlns:mc="http://schemas.openxmlformats.org/markup-compatibility/2006" xmlns:a14="http://schemas.microsoft.com/office/drawing/2010/main">
+        <mc:Choice Requires="a14">
           <p:sp>
             <p:nvSpPr>
               <p:cNvPr id="7" name="Segnaposto contenuto 6">
@@ -4076,7 +4143,7 @@
             </p:txBody>
           </p:sp>
         </mc:Choice>
-        <mc:Fallback>
+        <mc:Fallback xmlns="">
           <p:sp>
             <p:nvSpPr>
               <p:cNvPr id="7" name="Segnaposto contenuto 6">
@@ -4183,8 +4250,8 @@
           </a:p>
         </p:txBody>
       </p:sp>
-      <mc:AlternateContent xmlns:mc="http://schemas.openxmlformats.org/markup-compatibility/2006">
-        <mc:Choice xmlns:a14="http://schemas.microsoft.com/office/drawing/2010/main" Requires="a14">
+      <mc:AlternateContent xmlns:mc="http://schemas.openxmlformats.org/markup-compatibility/2006" xmlns:a14="http://schemas.microsoft.com/office/drawing/2010/main">
+        <mc:Choice Requires="a14">
           <p:sp>
             <p:nvSpPr>
               <p:cNvPr id="3" name="Segnaposto contenuto 2">
@@ -4563,7 +4630,7 @@
             </p:txBody>
           </p:sp>
         </mc:Choice>
-        <mc:Fallback>
+        <mc:Fallback xmlns="">
           <p:sp>
             <p:nvSpPr>
               <p:cNvPr id="3" name="Segnaposto contenuto 2">
@@ -4923,8 +4990,8 @@
           </a:graphicData>
         </a:graphic>
       </p:graphicFrame>
-      <mc:AlternateContent xmlns:mc="http://schemas.openxmlformats.org/markup-compatibility/2006">
-        <mc:Choice xmlns:a14="http://schemas.microsoft.com/office/drawing/2010/main" Requires="a14">
+      <mc:AlternateContent xmlns:mc="http://schemas.openxmlformats.org/markup-compatibility/2006" xmlns:a14="http://schemas.microsoft.com/office/drawing/2010/main">
+        <mc:Choice Requires="a14">
           <p:graphicFrame>
             <p:nvGraphicFramePr>
               <p:cNvPr id="5" name="Tabella 4">
@@ -5600,7 +5667,7 @@
             </a:graphic>
           </p:graphicFrame>
         </mc:Choice>
-        <mc:Fallback>
+        <mc:Fallback xmlns="">
           <p:graphicFrame>
             <p:nvGraphicFramePr>
               <p:cNvPr id="5" name="Tabella 4">
@@ -6117,8 +6184,8 @@
           </a:p>
         </p:txBody>
       </p:sp>
-      <mc:AlternateContent xmlns:mc="http://schemas.openxmlformats.org/markup-compatibility/2006">
-        <mc:Choice xmlns:a14="http://schemas.microsoft.com/office/drawing/2010/main" Requires="a14">
+      <mc:AlternateContent xmlns:mc="http://schemas.openxmlformats.org/markup-compatibility/2006" xmlns:a14="http://schemas.microsoft.com/office/drawing/2010/main">
+        <mc:Choice Requires="a14">
           <p:sp>
             <p:nvSpPr>
               <p:cNvPr id="3" name="Segnaposto contenuto 2">
@@ -6493,7 +6560,7 @@
             </p:txBody>
           </p:sp>
         </mc:Choice>
-        <mc:Fallback>
+        <mc:Fallback xmlns="">
           <p:sp>
             <p:nvSpPr>
               <p:cNvPr id="3" name="Segnaposto contenuto 2">
@@ -6659,8 +6726,8 @@
           </a:p>
         </p:txBody>
       </p:sp>
-      <mc:AlternateContent xmlns:mc="http://schemas.openxmlformats.org/markup-compatibility/2006">
-        <mc:Choice xmlns:a14="http://schemas.microsoft.com/office/drawing/2010/main" Requires="a14">
+      <mc:AlternateContent xmlns:mc="http://schemas.openxmlformats.org/markup-compatibility/2006" xmlns:a14="http://schemas.microsoft.com/office/drawing/2010/main">
+        <mc:Choice Requires="a14">
           <p:sp>
             <p:nvSpPr>
               <p:cNvPr id="3" name="Segnaposto contenuto 2">
@@ -7029,7 +7096,7 @@
             </p:txBody>
           </p:sp>
         </mc:Choice>
-        <mc:Fallback>
+        <mc:Fallback xmlns="">
           <p:sp>
             <p:nvSpPr>
               <p:cNvPr id="3" name="Segnaposto contenuto 2">
@@ -7136,8 +7203,8 @@
           </a:p>
         </p:txBody>
       </p:sp>
-      <mc:AlternateContent xmlns:mc="http://schemas.openxmlformats.org/markup-compatibility/2006">
-        <mc:Choice xmlns:a14="http://schemas.microsoft.com/office/drawing/2010/main" Requires="a14">
+      <mc:AlternateContent xmlns:mc="http://schemas.openxmlformats.org/markup-compatibility/2006" xmlns:a14="http://schemas.microsoft.com/office/drawing/2010/main">
+        <mc:Choice Requires="a14">
           <p:sp>
             <p:nvSpPr>
               <p:cNvPr id="3" name="Segnaposto contenuto 2">
@@ -7699,7 +7766,7 @@
             </p:txBody>
           </p:sp>
         </mc:Choice>
-        <mc:Fallback>
+        <mc:Fallback xmlns="">
           <p:sp>
             <p:nvSpPr>
               <p:cNvPr id="3" name="Segnaposto contenuto 2">
@@ -12192,8 +12259,8 @@
           </a:p>
         </p:txBody>
       </p:sp>
-      <mc:AlternateContent xmlns:mc="http://schemas.openxmlformats.org/markup-compatibility/2006">
-        <mc:Choice xmlns:a14="http://schemas.microsoft.com/office/drawing/2010/main" Requires="a14">
+      <mc:AlternateContent xmlns:mc="http://schemas.openxmlformats.org/markup-compatibility/2006" xmlns:a14="http://schemas.microsoft.com/office/drawing/2010/main">
+        <mc:Choice Requires="a14">
           <p:sp>
             <p:nvSpPr>
               <p:cNvPr id="3" name="Segnaposto contenuto 2">
@@ -12386,13 +12453,7 @@
                       <a:rPr lang="it-IT" b="0" i="1" smtClean="0">
                         <a:latin typeface="Cambria Math" panose="02040503050406030204" pitchFamily="18" charset="0"/>
                       </a:rPr>
-                      <m:t>)</m:t>
-                    </m:r>
-                    <m:r>
-                      <a:rPr lang="it-IT" b="0" i="1" smtClean="0">
-                        <a:latin typeface="Cambria Math" panose="02040503050406030204" pitchFamily="18" charset="0"/>
-                      </a:rPr>
-                      <m:t>=</m:t>
+                      <m:t>)=</m:t>
                     </m:r>
                     <m:f>
                       <m:fPr>
@@ -12619,7 +12680,7 @@
             </p:txBody>
           </p:sp>
         </mc:Choice>
-        <mc:Fallback>
+        <mc:Fallback xmlns="">
           <p:sp>
             <p:nvSpPr>
               <p:cNvPr id="3" name="Segnaposto contenuto 2">
@@ -13042,8 +13103,8 @@
           </a:p>
         </p:txBody>
       </p:sp>
-      <mc:AlternateContent xmlns:mc="http://schemas.openxmlformats.org/markup-compatibility/2006">
-        <mc:Choice xmlns:a14="http://schemas.microsoft.com/office/drawing/2010/main" Requires="a14">
+      <mc:AlternateContent xmlns:mc="http://schemas.openxmlformats.org/markup-compatibility/2006" xmlns:a14="http://schemas.microsoft.com/office/drawing/2010/main">
+        <mc:Choice Requires="a14">
           <p:sp>
             <p:nvSpPr>
               <p:cNvPr id="3" name="Segnaposto contenuto 2">
@@ -14006,7 +14067,7 @@
             </p:txBody>
           </p:sp>
         </mc:Choice>
-        <mc:Fallback>
+        <mc:Fallback xmlns="">
           <p:sp>
             <p:nvSpPr>
               <p:cNvPr id="3" name="Segnaposto contenuto 2">
@@ -14655,9 +14716,6 @@
                       <m:fPr>
                         <m:ctrlPr>
                           <a:rPr lang="it-IT" sz="2800" b="0" i="1" smtClean="0">
-                            <a:highlight>
-                              <a:srgbClr val="FFFF00"/>
-                            </a:highlight>
                             <a:latin typeface="Cambria Math" panose="02040503050406030204" pitchFamily="18" charset="0"/>
                           </a:rPr>
                         </m:ctrlPr>
@@ -14667,9 +14725,6 @@
                           <m:dPr>
                             <m:ctrlPr>
                               <a:rPr lang="it-IT" sz="2800" b="0" i="1" smtClean="0">
-                                <a:highlight>
-                                  <a:srgbClr val="FFFF00"/>
-                                </a:highlight>
                                 <a:latin typeface="Cambria Math" panose="02040503050406030204" pitchFamily="18" charset="0"/>
                               </a:rPr>
                             </m:ctrlPr>
@@ -14679,9 +14734,6 @@
                               <m:dPr>
                                 <m:ctrlPr>
                                   <a:rPr lang="it-IT" sz="2800" b="0" i="1" smtClean="0">
-                                    <a:highlight>
-                                      <a:srgbClr val="FFFF00"/>
-                                    </a:highlight>
                                     <a:latin typeface="Cambria Math" panose="02040503050406030204" pitchFamily="18" charset="0"/>
                                   </a:rPr>
                                 </m:ctrlPr>
@@ -14689,9 +14741,6 @@
                               <m:e>
                                 <m:r>
                                   <a:rPr lang="it-IT" sz="2800" b="0" i="1" smtClean="0">
-                                    <a:highlight>
-                                      <a:srgbClr val="FFFF00"/>
-                                    </a:highlight>
                                     <a:latin typeface="Cambria Math" panose="02040503050406030204" pitchFamily="18" charset="0"/>
                                   </a:rPr>
                                   <m:t>1.5∗2</m:t>
@@ -14700,9 +14749,6 @@
                             </m:d>
                             <m:r>
                               <a:rPr lang="it-IT" sz="2800" b="0" i="1" smtClean="0">
-                                <a:highlight>
-                                  <a:srgbClr val="FFFF00"/>
-                                </a:highlight>
                                 <a:latin typeface="Cambria Math" panose="02040503050406030204" pitchFamily="18" charset="0"/>
                               </a:rPr>
                               <m:t>+</m:t>
@@ -14711,9 +14757,6 @@
                               <m:dPr>
                                 <m:ctrlPr>
                                   <a:rPr lang="it-IT" sz="2800" b="0" i="1" smtClean="0">
-                                    <a:highlight>
-                                      <a:srgbClr val="FFFF00"/>
-                                    </a:highlight>
                                     <a:latin typeface="Cambria Math" panose="02040503050406030204" pitchFamily="18" charset="0"/>
                                   </a:rPr>
                                 </m:ctrlPr>
@@ -14721,9 +14764,6 @@
                               <m:e>
                                 <m:r>
                                   <a:rPr lang="it-IT" sz="2800" b="0" i="1" smtClean="0">
-                                    <a:highlight>
-                                      <a:srgbClr val="FFFF00"/>
-                                    </a:highlight>
                                     <a:latin typeface="Cambria Math" panose="02040503050406030204" pitchFamily="18" charset="0"/>
                                   </a:rPr>
                                   <m:t>1∗8</m:t>
@@ -14732,9 +14772,6 @@
                             </m:d>
                             <m:r>
                               <a:rPr lang="it-IT" sz="2800" b="0" i="1" smtClean="0">
-                                <a:highlight>
-                                  <a:srgbClr val="FFFF00"/>
-                                </a:highlight>
                                 <a:latin typeface="Cambria Math" panose="02040503050406030204" pitchFamily="18" charset="0"/>
                               </a:rPr>
                               <m:t>+</m:t>
@@ -14743,9 +14780,6 @@
                               <m:dPr>
                                 <m:ctrlPr>
                                   <a:rPr lang="it-IT" sz="2800" b="0" i="1" smtClean="0">
-                                    <a:highlight>
-                                      <a:srgbClr val="FFFF00"/>
-                                    </a:highlight>
                                     <a:latin typeface="Cambria Math" panose="02040503050406030204" pitchFamily="18" charset="0"/>
                                   </a:rPr>
                                 </m:ctrlPr>
@@ -14753,9 +14787,6 @@
                               <m:e>
                                 <m:r>
                                   <a:rPr lang="it-IT" sz="2800" b="0" i="1" smtClean="0">
-                                    <a:highlight>
-                                      <a:srgbClr val="FFFF00"/>
-                                    </a:highlight>
                                     <a:latin typeface="Cambria Math" panose="02040503050406030204" pitchFamily="18" charset="0"/>
                                   </a:rPr>
                                   <m:t>1.5∗7</m:t>
@@ -14764,9 +14795,6 @@
                             </m:d>
                             <m:r>
                               <a:rPr lang="it-IT" sz="2800" b="0" i="1" smtClean="0">
-                                <a:highlight>
-                                  <a:srgbClr val="FFFF00"/>
-                                </a:highlight>
                                 <a:latin typeface="Cambria Math" panose="02040503050406030204" pitchFamily="18" charset="0"/>
                               </a:rPr>
                               <m:t>+</m:t>
@@ -14775,9 +14803,6 @@
                               <m:dPr>
                                 <m:ctrlPr>
                                   <a:rPr lang="it-IT" sz="2800" b="0" i="1" smtClean="0">
-                                    <a:highlight>
-                                      <a:srgbClr val="FFFF00"/>
-                                    </a:highlight>
                                     <a:latin typeface="Cambria Math" panose="02040503050406030204" pitchFamily="18" charset="0"/>
                                   </a:rPr>
                                 </m:ctrlPr>
@@ -14785,9 +14810,6 @@
                               <m:e>
                                 <m:r>
                                   <a:rPr lang="it-IT" sz="2800" b="0" i="1" smtClean="0">
-                                    <a:highlight>
-                                      <a:srgbClr val="FFFF00"/>
-                                    </a:highlight>
                                     <a:latin typeface="Cambria Math" panose="02040503050406030204" pitchFamily="18" charset="0"/>
                                   </a:rPr>
                                   <m:t>2∗8.5</m:t>
@@ -14796,9 +14818,6 @@
                             </m:d>
                             <m:r>
                               <a:rPr lang="it-IT" sz="2800" b="0" i="1" smtClean="0">
-                                <a:highlight>
-                                  <a:srgbClr val="FFFF00"/>
-                                </a:highlight>
                                 <a:latin typeface="Cambria Math" panose="02040503050406030204" pitchFamily="18" charset="0"/>
                               </a:rPr>
                               <m:t>+</m:t>
@@ -14807,9 +14826,6 @@
                               <m:dPr>
                                 <m:ctrlPr>
                                   <a:rPr lang="it-IT" sz="2800" b="0" i="1" smtClean="0">
-                                    <a:highlight>
-                                      <a:srgbClr val="FFFF00"/>
-                                    </a:highlight>
                                     <a:latin typeface="Cambria Math" panose="02040503050406030204" pitchFamily="18" charset="0"/>
                                   </a:rPr>
                                 </m:ctrlPr>
@@ -14817,9 +14833,6 @@
                               <m:e>
                                 <m:r>
                                   <a:rPr lang="it-IT" sz="2800" b="0" i="1" smtClean="0">
-                                    <a:highlight>
-                                      <a:srgbClr val="FFFF00"/>
-                                    </a:highlight>
                                     <a:latin typeface="Cambria Math" panose="02040503050406030204" pitchFamily="18" charset="0"/>
                                   </a:rPr>
                                   <m:t>1.5∗7</m:t>
@@ -14828,9 +14841,6 @@
                             </m:d>
                             <m:r>
                               <a:rPr lang="it-IT" sz="2800" b="0" i="1" smtClean="0">
-                                <a:highlight>
-                                  <a:srgbClr val="FFFF00"/>
-                                </a:highlight>
                                 <a:latin typeface="Cambria Math" panose="02040503050406030204" pitchFamily="18" charset="0"/>
                               </a:rPr>
                               <m:t>+</m:t>
@@ -14839,9 +14849,6 @@
                               <m:dPr>
                                 <m:ctrlPr>
                                   <a:rPr lang="it-IT" sz="2800" b="0" i="1" smtClean="0">
-                                    <a:highlight>
-                                      <a:srgbClr val="FFFF00"/>
-                                    </a:highlight>
                                     <a:latin typeface="Cambria Math" panose="02040503050406030204" pitchFamily="18" charset="0"/>
                                   </a:rPr>
                                 </m:ctrlPr>
@@ -14849,9 +14856,6 @@
                               <m:e>
                                 <m:r>
                                   <a:rPr lang="it-IT" sz="2800" b="0" i="1" smtClean="0">
-                                    <a:highlight>
-                                      <a:srgbClr val="FFFF00"/>
-                                    </a:highlight>
                                     <a:latin typeface="Cambria Math" panose="02040503050406030204" pitchFamily="18" charset="0"/>
                                   </a:rPr>
                                   <m:t>1∗6.5</m:t>
@@ -14864,30 +14868,9 @@
                       <m:den>
                         <m:r>
                           <a:rPr lang="it-IT" sz="2800" b="0" i="1" smtClean="0">
-                            <a:highlight>
-                              <a:srgbClr val="FFFF00"/>
-                            </a:highlight>
                             <a:latin typeface="Cambria Math" panose="02040503050406030204" pitchFamily="18" charset="0"/>
                           </a:rPr>
-                          <m:t>(</m:t>
-                        </m:r>
-                        <m:r>
-                          <a:rPr lang="it-IT" sz="2800" b="0" i="1" smtClean="0">
-                            <a:highlight>
-                              <a:srgbClr val="FFFF00"/>
-                            </a:highlight>
-                            <a:latin typeface="Cambria Math" panose="02040503050406030204" pitchFamily="18" charset="0"/>
-                          </a:rPr>
-                          <m:t>1.5+</m:t>
-                        </m:r>
-                        <m:r>
-                          <a:rPr lang="it-IT" sz="2800" b="0" i="1" smtClean="0">
-                            <a:highlight>
-                              <a:srgbClr val="FFFF00"/>
-                            </a:highlight>
-                            <a:latin typeface="Cambria Math" panose="02040503050406030204" pitchFamily="18" charset="0"/>
-                          </a:rPr>
-                          <m:t>1+2+1.5+2+1)</m:t>
+                          <m:t>(1.5+1+2+1.5+2+1)</m:t>
                         </m:r>
                       </m:den>
                     </m:f>
@@ -14980,9 +14963,6 @@
                   <m:oMath xmlns:m="http://schemas.openxmlformats.org/officeDocument/2006/math">
                     <m:r>
                       <a:rPr lang="it-IT" sz="2800" b="0" i="1" smtClean="0">
-                        <a:highlight>
-                          <a:srgbClr val="FFFF00"/>
-                        </a:highlight>
                         <a:latin typeface="Cambria Math" panose="02040503050406030204" pitchFamily="18" charset="0"/>
                       </a:rPr>
                       <m:t>=</m:t>
@@ -14991,9 +14971,6 @@
                       <m:fPr>
                         <m:ctrlPr>
                           <a:rPr lang="it-IT" sz="2800" b="0" i="1" smtClean="0">
-                            <a:highlight>
-                              <a:srgbClr val="FFFF00"/>
-                            </a:highlight>
                             <a:latin typeface="Cambria Math" panose="02040503050406030204" pitchFamily="18" charset="0"/>
                           </a:rPr>
                         </m:ctrlPr>
@@ -15001,9 +14978,6 @@
                       <m:num>
                         <m:r>
                           <a:rPr lang="it-IT" sz="2800" b="0" i="1" smtClean="0">
-                            <a:highlight>
-                              <a:srgbClr val="FFFF00"/>
-                            </a:highlight>
                             <a:latin typeface="Cambria Math" panose="02040503050406030204" pitchFamily="18" charset="0"/>
                           </a:rPr>
                           <m:t>1.5</m:t>
@@ -15012,9 +14986,6 @@
                       <m:den>
                         <m:r>
                           <a:rPr lang="it-IT" sz="2800" b="0" i="1" smtClean="0">
-                            <a:highlight>
-                              <a:srgbClr val="FFFF00"/>
-                            </a:highlight>
                             <a:latin typeface="Cambria Math" panose="02040503050406030204" pitchFamily="18" charset="0"/>
                           </a:rPr>
                           <m:t>8.5</m:t>
@@ -15023,9 +14994,6 @@
                     </m:f>
                     <m:r>
                       <a:rPr lang="it-IT" sz="2800" b="0" i="1" smtClean="0">
-                        <a:highlight>
-                          <a:srgbClr val="FFFF00"/>
-                        </a:highlight>
                         <a:latin typeface="Cambria Math" panose="02040503050406030204" pitchFamily="18" charset="0"/>
                       </a:rPr>
                       <m:t>∗2+</m:t>
@@ -15034,9 +15002,6 @@
                       <m:fPr>
                         <m:ctrlPr>
                           <a:rPr lang="it-IT" sz="2800" b="0" i="1" smtClean="0">
-                            <a:highlight>
-                              <a:srgbClr val="FFFF00"/>
-                            </a:highlight>
                             <a:latin typeface="Cambria Math" panose="02040503050406030204" pitchFamily="18" charset="0"/>
                           </a:rPr>
                         </m:ctrlPr>
@@ -15044,9 +15009,6 @@
                       <m:num>
                         <m:r>
                           <a:rPr lang="it-IT" sz="2800" b="0" i="1" smtClean="0">
-                            <a:highlight>
-                              <a:srgbClr val="FFFF00"/>
-                            </a:highlight>
                             <a:latin typeface="Cambria Math" panose="02040503050406030204" pitchFamily="18" charset="0"/>
                           </a:rPr>
                           <m:t>1</m:t>
@@ -15055,9 +15017,6 @@
                       <m:den>
                         <m:r>
                           <a:rPr lang="it-IT" sz="2800" i="1">
-                            <a:highlight>
-                              <a:srgbClr val="FFFF00"/>
-                            </a:highlight>
                             <a:latin typeface="Cambria Math" panose="02040503050406030204" pitchFamily="18" charset="0"/>
                           </a:rPr>
                           <m:t>8.5</m:t>
@@ -15066,9 +15025,6 @@
                     </m:f>
                     <m:r>
                       <a:rPr lang="it-IT" sz="2800" b="0" i="1" smtClean="0">
-                        <a:highlight>
-                          <a:srgbClr val="FFFF00"/>
-                        </a:highlight>
                         <a:latin typeface="Cambria Math" panose="02040503050406030204" pitchFamily="18" charset="0"/>
                       </a:rPr>
                       <m:t>∗8+</m:t>
@@ -15077,9 +15033,6 @@
                       <m:fPr>
                         <m:ctrlPr>
                           <a:rPr lang="it-IT" sz="2800" b="0" i="1" smtClean="0">
-                            <a:highlight>
-                              <a:srgbClr val="FFFF00"/>
-                            </a:highlight>
                             <a:latin typeface="Cambria Math" panose="02040503050406030204" pitchFamily="18" charset="0"/>
                           </a:rPr>
                         </m:ctrlPr>
@@ -15087,9 +15040,6 @@
                       <m:num>
                         <m:r>
                           <a:rPr lang="it-IT" sz="2800" b="0" i="1" smtClean="0">
-                            <a:highlight>
-                              <a:srgbClr val="FFFF00"/>
-                            </a:highlight>
                             <a:latin typeface="Cambria Math" panose="02040503050406030204" pitchFamily="18" charset="0"/>
                           </a:rPr>
                           <m:t>1.5</m:t>
@@ -15098,9 +15048,6 @@
                       <m:den>
                         <m:r>
                           <a:rPr lang="it-IT" sz="2800" i="1">
-                            <a:highlight>
-                              <a:srgbClr val="FFFF00"/>
-                            </a:highlight>
                             <a:latin typeface="Cambria Math" panose="02040503050406030204" pitchFamily="18" charset="0"/>
                           </a:rPr>
                           <m:t>8.5</m:t>
@@ -15109,9 +15056,6 @@
                     </m:f>
                     <m:r>
                       <a:rPr lang="it-IT" sz="2800" b="0" i="1" smtClean="0">
-                        <a:highlight>
-                          <a:srgbClr val="FFFF00"/>
-                        </a:highlight>
                         <a:latin typeface="Cambria Math" panose="02040503050406030204" pitchFamily="18" charset="0"/>
                       </a:rPr>
                       <m:t>∗7+</m:t>
@@ -15120,9 +15064,6 @@
                       <m:fPr>
                         <m:ctrlPr>
                           <a:rPr lang="it-IT" sz="2800" b="0" i="1" smtClean="0">
-                            <a:highlight>
-                              <a:srgbClr val="FFFF00"/>
-                            </a:highlight>
                             <a:latin typeface="Cambria Math" panose="02040503050406030204" pitchFamily="18" charset="0"/>
                           </a:rPr>
                         </m:ctrlPr>
@@ -15130,9 +15071,6 @@
                       <m:num>
                         <m:r>
                           <a:rPr lang="it-IT" sz="2800" b="0" i="1" smtClean="0">
-                            <a:highlight>
-                              <a:srgbClr val="FFFF00"/>
-                            </a:highlight>
                             <a:latin typeface="Cambria Math" panose="02040503050406030204" pitchFamily="18" charset="0"/>
                           </a:rPr>
                           <m:t>2</m:t>
@@ -15141,9 +15079,6 @@
                       <m:den>
                         <m:r>
                           <a:rPr lang="it-IT" sz="2800" i="1">
-                            <a:highlight>
-                              <a:srgbClr val="FFFF00"/>
-                            </a:highlight>
                             <a:latin typeface="Cambria Math" panose="02040503050406030204" pitchFamily="18" charset="0"/>
                           </a:rPr>
                           <m:t>8.5</m:t>
@@ -15152,9 +15087,6 @@
                     </m:f>
                     <m:r>
                       <a:rPr lang="it-IT" sz="2800" b="0" i="1" smtClean="0">
-                        <a:highlight>
-                          <a:srgbClr val="FFFF00"/>
-                        </a:highlight>
                         <a:latin typeface="Cambria Math" panose="02040503050406030204" pitchFamily="18" charset="0"/>
                       </a:rPr>
                       <m:t>∗8.5+</m:t>
@@ -15163,9 +15095,6 @@
                       <m:fPr>
                         <m:ctrlPr>
                           <a:rPr lang="it-IT" sz="2800" b="0" i="1" smtClean="0">
-                            <a:highlight>
-                              <a:srgbClr val="FFFF00"/>
-                            </a:highlight>
                             <a:latin typeface="Cambria Math" panose="02040503050406030204" pitchFamily="18" charset="0"/>
                           </a:rPr>
                         </m:ctrlPr>
@@ -15173,9 +15102,6 @@
                       <m:num>
                         <m:r>
                           <a:rPr lang="it-IT" sz="2800" b="0" i="1" smtClean="0">
-                            <a:highlight>
-                              <a:srgbClr val="FFFF00"/>
-                            </a:highlight>
                             <a:latin typeface="Cambria Math" panose="02040503050406030204" pitchFamily="18" charset="0"/>
                           </a:rPr>
                           <m:t>1.5</m:t>
@@ -15184,9 +15110,6 @@
                       <m:den>
                         <m:r>
                           <a:rPr lang="it-IT" sz="2800" i="1">
-                            <a:highlight>
-                              <a:srgbClr val="FFFF00"/>
-                            </a:highlight>
                             <a:latin typeface="Cambria Math" panose="02040503050406030204" pitchFamily="18" charset="0"/>
                           </a:rPr>
                           <m:t>8.5</m:t>
@@ -15195,9 +15118,6 @@
                     </m:f>
                     <m:r>
                       <a:rPr lang="it-IT" sz="2800" b="0" i="1" smtClean="0">
-                        <a:highlight>
-                          <a:srgbClr val="FFFF00"/>
-                        </a:highlight>
                         <a:latin typeface="Cambria Math" panose="02040503050406030204" pitchFamily="18" charset="0"/>
                       </a:rPr>
                       <m:t>∗7+</m:t>
@@ -15206,9 +15126,6 @@
                       <m:fPr>
                         <m:ctrlPr>
                           <a:rPr lang="it-IT" sz="2800" b="0" i="1" smtClean="0">
-                            <a:highlight>
-                              <a:srgbClr val="FFFF00"/>
-                            </a:highlight>
                             <a:latin typeface="Cambria Math" panose="02040503050406030204" pitchFamily="18" charset="0"/>
                           </a:rPr>
                         </m:ctrlPr>
@@ -15216,9 +15133,6 @@
                       <m:num>
                         <m:r>
                           <a:rPr lang="it-IT" sz="2800" b="0" i="1" smtClean="0">
-                            <a:highlight>
-                              <a:srgbClr val="FFFF00"/>
-                            </a:highlight>
                             <a:latin typeface="Cambria Math" panose="02040503050406030204" pitchFamily="18" charset="0"/>
                           </a:rPr>
                           <m:t>1</m:t>
@@ -15227,9 +15141,6 @@
                       <m:den>
                         <m:r>
                           <a:rPr lang="it-IT" sz="2800" i="1">
-                            <a:highlight>
-                              <a:srgbClr val="FFFF00"/>
-                            </a:highlight>
                             <a:latin typeface="Cambria Math" panose="02040503050406030204" pitchFamily="18" charset="0"/>
                           </a:rPr>
                           <m:t>8.5</m:t>
@@ -15238,30 +15149,14 @@
                     </m:f>
                     <m:r>
                       <a:rPr lang="it-IT" sz="2800" b="0" i="1" smtClean="0">
-                        <a:highlight>
-                          <a:srgbClr val="FFFF00"/>
-                        </a:highlight>
                         <a:latin typeface="Cambria Math" panose="02040503050406030204" pitchFamily="18" charset="0"/>
                       </a:rPr>
-                      <m:t>∗6.5=</m:t>
-                    </m:r>
-                    <m:r>
-                      <a:rPr lang="it-IT" sz="2800" b="0" i="1" smtClean="0">
-                        <a:highlight>
-                          <a:srgbClr val="FFFF00"/>
-                        </a:highlight>
-                        <a:latin typeface="Cambria Math" panose="02040503050406030204" pitchFamily="18" charset="0"/>
-                      </a:rPr>
-                      <m:t>6.529</m:t>
+                      <m:t>∗6.5=6.529</m:t>
                     </m:r>
                   </m:oMath>
                 </a14:m>
                 <a:r>
-                  <a:rPr lang="it-IT" sz="2000" dirty="0">
-                    <a:highlight>
-                      <a:srgbClr val="FFFF00"/>
-                    </a:highlight>
-                  </a:rPr>
+                  <a:rPr lang="it-IT" sz="2000" dirty="0"/>
                   <a:t>  </a:t>
                 </a:r>
               </a:p>
@@ -15294,7 +15189,7 @@
               <a:blipFill>
                 <a:blip r:embed="rId3"/>
                 <a:stretch>
-                  <a:fillRect l="-62"/>
+                  <a:fillRect/>
                 </a:stretch>
               </a:blipFill>
             </p:spPr>
@@ -15407,12 +15302,24 @@
               <a:lstStyle/>
               <a:p>
                 <a:r>
-                  <a:rPr lang="it-IT" b="1" dirty="0"/>
+                  <a:rPr lang="it-IT" b="1" dirty="0">
+                    <a:solidFill>
+                      <a:srgbClr val="C00000"/>
+                    </a:solidFill>
+                  </a:rPr>
                   <a:t>Quantili</a:t>
                 </a:r>
                 <a:r>
+                  <a:rPr lang="it-IT" dirty="0">
+                    <a:solidFill>
+                      <a:srgbClr val="C00000"/>
+                    </a:solidFill>
+                  </a:rPr>
+                  <a:t>.</a:t>
+                </a:r>
+                <a:r>
                   <a:rPr lang="it-IT" dirty="0"/>
-                  <a:t>. Il quantile di ordine </a:t>
+                  <a:t> Il quantile di ordine </a:t>
                 </a:r>
                 <a14:m>
                   <m:oMath xmlns:m="http://schemas.openxmlformats.org/officeDocument/2006/math">
